--- a/readme_dataflow.pptx
+++ b/readme_dataflow.pptx
@@ -11,9 +11,9 @@
     <p:handoutMasterId r:id="rId5"/>
   </p:handoutMasterIdLst>
   <p:sldIdLst>
-    <p:sldId id="257" r:id="rId3"/>
+    <p:sldId id="258" r:id="rId3"/>
   </p:sldIdLst>
-  <p:sldSz cx="25603200" cy="23774400"/>
+  <p:sldSz cx="27432000" cy="29260800"/>
   <p:notesSz cx="7103745" cy="10234295"/>
   <p:defaultTextStyle>
     <a:defPPr>
@@ -376,8 +376,8 @@
         </p:nvSpPr>
         <p:spPr>
           <a:xfrm>
-            <a:off x="1692763" y="1279525"/>
-            <a:ext cx="3720123" cy="3454400"/>
+            <a:off x="1933575" y="1279525"/>
+            <a:ext cx="3238500" cy="3454400"/>
           </a:xfrm>
           <a:prstGeom prst="rect">
             <a:avLst/>
@@ -630,6 +630,50 @@
 </p:notesMaster>
 </file>
 
+<file path=ppt/notesSlides/notesSlide1.xml><?xml version="1.0" encoding="utf-8"?>
+<p:notes xmlns:a="http://schemas.openxmlformats.org/drawingml/2006/main" xmlns:r="http://schemas.openxmlformats.org/officeDocument/2006/relationships" xmlns:p="http://schemas.openxmlformats.org/presentationml/2006/main">
+  <p:cSld>
+    <p:spTree>
+      <p:nvGrpSpPr>
+        <p:cNvPr id="1" name=""/>
+        <p:cNvGrpSpPr/>
+        <p:nvPr/>
+      </p:nvGrpSpPr>
+      <p:grpSpPr/>
+      <p:sp>
+        <p:nvSpPr>
+          <p:cNvPr id="2" name="Slide Image Placeholder 1"/>
+          <p:cNvSpPr/>
+          <p:nvPr>
+            <p:ph type="sldImg" idx="2"/>
+          </p:nvPr>
+        </p:nvSpPr>
+        <p:spPr/>
+      </p:sp>
+      <p:sp>
+        <p:nvSpPr>
+          <p:cNvPr id="3" name="Text Placeholder 2"/>
+          <p:cNvSpPr/>
+          <p:nvPr>
+            <p:ph type="body" idx="3"/>
+          </p:nvPr>
+        </p:nvSpPr>
+        <p:spPr/>
+        <p:txBody>
+          <a:bodyPr/>
+          <a:p>
+            <a:endParaRPr lang="en-US"/>
+          </a:p>
+        </p:txBody>
+      </p:sp>
+    </p:spTree>
+  </p:cSld>
+  <p:clrMapOvr>
+    <a:masterClrMapping/>
+  </p:clrMapOvr>
+</p:notes>
+</file>
+
 <file path=ppt/slideLayouts/slideLayout1.xml><?xml version="1.0" encoding="utf-8"?>
 <p:sldLayout xmlns:a="http://schemas.openxmlformats.org/drawingml/2006/main" xmlns:r="http://schemas.openxmlformats.org/officeDocument/2006/relationships" xmlns:p="http://schemas.openxmlformats.org/presentationml/2006/main" type="title" preserve="1">
   <p:cSld name="Title Slide">
@@ -659,8 +703,8 @@
         </p:nvSpPr>
         <p:spPr>
           <a:xfrm>
-            <a:off x="3200475" y="4586269"/>
-            <a:ext cx="19202843" cy="7581603"/>
+            <a:off x="3429081" y="5644639"/>
+            <a:ext cx="20574477" cy="9331204"/>
           </a:xfrm>
         </p:spPr>
         <p:txBody>
@@ -672,7 +716,7 @@
               <a:lnSpc>
                 <a:spcPct val="130000"/>
               </a:lnSpc>
-              <a:defRPr sz="16805">
+              <a:defRPr sz="18005">
                 <a:effectLst>
                   <a:outerShdw blurRad="38100" dist="38100" dir="2700000" algn="tl">
                     <a:srgbClr val="000000">
@@ -771,8 +815,8 @@
         </p:nvSpPr>
         <p:spPr>
           <a:xfrm>
-            <a:off x="3200475" y="12487065"/>
-            <a:ext cx="19202843" cy="5739975"/>
+            <a:off x="3429081" y="15368695"/>
+            <a:ext cx="20574477" cy="7064585"/>
           </a:xfrm>
         </p:spPr>
         <p:txBody>
@@ -782,7 +826,7 @@
           <a:lstStyle>
             <a:lvl1pPr marL="0" indent="0" algn="ctr">
               <a:buNone/>
-              <a:defRPr sz="5040">
+              <a:defRPr sz="5400">
                 <a:solidFill>
                   <a:schemeClr val="tx1">
                     <a:lumMod val="75000"/>
@@ -794,37 +838,37 @@
                 <a:ea typeface="Droid Sans Fallback" panose="020B0502000000000001" charset="-122"/>
               </a:defRPr>
             </a:lvl1pPr>
-            <a:lvl2pPr marL="1280160" indent="0" algn="ctr">
+            <a:lvl2pPr marL="1371600" indent="0" algn="ctr">
               <a:buNone/>
-              <a:defRPr sz="5600"/>
+              <a:defRPr sz="6000"/>
             </a:lvl2pPr>
-            <a:lvl3pPr marL="2560955" indent="0" algn="ctr">
+            <a:lvl3pPr marL="2743835" indent="0" algn="ctr">
               <a:buNone/>
-              <a:defRPr sz="5040"/>
+              <a:defRPr sz="5400"/>
             </a:lvl3pPr>
-            <a:lvl4pPr marL="3839845" indent="0" algn="ctr">
+            <a:lvl4pPr marL="4114165" indent="0" algn="ctr">
               <a:buNone/>
-              <a:defRPr sz="4485"/>
+              <a:defRPr sz="4805"/>
             </a:lvl4pPr>
-            <a:lvl5pPr marL="5120640" indent="0" algn="ctr">
+            <a:lvl5pPr marL="5486400" indent="0" algn="ctr">
               <a:buNone/>
-              <a:defRPr sz="4485"/>
+              <a:defRPr sz="4805"/>
             </a:lvl5pPr>
-            <a:lvl6pPr marL="6400800" indent="0" algn="ctr">
+            <a:lvl6pPr marL="6858000" indent="0" algn="ctr">
               <a:buNone/>
-              <a:defRPr sz="4485"/>
+              <a:defRPr sz="4805"/>
             </a:lvl6pPr>
-            <a:lvl7pPr marL="7680960" indent="0" algn="ctr">
+            <a:lvl7pPr marL="8229600" indent="0" algn="ctr">
               <a:buNone/>
-              <a:defRPr sz="4485"/>
+              <a:defRPr sz="4805"/>
             </a:lvl7pPr>
-            <a:lvl8pPr marL="8961755" indent="0" algn="ctr">
+            <a:lvl8pPr marL="9601835" indent="0" algn="ctr">
               <a:buNone/>
-              <a:defRPr sz="4485"/>
+              <a:defRPr sz="4805"/>
             </a:lvl8pPr>
-            <a:lvl9pPr marL="10240645" indent="0" algn="ctr">
+            <a:lvl9pPr marL="10972165" indent="0" algn="ctr">
               <a:buNone/>
-              <a:defRPr sz="4485"/>
+              <a:defRPr sz="4805"/>
             </a:lvl9pPr>
           </a:lstStyle>
           <a:p>
@@ -936,8 +980,8 @@
         </p:nvSpPr>
         <p:spPr>
           <a:xfrm>
-            <a:off x="1760261" y="1912015"/>
-            <a:ext cx="22083270" cy="19271099"/>
+            <a:off x="1885994" y="2353249"/>
+            <a:ext cx="23660649" cy="23718276"/>
           </a:xfrm>
         </p:spPr>
         <p:txBody>
@@ -1026,8 +1070,8 @@
         </p:nvSpPr>
         <p:spPr>
           <a:xfrm>
-            <a:off x="1360201" y="895943"/>
-            <a:ext cx="22083270" cy="4595285"/>
+            <a:off x="1457358" y="1102699"/>
+            <a:ext cx="23660649" cy="5655735"/>
           </a:xfrm>
         </p:spPr>
         <p:txBody>
@@ -1036,7 +1080,7 @@
           </a:bodyPr>
           <a:lstStyle>
             <a:lvl1pPr>
-              <a:defRPr sz="6720" b="1">
+              <a:defRPr sz="7200" b="1">
                 <a:effectLst>
                   <a:outerShdw blurRad="38100" dist="38100" dir="2700000" algn="tl">
                     <a:srgbClr val="000000">
@@ -1068,8 +1112,8 @@
         </p:nvSpPr>
         <p:spPr>
           <a:xfrm>
-            <a:off x="1360201" y="6328833"/>
-            <a:ext cx="22083270" cy="15084638"/>
+            <a:off x="1457358" y="7789333"/>
+            <a:ext cx="23660649" cy="18565708"/>
           </a:xfrm>
         </p:spPr>
         <p:txBody>
@@ -1078,7 +1122,7 @@
           </a:bodyPr>
           <a:lstStyle>
             <a:lvl1pPr>
-              <a:defRPr sz="5600">
+              <a:defRPr sz="6000">
                 <a:solidFill>
                   <a:schemeClr val="tx1">
                     <a:lumMod val="75000"/>
@@ -1088,7 +1132,7 @@
               </a:defRPr>
             </a:lvl1pPr>
             <a:lvl2pPr>
-              <a:defRPr sz="5040">
+              <a:defRPr sz="5400">
                 <a:solidFill>
                   <a:schemeClr val="tx1">
                     <a:lumMod val="75000"/>
@@ -1098,7 +1142,7 @@
               </a:defRPr>
             </a:lvl2pPr>
             <a:lvl3pPr>
-              <a:defRPr sz="4485">
+              <a:defRPr sz="4805">
                 <a:solidFill>
                   <a:schemeClr val="tx1">
                     <a:lumMod val="75000"/>
@@ -1108,7 +1152,7 @@
               </a:defRPr>
             </a:lvl3pPr>
             <a:lvl4pPr>
-              <a:defRPr sz="4485">
+              <a:defRPr sz="4805">
                 <a:solidFill>
                   <a:schemeClr val="tx1">
                     <a:lumMod val="75000"/>
@@ -1118,7 +1162,7 @@
               </a:defRPr>
             </a:lvl4pPr>
             <a:lvl5pPr>
-              <a:defRPr sz="4485">
+              <a:defRPr sz="4805">
                 <a:solidFill>
                   <a:schemeClr val="tx1">
                     <a:lumMod val="75000"/>
@@ -1274,8 +1318,8 @@
         </p:nvSpPr>
         <p:spPr>
           <a:xfrm>
-            <a:off x="1746926" y="13003276"/>
-            <a:ext cx="20681463" cy="2813304"/>
+            <a:off x="1871707" y="16004032"/>
+            <a:ext cx="22158713" cy="3462528"/>
           </a:xfrm>
         </p:spPr>
         <p:txBody>
@@ -1284,7 +1328,7 @@
           </a:bodyPr>
           <a:lstStyle>
             <a:lvl1pPr>
-              <a:defRPr sz="11195">
+              <a:defRPr sz="11995">
                 <a:effectLst>
                   <a:outerShdw blurRad="38100" dist="38100" dir="2700000" algn="tl">
                     <a:srgbClr val="000000">
@@ -1316,8 +1360,8 @@
         </p:nvSpPr>
         <p:spPr>
           <a:xfrm>
-            <a:off x="1746926" y="15981430"/>
-            <a:ext cx="15375611" cy="2244857"/>
+            <a:off x="1871707" y="19669452"/>
+            <a:ext cx="16473871" cy="2762901"/>
           </a:xfrm>
         </p:spPr>
         <p:txBody>
@@ -1327,15 +1371,15 @@
           <a:lstStyle>
             <a:lvl1pPr marL="0" indent="0">
               <a:buNone/>
-              <a:defRPr sz="5040">
+              <a:defRPr sz="5400">
                 <a:solidFill>
                   <a:schemeClr val="tx1"/>
                 </a:solidFill>
               </a:defRPr>
             </a:lvl1pPr>
-            <a:lvl2pPr marL="1280160" indent="0">
+            <a:lvl2pPr marL="1371600" indent="0">
               <a:buNone/>
-              <a:defRPr sz="5600">
+              <a:defRPr sz="6000">
                 <a:solidFill>
                   <a:schemeClr val="tx1">
                     <a:tint val="75000"/>
@@ -1343,9 +1387,9 @@
                 </a:solidFill>
               </a:defRPr>
             </a:lvl2pPr>
-            <a:lvl3pPr marL="2560955" indent="0">
+            <a:lvl3pPr marL="2743835" indent="0">
               <a:buNone/>
-              <a:defRPr sz="5040">
+              <a:defRPr sz="5400">
                 <a:solidFill>
                   <a:schemeClr val="tx1">
                     <a:tint val="75000"/>
@@ -1353,9 +1397,9 @@
                 </a:solidFill>
               </a:defRPr>
             </a:lvl3pPr>
-            <a:lvl4pPr marL="3839845" indent="0">
+            <a:lvl4pPr marL="4114165" indent="0">
               <a:buNone/>
-              <a:defRPr sz="4485">
+              <a:defRPr sz="4805">
                 <a:solidFill>
                   <a:schemeClr val="tx1">
                     <a:tint val="75000"/>
@@ -1363,9 +1407,9 @@
                 </a:solidFill>
               </a:defRPr>
             </a:lvl4pPr>
-            <a:lvl5pPr marL="5120640" indent="0">
+            <a:lvl5pPr marL="5486400" indent="0">
               <a:buNone/>
-              <a:defRPr sz="4485">
+              <a:defRPr sz="4805">
                 <a:solidFill>
                   <a:schemeClr val="tx1">
                     <a:tint val="75000"/>
@@ -1373,9 +1417,9 @@
                 </a:solidFill>
               </a:defRPr>
             </a:lvl5pPr>
-            <a:lvl6pPr marL="6400800" indent="0">
+            <a:lvl6pPr marL="6858000" indent="0">
               <a:buNone/>
-              <a:defRPr sz="4485">
+              <a:defRPr sz="4805">
                 <a:solidFill>
                   <a:schemeClr val="tx1">
                     <a:tint val="75000"/>
@@ -1383,9 +1427,9 @@
                 </a:solidFill>
               </a:defRPr>
             </a:lvl6pPr>
-            <a:lvl7pPr marL="7680960" indent="0">
+            <a:lvl7pPr marL="8229600" indent="0">
               <a:buNone/>
-              <a:defRPr sz="4485">
+              <a:defRPr sz="4805">
                 <a:solidFill>
                   <a:schemeClr val="tx1">
                     <a:tint val="75000"/>
@@ -1393,9 +1437,9 @@
                 </a:solidFill>
               </a:defRPr>
             </a:lvl7pPr>
-            <a:lvl8pPr marL="8961755" indent="0">
+            <a:lvl8pPr marL="9601835" indent="0">
               <a:buNone/>
-              <a:defRPr sz="4485">
+              <a:defRPr sz="4805">
                 <a:solidFill>
                   <a:schemeClr val="tx1">
                     <a:tint val="75000"/>
@@ -1403,9 +1447,9 @@
                 </a:solidFill>
               </a:defRPr>
             </a:lvl8pPr>
-            <a:lvl9pPr marL="10240645" indent="0">
+            <a:lvl9pPr marL="10972165" indent="0">
               <a:buNone/>
-              <a:defRPr sz="4485">
+              <a:defRPr sz="4805">
                 <a:solidFill>
                   <a:schemeClr val="tx1">
                     <a:tint val="75000"/>
@@ -1528,8 +1572,8 @@
         </p:nvSpPr>
         <p:spPr>
           <a:xfrm>
-            <a:off x="1360201" y="895943"/>
-            <a:ext cx="22083270" cy="4595285"/>
+            <a:off x="1457358" y="1102699"/>
+            <a:ext cx="23660649" cy="5655735"/>
           </a:xfrm>
         </p:spPr>
         <p:txBody>
@@ -1538,7 +1582,7 @@
           </a:bodyPr>
           <a:lstStyle>
             <a:lvl1pPr>
-              <a:defRPr sz="6720" b="1" i="0">
+              <a:defRPr sz="7200" b="1" i="0">
                 <a:effectLst>
                   <a:outerShdw blurRad="38100" dist="38100" dir="2700000" algn="tl">
                     <a:srgbClr val="000000">
@@ -1570,8 +1614,8 @@
         </p:nvSpPr>
         <p:spPr>
           <a:xfrm>
-            <a:off x="1360201" y="6328833"/>
-            <a:ext cx="10881612" cy="15084638"/>
+            <a:off x="1457358" y="7789333"/>
+            <a:ext cx="11658871" cy="18565708"/>
           </a:xfrm>
         </p:spPr>
         <p:txBody>
@@ -1583,7 +1627,7 @@
               <a:lnSpc>
                 <a:spcPct val="150000"/>
               </a:lnSpc>
-              <a:defRPr sz="5600">
+              <a:defRPr sz="6000">
                 <a:solidFill>
                   <a:schemeClr val="tx1">
                     <a:lumMod val="75000"/>
@@ -1596,7 +1640,7 @@
               <a:lnSpc>
                 <a:spcPct val="150000"/>
               </a:lnSpc>
-              <a:defRPr sz="5040">
+              <a:defRPr sz="5400">
                 <a:solidFill>
                   <a:schemeClr val="tx1">
                     <a:lumMod val="75000"/>
@@ -1609,7 +1653,7 @@
               <a:lnSpc>
                 <a:spcPct val="150000"/>
               </a:lnSpc>
-              <a:defRPr sz="4485">
+              <a:defRPr sz="4805">
                 <a:solidFill>
                   <a:schemeClr val="tx1">
                     <a:lumMod val="75000"/>
@@ -1622,7 +1666,7 @@
               <a:lnSpc>
                 <a:spcPct val="150000"/>
               </a:lnSpc>
-              <a:defRPr sz="4485">
+              <a:defRPr sz="4805">
                 <a:solidFill>
                   <a:schemeClr val="tx1">
                     <a:lumMod val="75000"/>
@@ -1635,7 +1679,7 @@
               <a:lnSpc>
                 <a:spcPct val="150000"/>
               </a:lnSpc>
-              <a:defRPr sz="4485">
+              <a:defRPr sz="4805">
                 <a:solidFill>
                   <a:schemeClr val="tx1">
                     <a:lumMod val="75000"/>
@@ -1703,8 +1747,8 @@
         </p:nvSpPr>
         <p:spPr>
           <a:xfrm>
-            <a:off x="12561860" y="6328833"/>
-            <a:ext cx="10881612" cy="15084638"/>
+            <a:off x="13459137" y="7789333"/>
+            <a:ext cx="11658871" cy="18565708"/>
           </a:xfrm>
         </p:spPr>
         <p:txBody>
@@ -1716,7 +1760,7 @@
               <a:lnSpc>
                 <a:spcPct val="150000"/>
               </a:lnSpc>
-              <a:defRPr sz="5600">
+              <a:defRPr sz="6000">
                 <a:solidFill>
                   <a:schemeClr val="tx1">
                     <a:lumMod val="75000"/>
@@ -1729,7 +1773,7 @@
               <a:lnSpc>
                 <a:spcPct val="150000"/>
               </a:lnSpc>
-              <a:defRPr sz="5040">
+              <a:defRPr sz="5400">
                 <a:solidFill>
                   <a:schemeClr val="tx1">
                     <a:lumMod val="75000"/>
@@ -1742,7 +1786,7 @@
               <a:lnSpc>
                 <a:spcPct val="150000"/>
               </a:lnSpc>
-              <a:defRPr sz="4485">
+              <a:defRPr sz="4805">
                 <a:solidFill>
                   <a:schemeClr val="tx1">
                     <a:lumMod val="75000"/>
@@ -1755,7 +1799,7 @@
               <a:lnSpc>
                 <a:spcPct val="150000"/>
               </a:lnSpc>
-              <a:defRPr sz="4485">
+              <a:defRPr sz="4805">
                 <a:solidFill>
                   <a:schemeClr val="tx1">
                     <a:lumMod val="75000"/>
@@ -1768,7 +1812,7 @@
               <a:lnSpc>
                 <a:spcPct val="150000"/>
               </a:lnSpc>
-              <a:defRPr sz="4485">
+              <a:defRPr sz="4805">
                 <a:solidFill>
                   <a:schemeClr val="tx1">
                     <a:lumMod val="75000"/>
@@ -1924,8 +1968,8 @@
         </p:nvSpPr>
         <p:spPr>
           <a:xfrm>
-            <a:off x="1763596" y="1265767"/>
-            <a:ext cx="22083270" cy="4595285"/>
+            <a:off x="1889567" y="1557867"/>
+            <a:ext cx="23660649" cy="5655735"/>
           </a:xfrm>
         </p:spPr>
         <p:txBody>
@@ -1952,8 +1996,8 @@
         </p:nvSpPr>
         <p:spPr>
           <a:xfrm>
-            <a:off x="1763596" y="6049198"/>
-            <a:ext cx="10831602" cy="2856229"/>
+            <a:off x="1889567" y="7445167"/>
+            <a:ext cx="11605289" cy="3515359"/>
           </a:xfrm>
         </p:spPr>
         <p:txBody>
@@ -1961,39 +2005,39 @@
           <a:lstStyle>
             <a:lvl1pPr marL="0" indent="0">
               <a:buNone/>
-              <a:defRPr sz="6720" b="1"/>
+              <a:defRPr sz="7200" b="1"/>
             </a:lvl1pPr>
-            <a:lvl2pPr marL="1280160" indent="0">
+            <a:lvl2pPr marL="1371600" indent="0">
               <a:buNone/>
-              <a:defRPr sz="5600" b="1"/>
+              <a:defRPr sz="6000" b="1"/>
             </a:lvl2pPr>
-            <a:lvl3pPr marL="2560955" indent="0">
+            <a:lvl3pPr marL="2743835" indent="0">
               <a:buNone/>
-              <a:defRPr sz="5040" b="1"/>
+              <a:defRPr sz="5400" b="1"/>
             </a:lvl3pPr>
-            <a:lvl4pPr marL="3839845" indent="0">
+            <a:lvl4pPr marL="4114165" indent="0">
               <a:buNone/>
-              <a:defRPr sz="4485" b="1"/>
+              <a:defRPr sz="4805" b="1"/>
             </a:lvl4pPr>
-            <a:lvl5pPr marL="5120640" indent="0">
+            <a:lvl5pPr marL="5486400" indent="0">
               <a:buNone/>
-              <a:defRPr sz="4485" b="1"/>
+              <a:defRPr sz="4805" b="1"/>
             </a:lvl5pPr>
-            <a:lvl6pPr marL="6400800" indent="0">
+            <a:lvl6pPr marL="6858000" indent="0">
               <a:buNone/>
-              <a:defRPr sz="4485" b="1"/>
+              <a:defRPr sz="4805" b="1"/>
             </a:lvl6pPr>
-            <a:lvl7pPr marL="7680960" indent="0">
+            <a:lvl7pPr marL="8229600" indent="0">
               <a:buNone/>
-              <a:defRPr sz="4485" b="1"/>
+              <a:defRPr sz="4805" b="1"/>
             </a:lvl7pPr>
-            <a:lvl8pPr marL="8961755" indent="0">
+            <a:lvl8pPr marL="9601835" indent="0">
               <a:buNone/>
-              <a:defRPr sz="4485" b="1"/>
+              <a:defRPr sz="4805" b="1"/>
             </a:lvl8pPr>
-            <a:lvl9pPr marL="10240645" indent="0">
+            <a:lvl9pPr marL="10972165" indent="0">
               <a:buNone/>
-              <a:defRPr sz="4485" b="1"/>
+              <a:defRPr sz="4805" b="1"/>
             </a:lvl9pPr>
           </a:lstStyle>
           <a:p>
@@ -2022,8 +2066,8 @@
         </p:nvSpPr>
         <p:spPr>
           <a:xfrm>
-            <a:off x="1763596" y="9067445"/>
-            <a:ext cx="10831602" cy="12390054"/>
+            <a:off x="1889567" y="11159932"/>
+            <a:ext cx="11605289" cy="15249297"/>
           </a:xfrm>
         </p:spPr>
         <p:txBody>
@@ -2087,8 +2131,8 @@
         </p:nvSpPr>
         <p:spPr>
           <a:xfrm>
-            <a:off x="12961919" y="6049198"/>
-            <a:ext cx="10884946" cy="2856229"/>
+            <a:off x="13887772" y="7445167"/>
+            <a:ext cx="11662443" cy="3515359"/>
           </a:xfrm>
         </p:spPr>
         <p:txBody>
@@ -2096,39 +2140,39 @@
           <a:lstStyle>
             <a:lvl1pPr marL="0" indent="0">
               <a:buNone/>
-              <a:defRPr sz="6720" b="1"/>
+              <a:defRPr sz="7200" b="1"/>
             </a:lvl1pPr>
-            <a:lvl2pPr marL="1280160" indent="0">
+            <a:lvl2pPr marL="1371600" indent="0">
               <a:buNone/>
-              <a:defRPr sz="5600" b="1"/>
+              <a:defRPr sz="6000" b="1"/>
             </a:lvl2pPr>
-            <a:lvl3pPr marL="2560955" indent="0">
+            <a:lvl3pPr marL="2743835" indent="0">
               <a:buNone/>
-              <a:defRPr sz="5040" b="1"/>
+              <a:defRPr sz="5400" b="1"/>
             </a:lvl3pPr>
-            <a:lvl4pPr marL="3839845" indent="0">
+            <a:lvl4pPr marL="4114165" indent="0">
               <a:buNone/>
-              <a:defRPr sz="4485" b="1"/>
+              <a:defRPr sz="4805" b="1"/>
             </a:lvl4pPr>
-            <a:lvl5pPr marL="5120640" indent="0">
+            <a:lvl5pPr marL="5486400" indent="0">
               <a:buNone/>
-              <a:defRPr sz="4485" b="1"/>
+              <a:defRPr sz="4805" b="1"/>
             </a:lvl5pPr>
-            <a:lvl6pPr marL="6400800" indent="0">
+            <a:lvl6pPr marL="6858000" indent="0">
               <a:buNone/>
-              <a:defRPr sz="4485" b="1"/>
+              <a:defRPr sz="4805" b="1"/>
             </a:lvl6pPr>
-            <a:lvl7pPr marL="7680960" indent="0">
+            <a:lvl7pPr marL="8229600" indent="0">
               <a:buNone/>
-              <a:defRPr sz="4485" b="1"/>
+              <a:defRPr sz="4805" b="1"/>
             </a:lvl7pPr>
-            <a:lvl8pPr marL="8961755" indent="0">
+            <a:lvl8pPr marL="9601835" indent="0">
               <a:buNone/>
-              <a:defRPr sz="4485" b="1"/>
+              <a:defRPr sz="4805" b="1"/>
             </a:lvl8pPr>
-            <a:lvl9pPr marL="10240645" indent="0">
+            <a:lvl9pPr marL="10972165" indent="0">
               <a:buNone/>
-              <a:defRPr sz="4485" b="1"/>
+              <a:defRPr sz="4805" b="1"/>
             </a:lvl9pPr>
           </a:lstStyle>
           <a:p>
@@ -2157,8 +2201,8 @@
         </p:nvSpPr>
         <p:spPr>
           <a:xfrm>
-            <a:off x="12961919" y="9067445"/>
-            <a:ext cx="10884946" cy="12390054"/>
+            <a:off x="13887772" y="11159932"/>
+            <a:ext cx="11662443" cy="15249297"/>
           </a:xfrm>
         </p:spPr>
         <p:txBody>
@@ -2310,8 +2354,8 @@
         </p:nvSpPr>
         <p:spPr>
           <a:xfrm>
-            <a:off x="1760261" y="9589560"/>
-            <a:ext cx="22083270" cy="4595285"/>
+            <a:off x="1885994" y="11802535"/>
+            <a:ext cx="23660649" cy="5655735"/>
           </a:xfrm>
         </p:spPr>
         <p:txBody>
@@ -2320,7 +2364,7 @@
           </a:bodyPr>
           <a:lstStyle>
             <a:lvl1pPr algn="ctr">
-              <a:defRPr sz="13440" b="0">
+              <a:defRPr sz="14400" b="0">
                 <a:effectLst>
                   <a:outerShdw blurRad="38100" dist="38100" dir="2700000" algn="tl">
                     <a:srgbClr val="000000">
@@ -2528,8 +2572,8 @@
         </p:nvSpPr>
         <p:spPr>
           <a:xfrm>
-            <a:off x="1358200" y="440267"/>
-            <a:ext cx="8747122" cy="5547360"/>
+            <a:off x="1455214" y="541867"/>
+            <a:ext cx="9371917" cy="6827520"/>
           </a:xfrm>
         </p:spPr>
         <p:txBody>
@@ -2538,7 +2582,7 @@
           </a:bodyPr>
           <a:lstStyle>
             <a:lvl1pPr>
-              <a:defRPr sz="6720" b="1">
+              <a:defRPr sz="7200" b="1">
                 <a:effectLst>
                   <a:outerShdw blurRad="38100" dist="38100" dir="2700000" algn="tl">
                     <a:srgbClr val="000000">
@@ -2574,8 +2618,8 @@
         </p:nvSpPr>
         <p:spPr>
           <a:xfrm>
-            <a:off x="10886652" y="2656694"/>
-            <a:ext cx="12216769" cy="17660746"/>
+            <a:off x="11664271" y="3269777"/>
+            <a:ext cx="13089397" cy="21736303"/>
           </a:xfrm>
         </p:spPr>
         <p:txBody>
@@ -2583,39 +2627,39 @@
           <a:lstStyle>
             <a:lvl1pPr marL="0" indent="0">
               <a:buNone/>
-              <a:defRPr sz="8960"/>
+              <a:defRPr sz="9600"/>
             </a:lvl1pPr>
-            <a:lvl2pPr marL="1280160" indent="0">
+            <a:lvl2pPr marL="1371600" indent="0">
               <a:buNone/>
-              <a:defRPr sz="7845"/>
+              <a:defRPr sz="8405"/>
             </a:lvl2pPr>
-            <a:lvl3pPr marL="2560955" indent="0">
+            <a:lvl3pPr marL="2743835" indent="0">
               <a:buNone/>
-              <a:defRPr sz="6720"/>
+              <a:defRPr sz="7200"/>
             </a:lvl3pPr>
-            <a:lvl4pPr marL="3839845" indent="0">
+            <a:lvl4pPr marL="4114165" indent="0">
               <a:buNone/>
-              <a:defRPr sz="5600"/>
+              <a:defRPr sz="6000"/>
             </a:lvl4pPr>
-            <a:lvl5pPr marL="5120640" indent="0">
+            <a:lvl5pPr marL="5486400" indent="0">
               <a:buNone/>
-              <a:defRPr sz="5600"/>
+              <a:defRPr sz="6000"/>
             </a:lvl5pPr>
-            <a:lvl6pPr marL="6400800" indent="0">
+            <a:lvl6pPr marL="6858000" indent="0">
               <a:buNone/>
-              <a:defRPr sz="5600"/>
+              <a:defRPr sz="6000"/>
             </a:lvl6pPr>
-            <a:lvl7pPr marL="7680960" indent="0">
+            <a:lvl7pPr marL="8229600" indent="0">
               <a:buNone/>
-              <a:defRPr sz="5600"/>
+              <a:defRPr sz="6000"/>
             </a:lvl7pPr>
-            <a:lvl8pPr marL="8961755" indent="0">
+            <a:lvl8pPr marL="9601835" indent="0">
               <a:buNone/>
-              <a:defRPr sz="5600"/>
+              <a:defRPr sz="6000"/>
             </a:lvl8pPr>
-            <a:lvl9pPr marL="10240645" indent="0">
+            <a:lvl9pPr marL="10972165" indent="0">
               <a:buNone/>
-              <a:defRPr sz="5600"/>
+              <a:defRPr sz="6000"/>
             </a:lvl9pPr>
           </a:lstStyle>
           <a:p>
@@ -2635,8 +2679,8 @@
         </p:nvSpPr>
         <p:spPr>
           <a:xfrm>
-            <a:off x="1368868" y="7132320"/>
-            <a:ext cx="8747122" cy="13213505"/>
+            <a:off x="1466644" y="8778240"/>
+            <a:ext cx="9371917" cy="16262775"/>
           </a:xfrm>
         </p:spPr>
         <p:txBody>
@@ -2649,39 +2693,39 @@
                 <a:spcPct val="150000"/>
               </a:lnSpc>
               <a:buNone/>
-              <a:defRPr sz="4485"/>
+              <a:defRPr sz="4805"/>
             </a:lvl1pPr>
-            <a:lvl2pPr marL="1280160" indent="0">
+            <a:lvl2pPr marL="1371600" indent="0">
               <a:buNone/>
-              <a:defRPr sz="3920"/>
+              <a:defRPr sz="4200"/>
             </a:lvl2pPr>
-            <a:lvl3pPr marL="2560955" indent="0">
+            <a:lvl3pPr marL="2743835" indent="0">
               <a:buNone/>
-              <a:defRPr sz="3360"/>
+              <a:defRPr sz="3600"/>
             </a:lvl3pPr>
-            <a:lvl4pPr marL="3839845" indent="0">
+            <a:lvl4pPr marL="4114165" indent="0">
               <a:buNone/>
-              <a:defRPr sz="2805"/>
+              <a:defRPr sz="3005"/>
             </a:lvl4pPr>
-            <a:lvl5pPr marL="5120640" indent="0">
+            <a:lvl5pPr marL="5486400" indent="0">
               <a:buNone/>
-              <a:defRPr sz="2805"/>
+              <a:defRPr sz="3005"/>
             </a:lvl5pPr>
-            <a:lvl6pPr marL="6400800" indent="0">
+            <a:lvl6pPr marL="6858000" indent="0">
               <a:buNone/>
-              <a:defRPr sz="2805"/>
+              <a:defRPr sz="3005"/>
             </a:lvl6pPr>
-            <a:lvl7pPr marL="7680960" indent="0">
+            <a:lvl7pPr marL="8229600" indent="0">
               <a:buNone/>
-              <a:defRPr sz="2805"/>
+              <a:defRPr sz="3005"/>
             </a:lvl7pPr>
-            <a:lvl8pPr marL="8961755" indent="0">
+            <a:lvl8pPr marL="9601835" indent="0">
               <a:buNone/>
-              <a:defRPr sz="2805"/>
+              <a:defRPr sz="3005"/>
             </a:lvl8pPr>
-            <a:lvl9pPr marL="10240645" indent="0">
+            <a:lvl9pPr marL="10972165" indent="0">
               <a:buNone/>
-              <a:defRPr sz="2805"/>
+              <a:defRPr sz="3005"/>
             </a:lvl9pPr>
           </a:lstStyle>
           <a:p>
@@ -2765,8 +2809,8 @@
         </p:nvCxnSpPr>
         <p:spPr>
           <a:xfrm>
-            <a:off x="1560232" y="1505712"/>
-            <a:ext cx="0" cy="4823121"/>
+            <a:off x="1671677" y="1853184"/>
+            <a:ext cx="0" cy="5936149"/>
           </a:xfrm>
           <a:prstGeom prst="line">
             <a:avLst/>
@@ -2824,8 +2868,8 @@
         </p:nvSpPr>
         <p:spPr>
           <a:xfrm>
-            <a:off x="20631893" y="1265767"/>
-            <a:ext cx="3211638" cy="20147705"/>
+            <a:off x="22105602" y="1557867"/>
+            <a:ext cx="3441041" cy="24797175"/>
           </a:xfrm>
         </p:spPr>
         <p:txBody>
@@ -2834,7 +2878,7 @@
           </a:bodyPr>
           <a:lstStyle>
             <a:lvl1pPr>
-              <a:defRPr sz="10080"/>
+              <a:defRPr sz="10800"/>
             </a:lvl1pPr>
           </a:lstStyle>
           <a:p>
@@ -2858,8 +2902,8 @@
         </p:nvSpPr>
         <p:spPr>
           <a:xfrm>
-            <a:off x="1760261" y="1265767"/>
-            <a:ext cx="18648342" cy="20147705"/>
+            <a:off x="1885994" y="1557867"/>
+            <a:ext cx="19980368" cy="24797175"/>
           </a:xfrm>
         </p:spPr>
         <p:txBody>
@@ -3019,8 +3063,8 @@
         </p:nvSpPr>
         <p:spPr>
           <a:xfrm>
-            <a:off x="1760261" y="1265767"/>
-            <a:ext cx="22083270" cy="4595285"/>
+            <a:off x="1885994" y="1557867"/>
+            <a:ext cx="23660649" cy="5655735"/>
           </a:xfrm>
           <a:prstGeom prst="rect">
             <a:avLst/>
@@ -3052,8 +3096,8 @@
         </p:nvSpPr>
         <p:spPr>
           <a:xfrm>
-            <a:off x="1760261" y="6328833"/>
-            <a:ext cx="22083270" cy="15084638"/>
+            <a:off x="1885994" y="7789333"/>
+            <a:ext cx="23660649" cy="18565708"/>
           </a:xfrm>
           <a:prstGeom prst="rect">
             <a:avLst/>
@@ -3122,8 +3166,8 @@
         </p:nvSpPr>
         <p:spPr>
           <a:xfrm>
-            <a:off x="1760261" y="22035347"/>
-            <a:ext cx="5760854" cy="1265767"/>
+            <a:off x="1885994" y="27120427"/>
+            <a:ext cx="6172344" cy="1557867"/>
           </a:xfrm>
           <a:prstGeom prst="rect">
             <a:avLst/>
@@ -3135,7 +3179,7 @@
           </a:bodyPr>
           <a:lstStyle>
             <a:lvl1pPr algn="l">
-              <a:defRPr sz="3360">
+              <a:defRPr sz="3600">
                 <a:solidFill>
                   <a:schemeClr val="tx1">
                     <a:tint val="75000"/>
@@ -3165,8 +3209,8 @@
         </p:nvSpPr>
         <p:spPr>
           <a:xfrm>
-            <a:off x="8481255" y="22035347"/>
-            <a:ext cx="8641280" cy="1265767"/>
+            <a:off x="9087060" y="27120427"/>
+            <a:ext cx="9258515" cy="1557867"/>
           </a:xfrm>
           <a:prstGeom prst="rect">
             <a:avLst/>
@@ -3178,7 +3222,7 @@
           </a:bodyPr>
           <a:lstStyle>
             <a:lvl1pPr algn="ctr">
-              <a:defRPr sz="3360">
+              <a:defRPr sz="3600">
                 <a:solidFill>
                   <a:schemeClr val="tx1">
                     <a:tint val="75000"/>
@@ -3205,8 +3249,8 @@
         </p:nvSpPr>
         <p:spPr>
           <a:xfrm>
-            <a:off x="18082678" y="22035347"/>
-            <a:ext cx="5760854" cy="1265767"/>
+            <a:off x="19374300" y="27120427"/>
+            <a:ext cx="6172344" cy="1557867"/>
           </a:xfrm>
           <a:prstGeom prst="rect">
             <a:avLst/>
@@ -3218,7 +3262,7 @@
           </a:bodyPr>
           <a:lstStyle>
             <a:lvl1pPr algn="r">
-              <a:defRPr sz="3360">
+              <a:defRPr sz="3600">
                 <a:solidFill>
                   <a:schemeClr val="tx1">
                     <a:tint val="75000"/>
@@ -3253,7 +3297,7 @@
   </p:sldLayoutIdLst>
   <p:txStyles>
     <p:titleStyle>
-      <a:lvl1pPr algn="l" defTabSz="2560955" rtl="0" eaLnBrk="1" latinLnBrk="0" hangingPunct="1">
+      <a:lvl1pPr algn="l" defTabSz="2743835" rtl="0" eaLnBrk="1" latinLnBrk="0" hangingPunct="1">
         <a:lnSpc>
           <a:spcPct val="90000"/>
         </a:lnSpc>
@@ -3261,7 +3305,7 @@
           <a:spcPct val="0"/>
         </a:spcBef>
         <a:buNone/>
-        <a:defRPr sz="11195" kern="1200">
+        <a:defRPr sz="11995" kern="1200">
           <a:solidFill>
             <a:schemeClr val="tx1"/>
           </a:solidFill>
@@ -3272,16 +3316,16 @@
       </a:lvl1pPr>
     </p:titleStyle>
     <p:bodyStyle>
-      <a:lvl1pPr marL="640080" indent="-640080" algn="l" defTabSz="2560955" rtl="0" eaLnBrk="1" latinLnBrk="0" hangingPunct="1">
+      <a:lvl1pPr marL="685800" indent="-685800" algn="l" defTabSz="2743835" rtl="0" eaLnBrk="1" latinLnBrk="0" hangingPunct="1">
         <a:lnSpc>
           <a:spcPct val="90000"/>
         </a:lnSpc>
         <a:spcBef>
-          <a:spcPts val="2805"/>
+          <a:spcPts val="3005"/>
         </a:spcBef>
         <a:buFont typeface="Arial" panose="020B0604020202020204" pitchFamily="34" charset="0"/>
         <a:buChar char="•"/>
-        <a:defRPr sz="6720" kern="1200">
+        <a:defRPr sz="7200" kern="1200">
           <a:solidFill>
             <a:schemeClr val="tx1"/>
           </a:solidFill>
@@ -3290,16 +3334,16 @@
           <a:cs typeface="+mn-cs"/>
         </a:defRPr>
       </a:lvl1pPr>
-      <a:lvl2pPr marL="1920240" indent="-640080" algn="l" defTabSz="2560955" rtl="0" eaLnBrk="1" latinLnBrk="0" hangingPunct="1">
+      <a:lvl2pPr marL="2057400" indent="-685800" algn="l" defTabSz="2743835" rtl="0" eaLnBrk="1" latinLnBrk="0" hangingPunct="1">
         <a:lnSpc>
           <a:spcPct val="90000"/>
         </a:lnSpc>
         <a:spcBef>
-          <a:spcPts val="1405"/>
+          <a:spcPts val="1505"/>
         </a:spcBef>
         <a:buFont typeface="Arial" panose="020B0604020202020204" pitchFamily="34" charset="0"/>
         <a:buChar char="•"/>
-        <a:defRPr sz="5600" kern="1200">
+        <a:defRPr sz="6000" kern="1200">
           <a:solidFill>
             <a:schemeClr val="tx1"/>
           </a:solidFill>
@@ -3308,16 +3352,16 @@
           <a:cs typeface="+mn-cs"/>
         </a:defRPr>
       </a:lvl2pPr>
-      <a:lvl3pPr marL="3201035" indent="-640080" algn="l" defTabSz="2560955" rtl="0" eaLnBrk="1" latinLnBrk="0" hangingPunct="1">
+      <a:lvl3pPr marL="3429635" indent="-685800" algn="l" defTabSz="2743835" rtl="0" eaLnBrk="1" latinLnBrk="0" hangingPunct="1">
         <a:lnSpc>
           <a:spcPct val="90000"/>
         </a:lnSpc>
         <a:spcBef>
-          <a:spcPts val="1405"/>
+          <a:spcPts val="1505"/>
         </a:spcBef>
         <a:buFont typeface="Arial" panose="020B0604020202020204" pitchFamily="34" charset="0"/>
         <a:buChar char="•"/>
-        <a:defRPr sz="5040" kern="1200">
+        <a:defRPr sz="5400" kern="1200">
           <a:solidFill>
             <a:schemeClr val="tx1"/>
           </a:solidFill>
@@ -3326,16 +3370,16 @@
           <a:cs typeface="+mn-cs"/>
         </a:defRPr>
       </a:lvl3pPr>
-      <a:lvl4pPr marL="4480560" indent="-640080" algn="l" defTabSz="2560955" rtl="0" eaLnBrk="1" latinLnBrk="0" hangingPunct="1">
+      <a:lvl4pPr marL="4800600" indent="-685800" algn="l" defTabSz="2743835" rtl="0" eaLnBrk="1" latinLnBrk="0" hangingPunct="1">
         <a:lnSpc>
           <a:spcPct val="90000"/>
         </a:lnSpc>
         <a:spcBef>
-          <a:spcPts val="1405"/>
+          <a:spcPts val="1505"/>
         </a:spcBef>
         <a:buFont typeface="Arial" panose="020B0604020202020204" pitchFamily="34" charset="0"/>
         <a:buChar char="•"/>
-        <a:defRPr sz="5040" kern="1200">
+        <a:defRPr sz="5400" kern="1200">
           <a:solidFill>
             <a:schemeClr val="tx1"/>
           </a:solidFill>
@@ -3344,16 +3388,16 @@
           <a:cs typeface="+mn-cs"/>
         </a:defRPr>
       </a:lvl4pPr>
-      <a:lvl5pPr marL="5760720" indent="-640080" algn="l" defTabSz="2560955" rtl="0" eaLnBrk="1" latinLnBrk="0" hangingPunct="1">
+      <a:lvl5pPr marL="6172200" indent="-685800" algn="l" defTabSz="2743835" rtl="0" eaLnBrk="1" latinLnBrk="0" hangingPunct="1">
         <a:lnSpc>
           <a:spcPct val="90000"/>
         </a:lnSpc>
         <a:spcBef>
-          <a:spcPts val="1405"/>
+          <a:spcPts val="1505"/>
         </a:spcBef>
         <a:buFont typeface="Arial" panose="020B0604020202020204" pitchFamily="34" charset="0"/>
         <a:buChar char="•"/>
-        <a:defRPr sz="5040" kern="1200">
+        <a:defRPr sz="5400" kern="1200">
           <a:solidFill>
             <a:schemeClr val="tx1"/>
           </a:solidFill>
@@ -3362,16 +3406,16 @@
           <a:cs typeface="+mn-cs"/>
         </a:defRPr>
       </a:lvl5pPr>
-      <a:lvl6pPr marL="7040880" indent="-640080" algn="l" defTabSz="2560955" rtl="0" eaLnBrk="1" latinLnBrk="0" hangingPunct="1">
+      <a:lvl6pPr marL="7543800" indent="-685800" algn="l" defTabSz="2743835" rtl="0" eaLnBrk="1" latinLnBrk="0" hangingPunct="1">
         <a:lnSpc>
           <a:spcPct val="90000"/>
         </a:lnSpc>
         <a:spcBef>
-          <a:spcPts val="1405"/>
+          <a:spcPts val="1505"/>
         </a:spcBef>
         <a:buFont typeface="Arial" panose="020B0604020202020204" pitchFamily="34" charset="0"/>
         <a:buChar char="•"/>
-        <a:defRPr sz="5040" kern="1200">
+        <a:defRPr sz="5400" kern="1200">
           <a:solidFill>
             <a:schemeClr val="tx1"/>
           </a:solidFill>
@@ -3380,16 +3424,16 @@
           <a:cs typeface="+mn-cs"/>
         </a:defRPr>
       </a:lvl6pPr>
-      <a:lvl7pPr marL="8321040" indent="-640080" algn="l" defTabSz="2560955" rtl="0" eaLnBrk="1" latinLnBrk="0" hangingPunct="1">
+      <a:lvl7pPr marL="8915400" indent="-685800" algn="l" defTabSz="2743835" rtl="0" eaLnBrk="1" latinLnBrk="0" hangingPunct="1">
         <a:lnSpc>
           <a:spcPct val="90000"/>
         </a:lnSpc>
         <a:spcBef>
-          <a:spcPts val="1405"/>
+          <a:spcPts val="1505"/>
         </a:spcBef>
         <a:buFont typeface="Arial" panose="020B0604020202020204" pitchFamily="34" charset="0"/>
         <a:buChar char="•"/>
-        <a:defRPr sz="5040" kern="1200">
+        <a:defRPr sz="5400" kern="1200">
           <a:solidFill>
             <a:schemeClr val="tx1"/>
           </a:solidFill>
@@ -3398,16 +3442,16 @@
           <a:cs typeface="+mn-cs"/>
         </a:defRPr>
       </a:lvl7pPr>
-      <a:lvl8pPr marL="9601835" indent="-640080" algn="l" defTabSz="2560955" rtl="0" eaLnBrk="1" latinLnBrk="0" hangingPunct="1">
+      <a:lvl8pPr marL="10287635" indent="-685800" algn="l" defTabSz="2743835" rtl="0" eaLnBrk="1" latinLnBrk="0" hangingPunct="1">
         <a:lnSpc>
           <a:spcPct val="90000"/>
         </a:lnSpc>
         <a:spcBef>
-          <a:spcPts val="1405"/>
+          <a:spcPts val="1505"/>
         </a:spcBef>
         <a:buFont typeface="Arial" panose="020B0604020202020204" pitchFamily="34" charset="0"/>
         <a:buChar char="•"/>
-        <a:defRPr sz="5040" kern="1200">
+        <a:defRPr sz="5400" kern="1200">
           <a:solidFill>
             <a:schemeClr val="tx1"/>
           </a:solidFill>
@@ -3416,16 +3460,16 @@
           <a:cs typeface="+mn-cs"/>
         </a:defRPr>
       </a:lvl8pPr>
-      <a:lvl9pPr marL="10881360" indent="-640080" algn="l" defTabSz="2560955" rtl="0" eaLnBrk="1" latinLnBrk="0" hangingPunct="1">
+      <a:lvl9pPr marL="11658600" indent="-685800" algn="l" defTabSz="2743835" rtl="0" eaLnBrk="1" latinLnBrk="0" hangingPunct="1">
         <a:lnSpc>
           <a:spcPct val="90000"/>
         </a:lnSpc>
         <a:spcBef>
-          <a:spcPts val="1405"/>
+          <a:spcPts val="1505"/>
         </a:spcBef>
         <a:buFont typeface="Arial" panose="020B0604020202020204" pitchFamily="34" charset="0"/>
         <a:buChar char="•"/>
-        <a:defRPr sz="5040" kern="1200">
+        <a:defRPr sz="5400" kern="1200">
           <a:solidFill>
             <a:schemeClr val="tx1"/>
           </a:solidFill>
@@ -3439,8 +3483,8 @@
       <a:defPPr>
         <a:defRPr lang="zh-CN"/>
       </a:defPPr>
-      <a:lvl1pPr marL="0" algn="l" defTabSz="2560955" rtl="0" eaLnBrk="1" latinLnBrk="0" hangingPunct="1">
-        <a:defRPr sz="5040" kern="1200">
+      <a:lvl1pPr marL="0" algn="l" defTabSz="2743835" rtl="0" eaLnBrk="1" latinLnBrk="0" hangingPunct="1">
+        <a:defRPr sz="5400" kern="1200">
           <a:solidFill>
             <a:schemeClr val="tx1"/>
           </a:solidFill>
@@ -3449,8 +3493,8 @@
           <a:cs typeface="+mn-cs"/>
         </a:defRPr>
       </a:lvl1pPr>
-      <a:lvl2pPr marL="1280160" algn="l" defTabSz="2560955" rtl="0" eaLnBrk="1" latinLnBrk="0" hangingPunct="1">
-        <a:defRPr sz="5040" kern="1200">
+      <a:lvl2pPr marL="1371600" algn="l" defTabSz="2743835" rtl="0" eaLnBrk="1" latinLnBrk="0" hangingPunct="1">
+        <a:defRPr sz="5400" kern="1200">
           <a:solidFill>
             <a:schemeClr val="tx1"/>
           </a:solidFill>
@@ -3459,8 +3503,8 @@
           <a:cs typeface="+mn-cs"/>
         </a:defRPr>
       </a:lvl2pPr>
-      <a:lvl3pPr marL="2560955" algn="l" defTabSz="2560955" rtl="0" eaLnBrk="1" latinLnBrk="0" hangingPunct="1">
-        <a:defRPr sz="5040" kern="1200">
+      <a:lvl3pPr marL="2743835" algn="l" defTabSz="2743835" rtl="0" eaLnBrk="1" latinLnBrk="0" hangingPunct="1">
+        <a:defRPr sz="5400" kern="1200">
           <a:solidFill>
             <a:schemeClr val="tx1"/>
           </a:solidFill>
@@ -3469,8 +3513,8 @@
           <a:cs typeface="+mn-cs"/>
         </a:defRPr>
       </a:lvl3pPr>
-      <a:lvl4pPr marL="3839845" algn="l" defTabSz="2560955" rtl="0" eaLnBrk="1" latinLnBrk="0" hangingPunct="1">
-        <a:defRPr sz="5040" kern="1200">
+      <a:lvl4pPr marL="4114165" algn="l" defTabSz="2743835" rtl="0" eaLnBrk="1" latinLnBrk="0" hangingPunct="1">
+        <a:defRPr sz="5400" kern="1200">
           <a:solidFill>
             <a:schemeClr val="tx1"/>
           </a:solidFill>
@@ -3479,8 +3523,8 @@
           <a:cs typeface="+mn-cs"/>
         </a:defRPr>
       </a:lvl4pPr>
-      <a:lvl5pPr marL="5120640" algn="l" defTabSz="2560955" rtl="0" eaLnBrk="1" latinLnBrk="0" hangingPunct="1">
-        <a:defRPr sz="5040" kern="1200">
+      <a:lvl5pPr marL="5486400" algn="l" defTabSz="2743835" rtl="0" eaLnBrk="1" latinLnBrk="0" hangingPunct="1">
+        <a:defRPr sz="5400" kern="1200">
           <a:solidFill>
             <a:schemeClr val="tx1"/>
           </a:solidFill>
@@ -3489,8 +3533,8 @@
           <a:cs typeface="+mn-cs"/>
         </a:defRPr>
       </a:lvl5pPr>
-      <a:lvl6pPr marL="6400800" algn="l" defTabSz="2560955" rtl="0" eaLnBrk="1" latinLnBrk="0" hangingPunct="1">
-        <a:defRPr sz="5040" kern="1200">
+      <a:lvl6pPr marL="6858000" algn="l" defTabSz="2743835" rtl="0" eaLnBrk="1" latinLnBrk="0" hangingPunct="1">
+        <a:defRPr sz="5400" kern="1200">
           <a:solidFill>
             <a:schemeClr val="tx1"/>
           </a:solidFill>
@@ -3499,8 +3543,8 @@
           <a:cs typeface="+mn-cs"/>
         </a:defRPr>
       </a:lvl6pPr>
-      <a:lvl7pPr marL="7680960" algn="l" defTabSz="2560955" rtl="0" eaLnBrk="1" latinLnBrk="0" hangingPunct="1">
-        <a:defRPr sz="5040" kern="1200">
+      <a:lvl7pPr marL="8229600" algn="l" defTabSz="2743835" rtl="0" eaLnBrk="1" latinLnBrk="0" hangingPunct="1">
+        <a:defRPr sz="5400" kern="1200">
           <a:solidFill>
             <a:schemeClr val="tx1"/>
           </a:solidFill>
@@ -3509,8 +3553,8 @@
           <a:cs typeface="+mn-cs"/>
         </a:defRPr>
       </a:lvl7pPr>
-      <a:lvl8pPr marL="8961755" algn="l" defTabSz="2560955" rtl="0" eaLnBrk="1" latinLnBrk="0" hangingPunct="1">
-        <a:defRPr sz="5040" kern="1200">
+      <a:lvl8pPr marL="9601835" algn="l" defTabSz="2743835" rtl="0" eaLnBrk="1" latinLnBrk="0" hangingPunct="1">
+        <a:defRPr sz="5400" kern="1200">
           <a:solidFill>
             <a:schemeClr val="tx1"/>
           </a:solidFill>
@@ -3519,8 +3563,8 @@
           <a:cs typeface="+mn-cs"/>
         </a:defRPr>
       </a:lvl8pPr>
-      <a:lvl9pPr marL="10240645" algn="l" defTabSz="2560955" rtl="0" eaLnBrk="1" latinLnBrk="0" hangingPunct="1">
-        <a:defRPr sz="5040" kern="1200">
+      <a:lvl9pPr marL="10972165" algn="l" defTabSz="2743835" rtl="0" eaLnBrk="1" latinLnBrk="0" hangingPunct="1">
+        <a:defRPr sz="5400" kern="1200">
           <a:solidFill>
             <a:schemeClr val="tx1"/>
           </a:solidFill>
@@ -3544,2498 +3588,3175 @@
         <p:nvPr/>
       </p:nvGrpSpPr>
       <p:grpSpPr/>
-      <p:sp>
-        <p:nvSpPr>
-          <p:cNvPr id="29" name="Text Box 28"/>
-          <p:cNvSpPr txBox="true"/>
+      <p:grpSp>
+        <p:nvGrpSpPr>
+          <p:cNvPr id="51" name="Group 50"/>
+          <p:cNvGrpSpPr/>
           <p:nvPr/>
-        </p:nvSpPr>
-        <p:spPr>
+        </p:nvGrpSpPr>
+        <p:grpSpPr>
           <a:xfrm>
-            <a:off x="8695055" y="3275965"/>
-            <a:ext cx="6808470" cy="1630045"/>
+            <a:off x="821690" y="358140"/>
+            <a:ext cx="27167205" cy="27919045"/>
+            <a:chOff x="268" y="564"/>
+            <a:chExt cx="42783" cy="43967"/>
           </a:xfrm>
-          <a:prstGeom prst="rect">
-            <a:avLst/>
-          </a:prstGeom>
-          <a:noFill/>
-          <a:ln>
+        </p:grpSpPr>
+        <p:sp>
+          <p:nvSpPr>
+            <p:cNvPr id="29" name="Text Box 28"/>
+            <p:cNvSpPr txBox="true"/>
+            <p:nvPr/>
+          </p:nvSpPr>
+          <p:spPr>
+            <a:xfrm>
+              <a:off x="14756" y="5700"/>
+              <a:ext cx="11989" cy="4445"/>
+            </a:xfrm>
+            <a:prstGeom prst="rect">
+              <a:avLst/>
+            </a:prstGeom>
             <a:noFill/>
-          </a:ln>
-        </p:spPr>
-        <p:txBody>
-          <a:bodyPr wrap="square" rtlCol="0">
-            <a:spAutoFit/>
-          </a:bodyPr>
-          <a:p>
-            <a:pPr indent="0">
-              <a:buFont typeface="Arial" panose="020B0604020202020204" pitchFamily="34" charset="0"/>
-              <a:buNone/>
-            </a:pPr>
-            <a:r>
-              <a:rPr lang="pt-PT" altLang="en-US" sz="2000"/>
-              <a:t>inputs: </a:t>
-            </a:r>
-            <a:endParaRPr lang="pt-PT" altLang="en-US" sz="2000"/>
-          </a:p>
-          <a:p>
-            <a:pPr indent="0">
-              <a:buFont typeface="Arial" panose="020B0604020202020204" pitchFamily="34" charset="0"/>
-              <a:buNone/>
-            </a:pPr>
-            <a:endParaRPr lang="pt-PT" altLang="en-US" sz="2000"/>
-          </a:p>
-          <a:p>
-            <a:pPr marL="342900" indent="-342900">
-              <a:buFont typeface="Arial" panose="020B0604020202020204" pitchFamily="34" charset="0"/>
-              <a:buChar char="•"/>
-            </a:pPr>
-            <a:r>
-              <a:rPr lang="pt-PT" altLang="en-US" sz="2000">
+            <a:ln>
+              <a:noFill/>
+            </a:ln>
+          </p:spPr>
+          <p:txBody>
+            <a:bodyPr wrap="square" rtlCol="0">
+              <a:spAutoFit/>
+            </a:bodyPr>
+            <a:p>
+              <a:pPr indent="0">
+                <a:buFont typeface="Arial" panose="020B0604020202020204" pitchFamily="34" charset="0"/>
+                <a:buNone/>
+              </a:pPr>
+              <a:r>
+                <a:rPr lang="pt-PT" altLang="en-US" sz="2955"/>
+                <a:t>inputs: </a:t>
+              </a:r>
+              <a:endParaRPr lang="pt-PT" altLang="en-US" sz="2955"/>
+            </a:p>
+            <a:p>
+              <a:pPr indent="0">
+                <a:buFont typeface="Arial" panose="020B0604020202020204" pitchFamily="34" charset="0"/>
+                <a:buNone/>
+              </a:pPr>
+              <a:endParaRPr lang="pt-PT" altLang="en-US" sz="2955"/>
+            </a:p>
+            <a:p>
+              <a:pPr marL="342900" indent="-342900">
+                <a:buFont typeface="Arial" panose="020B0604020202020204" pitchFamily="34" charset="0"/>
+                <a:buChar char="•"/>
+              </a:pPr>
+              <a:r>
+                <a:rPr lang="pt-PT" altLang="en-US" sz="2955">
+                  <a:sym typeface="+mn-ea"/>
+                </a:rPr>
+                <a:t>raw_data/shapefiles/vale_ribeira.shp (954 qgis)</a:t>
+              </a:r>
+              <a:endParaRPr lang="pt-PT" altLang="en-US" sz="2955">
                 <a:sym typeface="+mn-ea"/>
-              </a:rPr>
-              <a:t>raw_data/shapefiles/vale_ribeira.shp (954 qgis)</a:t>
-            </a:r>
-            <a:endParaRPr lang="pt-PT" altLang="en-US" sz="2000">
-              <a:sym typeface="+mn-ea"/>
-            </a:endParaRPr>
-          </a:p>
-          <a:p>
-            <a:pPr marL="342900" indent="-342900">
-              <a:buFont typeface="Arial" panose="020B0604020202020204" pitchFamily="34" charset="0"/>
-              <a:buChar char="•"/>
-            </a:pPr>
-            <a:r>
-              <a:rPr lang="pt-PT" altLang="en-US" sz="2000">
+              </a:endParaRPr>
+            </a:p>
+            <a:p>
+              <a:pPr marL="342900" indent="-342900">
+                <a:buFont typeface="Arial" panose="020B0604020202020204" pitchFamily="34" charset="0"/>
+                <a:buChar char="•"/>
+              </a:pPr>
+              <a:r>
+                <a:rPr lang="pt-PT" altLang="en-US" sz="2955">
+                  <a:sym typeface="+mn-ea"/>
+                </a:rPr>
+                <a:t>STREET_VIEW_STATIC_API_KEY</a:t>
+              </a:r>
+              <a:endParaRPr lang="pt-PT" altLang="en-US" sz="2955">
                 <a:sym typeface="+mn-ea"/>
-              </a:rPr>
-              <a:t>STREET_VIEW_STATIC_API_KEY</a:t>
-            </a:r>
-            <a:endParaRPr lang="pt-PT" altLang="en-US" sz="2000">
-              <a:sym typeface="+mn-ea"/>
-            </a:endParaRPr>
-          </a:p>
-          <a:p>
-            <a:pPr indent="0">
-              <a:buFont typeface="Arial" panose="020B0604020202020204" pitchFamily="34" charset="0"/>
-              <a:buNone/>
-            </a:pPr>
-            <a:endParaRPr lang="pt-PT" altLang="en-US" sz="2000">
-              <a:sym typeface="+mn-ea"/>
-            </a:endParaRPr>
-          </a:p>
-        </p:txBody>
-      </p:sp>
-      <p:sp>
-        <p:nvSpPr>
-          <p:cNvPr id="4" name="Rectangle 3"/>
-          <p:cNvSpPr/>
-          <p:nvPr/>
-        </p:nvSpPr>
-        <p:spPr>
-          <a:xfrm>
-            <a:off x="2240915" y="6438265"/>
-            <a:ext cx="5469255" cy="1525905"/>
-          </a:xfrm>
-          <a:prstGeom prst="rect">
-            <a:avLst/>
-          </a:prstGeom>
-        </p:spPr>
-        <p:style>
-          <a:lnRef idx="2">
-            <a:schemeClr val="accent6">
-              <a:shade val="50000"/>
-            </a:schemeClr>
-          </a:lnRef>
-          <a:fillRef idx="1">
-            <a:schemeClr val="accent6"/>
-          </a:fillRef>
-          <a:effectRef idx="0">
-            <a:schemeClr val="accent6"/>
-          </a:effectRef>
-          <a:fontRef idx="minor">
-            <a:schemeClr val="lt1"/>
-          </a:fontRef>
-        </p:style>
-        <p:txBody>
-          <a:bodyPr rtlCol="0" anchor="ctr"/>
-          <a:p>
-            <a:pPr algn="ctr"/>
-            <a:r>
-              <a:rPr lang="pt-PT" altLang="en-US" sz="2800"/>
-              <a:t>DataAggregation</a:t>
-            </a:r>
-            <a:endParaRPr lang="pt-PT" altLang="en-US" sz="2800"/>
-          </a:p>
-          <a:p>
-            <a:pPr algn="ctr"/>
-            <a:r>
-              <a:rPr lang="pt-PT" altLang="en-US" sz="2800"/>
-              <a:t>.ipynb</a:t>
-            </a:r>
-            <a:endParaRPr lang="pt-PT" altLang="en-US" sz="2800"/>
-          </a:p>
-        </p:txBody>
-      </p:sp>
-      <p:sp>
-        <p:nvSpPr>
-          <p:cNvPr id="5" name="Rectangle 4"/>
-          <p:cNvSpPr/>
-          <p:nvPr/>
-        </p:nvSpPr>
-        <p:spPr>
-          <a:xfrm>
-            <a:off x="2240915" y="10447020"/>
-            <a:ext cx="5469255" cy="1119505"/>
-          </a:xfrm>
-          <a:prstGeom prst="rect">
-            <a:avLst/>
-          </a:prstGeom>
-        </p:spPr>
-        <p:style>
-          <a:lnRef idx="2">
-            <a:schemeClr val="accent6">
-              <a:shade val="50000"/>
-            </a:schemeClr>
-          </a:lnRef>
-          <a:fillRef idx="1">
-            <a:schemeClr val="accent6"/>
-          </a:fillRef>
-          <a:effectRef idx="0">
-            <a:schemeClr val="accent6"/>
-          </a:effectRef>
-          <a:fontRef idx="minor">
-            <a:schemeClr val="lt1"/>
-          </a:fontRef>
-        </p:style>
-        <p:txBody>
-          <a:bodyPr rtlCol="0" anchor="ctr"/>
-          <a:p>
-            <a:pPr algn="ctr"/>
-            <a:r>
-              <a:rPr lang="en-US" sz="2800"/>
-              <a:t>Image</a:t>
-            </a:r>
-            <a:r>
-              <a:rPr lang="pt-PT" altLang="en-US" sz="2800"/>
-              <a:t>Feature</a:t>
-            </a:r>
-            <a:endParaRPr lang="pt-PT" altLang="en-US" sz="2800"/>
-          </a:p>
-          <a:p>
-            <a:pPr algn="ctr"/>
-            <a:r>
-              <a:rPr lang="pt-PT" altLang="en-US" sz="2800"/>
-              <a:t>Extraction.py</a:t>
-            </a:r>
-            <a:endParaRPr lang="pt-PT" altLang="en-US" sz="2800"/>
-          </a:p>
-        </p:txBody>
-      </p:sp>
-      <p:sp>
-        <p:nvSpPr>
-          <p:cNvPr id="6" name="Rectangle 5"/>
-          <p:cNvSpPr/>
-          <p:nvPr/>
-        </p:nvSpPr>
-        <p:spPr>
-          <a:xfrm>
-            <a:off x="2240915" y="14323060"/>
-            <a:ext cx="5469255" cy="888365"/>
-          </a:xfrm>
-          <a:prstGeom prst="rect">
-            <a:avLst/>
-          </a:prstGeom>
-        </p:spPr>
-        <p:style>
-          <a:lnRef idx="2">
-            <a:schemeClr val="accent6">
-              <a:shade val="50000"/>
-            </a:schemeClr>
-          </a:lnRef>
-          <a:fillRef idx="1">
-            <a:schemeClr val="accent6"/>
-          </a:fillRef>
-          <a:effectRef idx="0">
-            <a:schemeClr val="accent6"/>
-          </a:effectRef>
-          <a:fontRef idx="minor">
-            <a:schemeClr val="lt1"/>
-          </a:fontRef>
-        </p:style>
-        <p:txBody>
-          <a:bodyPr rtlCol="0" anchor="ctr"/>
-          <a:p>
-            <a:pPr algn="ctr"/>
-            <a:r>
-              <a:rPr lang="en-US" sz="2800"/>
-              <a:t>Train.</a:t>
-            </a:r>
-            <a:r>
-              <a:rPr lang="pt-PT" altLang="en-US" sz="2800"/>
-              <a:t>py</a:t>
-            </a:r>
-            <a:endParaRPr lang="pt-PT" altLang="en-US" sz="2800"/>
-          </a:p>
-        </p:txBody>
-      </p:sp>
-      <p:sp>
-        <p:nvSpPr>
-          <p:cNvPr id="8" name="Rectangle 7"/>
-          <p:cNvSpPr/>
-          <p:nvPr/>
-        </p:nvSpPr>
-        <p:spPr>
-          <a:xfrm>
-            <a:off x="1387475" y="2811145"/>
-            <a:ext cx="6745605" cy="2334260"/>
-          </a:xfrm>
-          <a:prstGeom prst="rect">
-            <a:avLst/>
-          </a:prstGeom>
-        </p:spPr>
-        <p:style>
-          <a:lnRef idx="2">
-            <a:schemeClr val="accent4">
-              <a:shade val="50000"/>
-            </a:schemeClr>
-          </a:lnRef>
-          <a:fillRef idx="1">
-            <a:schemeClr val="accent4"/>
-          </a:fillRef>
-          <a:effectRef idx="0">
-            <a:schemeClr val="accent4"/>
-          </a:effectRef>
-          <a:fontRef idx="minor">
-            <a:schemeClr val="lt1"/>
-          </a:fontRef>
-        </p:style>
-        <p:txBody>
-          <a:bodyPr rtlCol="0" anchor="ctr"/>
-          <a:p>
-            <a:pPr indent="0" algn="ctr">
-              <a:buNone/>
-            </a:pPr>
-            <a:r>
-              <a:rPr lang="pt-PT" altLang="en-US" sz="2800" b="1"/>
-              <a:t>IMAGES-dataset</a:t>
-            </a:r>
-            <a:endParaRPr lang="pt-PT" altLang="en-US" sz="2800"/>
-          </a:p>
-          <a:p>
-            <a:pPr indent="0" algn="ctr">
-              <a:buNone/>
-            </a:pPr>
-            <a:r>
-              <a:rPr lang="pt-PT" altLang="en-US" sz="2800"/>
-              <a:t>street_crawler/</a:t>
-            </a:r>
-            <a:endParaRPr lang="pt-PT" altLang="en-US" sz="2800"/>
-          </a:p>
-          <a:p>
-            <a:pPr indent="0" algn="l">
-              <a:buNone/>
-            </a:pPr>
-            <a:r>
-              <a:rPr lang="pt-PT" altLang="en-US" sz="2800"/>
-              <a:t>0_run_crawler.sh</a:t>
-            </a:r>
-            <a:br>
-              <a:rPr lang="pt-PT" altLang="en-US" sz="2800"/>
-            </a:br>
-            <a:r>
-              <a:rPr lang="pt-PT" altLang="en-US" sz="2800"/>
-              <a:t>1_StreetsImagesCrawler.ipynb</a:t>
-            </a:r>
-            <a:br>
-              <a:rPr lang="pt-PT" altLang="en-US" sz="2800"/>
-            </a:br>
-            <a:r>
-              <a:rPr lang="pt-PT" altLang="en-US" sz="2800"/>
-              <a:t>2_StreetsImagesAnalysisPlots.ipynb</a:t>
-            </a:r>
-            <a:endParaRPr lang="pt-PT" altLang="en-US" sz="2800"/>
-          </a:p>
-        </p:txBody>
-      </p:sp>
-      <p:sp>
-        <p:nvSpPr>
-          <p:cNvPr id="9" name="Text Box 8"/>
-          <p:cNvSpPr txBox="true"/>
-          <p:nvPr/>
-        </p:nvSpPr>
-        <p:spPr>
-          <a:xfrm>
-            <a:off x="16254730" y="3275965"/>
-            <a:ext cx="5809615" cy="1322070"/>
-          </a:xfrm>
-          <a:prstGeom prst="rect">
-            <a:avLst/>
-          </a:prstGeom>
-          <a:noFill/>
-          <a:ln>
+              </a:endParaRPr>
+            </a:p>
+            <a:p>
+              <a:pPr indent="0">
+                <a:buFont typeface="Arial" panose="020B0604020202020204" pitchFamily="34" charset="0"/>
+                <a:buNone/>
+              </a:pPr>
+              <a:endParaRPr lang="pt-PT" altLang="en-US" sz="2955">
+                <a:sym typeface="+mn-ea"/>
+              </a:endParaRPr>
+            </a:p>
+          </p:txBody>
+        </p:sp>
+        <p:sp>
+          <p:nvSpPr>
+            <p:cNvPr id="4" name="Rectangle 3"/>
+            <p:cNvSpPr/>
+            <p:nvPr/>
+          </p:nvSpPr>
+          <p:spPr>
+            <a:xfrm>
+              <a:off x="2308" y="11338"/>
+              <a:ext cx="9631" cy="2720"/>
+            </a:xfrm>
+            <a:prstGeom prst="rect">
+              <a:avLst/>
+            </a:prstGeom>
+          </p:spPr>
+          <p:style>
+            <a:lnRef idx="2">
+              <a:schemeClr val="accent6">
+                <a:shade val="50000"/>
+              </a:schemeClr>
+            </a:lnRef>
+            <a:fillRef idx="1">
+              <a:schemeClr val="accent6"/>
+            </a:fillRef>
+            <a:effectRef idx="0">
+              <a:schemeClr val="accent6"/>
+            </a:effectRef>
+            <a:fontRef idx="minor">
+              <a:schemeClr val="lt1"/>
+            </a:fontRef>
+          </p:style>
+          <p:txBody>
+            <a:bodyPr rtlCol="0" anchor="ctr"/>
+            <a:p>
+              <a:pPr algn="ctr"/>
+              <a:r>
+                <a:rPr lang="pt-PT" altLang="en-US" sz="3940"/>
+                <a:t>DataAggregation</a:t>
+              </a:r>
+              <a:endParaRPr lang="pt-PT" altLang="en-US" sz="3940"/>
+            </a:p>
+            <a:p>
+              <a:pPr algn="ctr"/>
+              <a:r>
+                <a:rPr lang="pt-PT" altLang="en-US" sz="3940"/>
+                <a:t>.ipynb</a:t>
+              </a:r>
+              <a:endParaRPr lang="pt-PT" altLang="en-US" sz="3940"/>
+            </a:p>
+          </p:txBody>
+        </p:sp>
+        <p:sp>
+          <p:nvSpPr>
+            <p:cNvPr id="5" name="Rectangle 4"/>
+            <p:cNvSpPr/>
+            <p:nvPr/>
+          </p:nvSpPr>
+          <p:spPr>
+            <a:xfrm>
+              <a:off x="2308" y="18485"/>
+              <a:ext cx="9631" cy="1996"/>
+            </a:xfrm>
+            <a:prstGeom prst="rect">
+              <a:avLst/>
+            </a:prstGeom>
+          </p:spPr>
+          <p:style>
+            <a:lnRef idx="2">
+              <a:schemeClr val="accent6">
+                <a:shade val="50000"/>
+              </a:schemeClr>
+            </a:lnRef>
+            <a:fillRef idx="1">
+              <a:schemeClr val="accent6"/>
+            </a:fillRef>
+            <a:effectRef idx="0">
+              <a:schemeClr val="accent6"/>
+            </a:effectRef>
+            <a:fontRef idx="minor">
+              <a:schemeClr val="lt1"/>
+            </a:fontRef>
+          </p:style>
+          <p:txBody>
+            <a:bodyPr rtlCol="0" anchor="ctr"/>
+            <a:p>
+              <a:pPr algn="ctr"/>
+              <a:r>
+                <a:rPr lang="en-US" sz="3940"/>
+                <a:t>Image</a:t>
+              </a:r>
+              <a:r>
+                <a:rPr lang="pt-PT" altLang="en-US" sz="3940"/>
+                <a:t>Feature</a:t>
+              </a:r>
+              <a:endParaRPr lang="pt-PT" altLang="en-US" sz="3940"/>
+            </a:p>
+            <a:p>
+              <a:pPr algn="ctr"/>
+              <a:r>
+                <a:rPr lang="pt-PT" altLang="en-US" sz="3940"/>
+                <a:t>Extraction.py</a:t>
+              </a:r>
+              <a:endParaRPr lang="pt-PT" altLang="en-US" sz="3940"/>
+            </a:p>
+          </p:txBody>
+        </p:sp>
+        <p:sp>
+          <p:nvSpPr>
+            <p:cNvPr id="6" name="Rectangle 5"/>
+            <p:cNvSpPr/>
+            <p:nvPr/>
+          </p:nvSpPr>
+          <p:spPr>
+            <a:xfrm>
+              <a:off x="2308" y="25395"/>
+              <a:ext cx="9631" cy="1584"/>
+            </a:xfrm>
+            <a:prstGeom prst="rect">
+              <a:avLst/>
+            </a:prstGeom>
+          </p:spPr>
+          <p:style>
+            <a:lnRef idx="2">
+              <a:schemeClr val="accent6">
+                <a:shade val="50000"/>
+              </a:schemeClr>
+            </a:lnRef>
+            <a:fillRef idx="1">
+              <a:schemeClr val="accent6"/>
+            </a:fillRef>
+            <a:effectRef idx="0">
+              <a:schemeClr val="accent6"/>
+            </a:effectRef>
+            <a:fontRef idx="minor">
+              <a:schemeClr val="lt1"/>
+            </a:fontRef>
+          </p:style>
+          <p:txBody>
+            <a:bodyPr rtlCol="0" anchor="ctr"/>
+            <a:p>
+              <a:pPr algn="ctr"/>
+              <a:r>
+                <a:rPr lang="en-US" sz="3940"/>
+                <a:t>Train.</a:t>
+              </a:r>
+              <a:r>
+                <a:rPr lang="pt-PT" altLang="en-US" sz="3940"/>
+                <a:t>py</a:t>
+              </a:r>
+              <a:endParaRPr lang="pt-PT" altLang="en-US" sz="3940"/>
+            </a:p>
+          </p:txBody>
+        </p:sp>
+        <p:sp>
+          <p:nvSpPr>
+            <p:cNvPr id="8" name="Rectangle 7"/>
+            <p:cNvSpPr/>
+            <p:nvPr/>
+          </p:nvSpPr>
+          <p:spPr>
+            <a:xfrm>
+              <a:off x="268" y="3720"/>
+              <a:ext cx="13376" cy="5313"/>
+            </a:xfrm>
+            <a:prstGeom prst="rect">
+              <a:avLst/>
+            </a:prstGeom>
+          </p:spPr>
+          <p:style>
+            <a:lnRef idx="2">
+              <a:schemeClr val="accent4">
+                <a:shade val="50000"/>
+              </a:schemeClr>
+            </a:lnRef>
+            <a:fillRef idx="1">
+              <a:schemeClr val="accent4"/>
+            </a:fillRef>
+            <a:effectRef idx="0">
+              <a:schemeClr val="accent4"/>
+            </a:effectRef>
+            <a:fontRef idx="minor">
+              <a:schemeClr val="lt1"/>
+            </a:fontRef>
+          </p:style>
+          <p:txBody>
+            <a:bodyPr rtlCol="0" anchor="ctr"/>
+            <a:p>
+              <a:pPr indent="0" algn="ctr">
+                <a:buNone/>
+              </a:pPr>
+              <a:r>
+                <a:rPr lang="pt-PT" altLang="en-US" sz="3940" b="1"/>
+                <a:t>IMAGES-dataset</a:t>
+              </a:r>
+              <a:endParaRPr lang="pt-PT" altLang="en-US" sz="3940"/>
+            </a:p>
+            <a:p>
+              <a:pPr indent="0" algn="ctr">
+                <a:buNone/>
+              </a:pPr>
+              <a:r>
+                <a:rPr lang="pt-PT" altLang="en-US" sz="3940"/>
+                <a:t>street_crawler/</a:t>
+              </a:r>
+              <a:endParaRPr lang="pt-PT" altLang="en-US" sz="3940"/>
+            </a:p>
+            <a:p>
+              <a:pPr indent="0" algn="l">
+                <a:buNone/>
+              </a:pPr>
+              <a:r>
+                <a:rPr lang="pt-PT" altLang="en-US" sz="3940"/>
+                <a:t>0_run_crawler.sh</a:t>
+              </a:r>
+              <a:br>
+                <a:rPr lang="pt-PT" altLang="en-US" sz="3940"/>
+              </a:br>
+              <a:r>
+                <a:rPr lang="pt-PT" altLang="en-US" sz="3940"/>
+                <a:t>1_StreetsImagesCrawler.ipynb</a:t>
+              </a:r>
+              <a:br>
+                <a:rPr lang="pt-PT" altLang="en-US" sz="3940"/>
+              </a:br>
+              <a:r>
+                <a:rPr lang="pt-PT" altLang="en-US" sz="3940"/>
+                <a:t>2_StreetsImagesAnalysisPlots.ipynb</a:t>
+              </a:r>
+              <a:endParaRPr lang="pt-PT" altLang="en-US" sz="3940"/>
+            </a:p>
+          </p:txBody>
+        </p:sp>
+        <p:sp>
+          <p:nvSpPr>
+            <p:cNvPr id="9" name="Text Box 8"/>
+            <p:cNvSpPr txBox="true"/>
+            <p:nvPr/>
+          </p:nvSpPr>
+          <p:spPr>
+            <a:xfrm>
+              <a:off x="28068" y="5700"/>
+              <a:ext cx="10230" cy="3728"/>
+            </a:xfrm>
+            <a:prstGeom prst="rect">
+              <a:avLst/>
+            </a:prstGeom>
             <a:noFill/>
-          </a:ln>
-        </p:spPr>
-        <p:txBody>
-          <a:bodyPr wrap="square" rtlCol="0">
-            <a:spAutoFit/>
-          </a:bodyPr>
-          <a:p>
-            <a:pPr indent="0">
-              <a:buFont typeface="Arial" panose="020B0604020202020204" pitchFamily="34" charset="0"/>
-              <a:buNone/>
-            </a:pPr>
-            <a:r>
-              <a:rPr lang="pt-PT" altLang="en-US" sz="2000"/>
-              <a:t>outputs: </a:t>
-            </a:r>
-            <a:endParaRPr lang="pt-PT" altLang="en-US" sz="2000"/>
-          </a:p>
-          <a:p>
-            <a:pPr marL="285750" indent="-285750">
-              <a:buFont typeface="Arial" panose="020B0604020202020204" pitchFamily="34" charset="0"/>
-              <a:buChar char="•"/>
-            </a:pPr>
-            <a:r>
-              <a:rPr lang="pt-PT" altLang="en-US" sz="2000"/>
-              <a:t>street_crawler/streets_lat_long.csv (output.csv) </a:t>
-            </a:r>
-            <a:endParaRPr lang="pt-PT" altLang="en-US" sz="2000"/>
-          </a:p>
-          <a:p>
-            <a:pPr marL="285750" indent="-285750">
-              <a:buFont typeface="Arial" panose="020B0604020202020204" pitchFamily="34" charset="0"/>
-              <a:buChar char="•"/>
-            </a:pPr>
-            <a:r>
-              <a:rPr lang="pt-PT" altLang="en-US" sz="2000">
+            <a:ln>
+              <a:noFill/>
+            </a:ln>
+          </p:spPr>
+          <p:txBody>
+            <a:bodyPr wrap="square" rtlCol="0">
+              <a:spAutoFit/>
+            </a:bodyPr>
+            <a:p>
+              <a:pPr indent="0">
+                <a:buFont typeface="Arial" panose="020B0604020202020204" pitchFamily="34" charset="0"/>
+                <a:buNone/>
+              </a:pPr>
+              <a:r>
+                <a:rPr lang="pt-PT" altLang="en-US" sz="2955"/>
+                <a:t>outputs: </a:t>
+              </a:r>
+              <a:endParaRPr lang="pt-PT" altLang="en-US" sz="2955"/>
+            </a:p>
+            <a:p>
+              <a:pPr marL="285750" indent="-285750">
+                <a:buFont typeface="Arial" panose="020B0604020202020204" pitchFamily="34" charset="0"/>
+                <a:buChar char="•"/>
+              </a:pPr>
+              <a:r>
+                <a:rPr lang="pt-PT" altLang="en-US" sz="2955"/>
+                <a:t>street_crawler/streets_lat_long.csv (output.csv) </a:t>
+              </a:r>
+              <a:endParaRPr lang="pt-PT" altLang="en-US" sz="2955"/>
+            </a:p>
+            <a:p>
+              <a:pPr marL="285750" indent="-285750">
+                <a:buFont typeface="Arial" panose="020B0604020202020204" pitchFamily="34" charset="0"/>
+                <a:buChar char="•"/>
+              </a:pPr>
+              <a:r>
+                <a:rPr lang="pt-PT" altLang="en-US" sz="2955">
+                  <a:sym typeface="+mn-ea"/>
+                </a:rPr>
+                <a:t>images/*.jpg</a:t>
+              </a:r>
+              <a:endParaRPr lang="pt-PT" altLang="en-US" sz="2955"/>
+            </a:p>
+            <a:p>
+              <a:pPr marL="742950" lvl="1" indent="-285750">
+                <a:buFont typeface="Arial" panose="020B0604020202020204" pitchFamily="34" charset="0"/>
+                <a:buChar char="•"/>
+              </a:pPr>
+              <a:r>
+                <a:rPr lang="pt-PT" altLang="en-US" sz="2955">
+                  <a:sym typeface="+mn-ea"/>
+                </a:rPr>
+                <a:t>raw unzip (124709 )</a:t>
+              </a:r>
+              <a:endParaRPr lang="pt-PT" altLang="en-US" sz="2955">
                 <a:sym typeface="+mn-ea"/>
-              </a:rPr>
-              <a:t>images/*.jpg</a:t>
-            </a:r>
-            <a:endParaRPr lang="pt-PT" altLang="en-US" sz="2000"/>
-          </a:p>
-          <a:p>
-            <a:pPr marL="742950" lvl="1" indent="-285750">
-              <a:buFont typeface="Arial" panose="020B0604020202020204" pitchFamily="34" charset="0"/>
-              <a:buChar char="•"/>
-            </a:pPr>
-            <a:r>
-              <a:rPr lang="pt-PT" altLang="en-US" sz="2000">
+              </a:endParaRPr>
+            </a:p>
+          </p:txBody>
+        </p:sp>
+        <p:sp>
+          <p:nvSpPr>
+            <p:cNvPr id="12" name="Text Box 11"/>
+            <p:cNvSpPr txBox="true"/>
+            <p:nvPr/>
+          </p:nvSpPr>
+          <p:spPr>
+            <a:xfrm>
+              <a:off x="14886" y="15816"/>
+              <a:ext cx="12524" cy="5877"/>
+            </a:xfrm>
+            <a:prstGeom prst="rect">
+              <a:avLst/>
+            </a:prstGeom>
+            <a:noFill/>
+            <a:ln>
+              <a:noFill/>
+            </a:ln>
+          </p:spPr>
+          <p:txBody>
+            <a:bodyPr wrap="square" rtlCol="0">
+              <a:spAutoFit/>
+            </a:bodyPr>
+            <a:p>
+              <a:pPr indent="0">
+                <a:buFont typeface="Arial" panose="020B0604020202020204" pitchFamily="34" charset="0"/>
+                <a:buNone/>
+              </a:pPr>
+              <a:r>
+                <a:rPr lang="pt-PT" altLang="en-US" sz="3445"/>
+                <a:t>inputs:</a:t>
+              </a:r>
+              <a:endParaRPr lang="pt-PT" altLang="en-US" sz="3445"/>
+            </a:p>
+            <a:p>
+              <a:pPr marL="285750" lvl="0" indent="-285750">
+                <a:buFont typeface="Arial" panose="020B0604020202020204" pitchFamily="34" charset="0"/>
+                <a:buChar char="•"/>
+              </a:pPr>
+              <a:r>
+                <a:rPr lang="pt-PT" altLang="en-US" sz="2955">
+                  <a:sym typeface="+mn-ea"/>
+                </a:rPr>
+                <a:t>street_crawler/streets_lat_long_curated.csv</a:t>
+              </a:r>
+              <a:endParaRPr lang="pt-PT" altLang="en-US" sz="3445" b="1">
                 <a:sym typeface="+mn-ea"/>
-              </a:rPr>
-              <a:t>raw unzip (124709 )</a:t>
-            </a:r>
-            <a:endParaRPr lang="pt-PT" altLang="en-US" sz="2000">
-              <a:sym typeface="+mn-ea"/>
-            </a:endParaRPr>
-          </a:p>
-        </p:txBody>
-      </p:sp>
-      <p:sp>
-        <p:nvSpPr>
-          <p:cNvPr id="12" name="Text Box 11"/>
-          <p:cNvSpPr txBox="true"/>
-          <p:nvPr/>
-        </p:nvSpPr>
-        <p:spPr>
-          <a:xfrm>
-            <a:off x="8768715" y="9142095"/>
-            <a:ext cx="7112000" cy="2614930"/>
-          </a:xfrm>
-          <a:prstGeom prst="rect">
-            <a:avLst/>
-          </a:prstGeom>
-          <a:noFill/>
-          <a:ln>
+              </a:endParaRPr>
+            </a:p>
+            <a:p>
+              <a:pPr marL="742950" lvl="1" indent="-285750">
+                <a:buFont typeface="Arial" panose="020B0604020202020204" pitchFamily="34" charset="0"/>
+                <a:buChar char="•"/>
+              </a:pPr>
+              <a:r>
+                <a:rPr lang="pt-PT" altLang="en-US" sz="3445">
+                  <a:sym typeface="+mn-ea"/>
+                </a:rPr>
+                <a:t>remove failed image request and temporary files (12341 rows)</a:t>
+              </a:r>
+              <a:endParaRPr lang="pt-PT" altLang="en-US" sz="3445"/>
+            </a:p>
+            <a:p>
+              <a:pPr marL="285750" indent="-285750">
+                <a:buFont typeface="Arial" panose="020B0604020202020204" pitchFamily="34" charset="0"/>
+                <a:buChar char="•"/>
+              </a:pPr>
+              <a:r>
+                <a:rPr lang="pt-PT" altLang="en-US" sz="3445"/>
+                <a:t>images/*.jpg</a:t>
+              </a:r>
+              <a:endParaRPr lang="pt-PT" altLang="en-US" sz="3445"/>
+            </a:p>
+            <a:p>
+              <a:pPr marL="742950" lvl="1" indent="-285750">
+                <a:buFont typeface="Arial" panose="020B0604020202020204" pitchFamily="34" charset="0"/>
+                <a:buChar char="•"/>
+              </a:pPr>
+              <a:r>
+                <a:rPr lang="pt-PT" altLang="en-US" sz="3445"/>
+                <a:t>removing temporary </a:t>
+              </a:r>
+              <a:br>
+                <a:rPr lang="pt-PT" altLang="en-US" sz="3445"/>
+              </a:br>
+              <a:r>
+                <a:rPr lang="pt-PT" altLang="en-US" sz="3445"/>
+                <a:t>(</a:t>
+              </a:r>
+              <a:r>
+                <a:rPr lang="pt-PT" altLang="en-US" sz="3445">
+                  <a:solidFill>
+                    <a:srgbClr val="FF0000"/>
+                  </a:solidFill>
+                  <a:sym typeface="+mn-ea"/>
+                </a:rPr>
+                <a:t>112368 </a:t>
+              </a:r>
+              <a:r>
+                <a:rPr lang="pt-PT" altLang="en-US" sz="3445"/>
+                <a:t>files)</a:t>
+              </a:r>
+              <a:endParaRPr lang="pt-PT" altLang="en-US" sz="3445"/>
+            </a:p>
+          </p:txBody>
+        </p:sp>
+        <p:sp>
+          <p:nvSpPr>
+            <p:cNvPr id="13" name="Text Box 12"/>
+            <p:cNvSpPr txBox="true"/>
+            <p:nvPr/>
+          </p:nvSpPr>
+          <p:spPr>
+            <a:xfrm>
+              <a:off x="28121" y="15931"/>
+              <a:ext cx="9803" cy="3488"/>
+            </a:xfrm>
+            <a:prstGeom prst="rect">
+              <a:avLst/>
+            </a:prstGeom>
             <a:noFill/>
-          </a:ln>
-        </p:spPr>
-        <p:txBody>
-          <a:bodyPr wrap="square" rtlCol="0">
-            <a:spAutoFit/>
-          </a:bodyPr>
-          <a:p>
-            <a:pPr indent="0">
-              <a:buFont typeface="Arial" panose="020B0604020202020204" pitchFamily="34" charset="0"/>
-              <a:buNone/>
-            </a:pPr>
-            <a:r>
-              <a:rPr lang="pt-PT" altLang="en-US" sz="2400"/>
-              <a:t>inputs:</a:t>
-            </a:r>
-            <a:endParaRPr lang="pt-PT" altLang="en-US" sz="2400"/>
-          </a:p>
-          <a:p>
-            <a:pPr marL="285750" lvl="0" indent="-285750">
-              <a:buFont typeface="Arial" panose="020B0604020202020204" pitchFamily="34" charset="0"/>
-              <a:buChar char="•"/>
-            </a:pPr>
-            <a:r>
-              <a:rPr lang="pt-PT" altLang="en-US" sz="2000">
+            <a:ln>
+              <a:noFill/>
+            </a:ln>
+          </p:spPr>
+          <p:txBody>
+            <a:bodyPr wrap="square" rtlCol="0">
+              <a:spAutoFit/>
+            </a:bodyPr>
+            <a:p>
+              <a:pPr indent="0">
+                <a:buFont typeface="Arial" panose="020B0604020202020204" pitchFamily="34" charset="0"/>
+                <a:buNone/>
+              </a:pPr>
+              <a:r>
+                <a:rPr lang="pt-PT" altLang="en-US" sz="3445"/>
+                <a:t>outputs: </a:t>
+              </a:r>
+              <a:endParaRPr lang="pt-PT" altLang="en-US" sz="3445"/>
+            </a:p>
+            <a:p>
+              <a:pPr marL="285750" indent="-285750">
+                <a:buFont typeface="Arial" panose="020B0604020202020204" pitchFamily="34" charset="0"/>
+                <a:buChar char="•"/>
+              </a:pPr>
+              <a:r>
+                <a:rPr lang="pt-PT" altLang="en-US" sz="3445"/>
+                <a:t>vgg_features.csv (~</a:t>
+              </a:r>
+              <a:r>
+                <a:rPr lang="en-US" altLang="pt-PT" sz="3445"/>
+                <a:t>3 GB</a:t>
+              </a:r>
+              <a:r>
+                <a:rPr lang="pt-PT" altLang="en-US" sz="3445"/>
+                <a:t>) </a:t>
+              </a:r>
+              <a:br>
+                <a:rPr lang="pt-PT" altLang="en-US" sz="3445"/>
+              </a:br>
+              <a:r>
+                <a:rPr lang="pt-PT" altLang="en-US" sz="3445"/>
+                <a:t>(</a:t>
+              </a:r>
+              <a:r>
+                <a:rPr lang="pt-PT" altLang="en-US" sz="3445">
+                  <a:solidFill>
+                    <a:srgbClr val="FF0000"/>
+                  </a:solidFill>
+                </a:rPr>
+                <a:t>1</a:t>
+              </a:r>
+              <a:r>
+                <a:rPr lang="pt-PT" altLang="en-US" sz="3445">
+                  <a:solidFill>
+                    <a:srgbClr val="FF0000"/>
+                  </a:solidFill>
+                  <a:sym typeface="+mn-ea"/>
+                </a:rPr>
+                <a:t>12368 </a:t>
+              </a:r>
+              <a:r>
+                <a:rPr lang="pt-PT" altLang="en-US" sz="3445">
+                  <a:sym typeface="+mn-ea"/>
+                </a:rPr>
+                <a:t>rows)</a:t>
+              </a:r>
+              <a:endParaRPr lang="pt-PT" altLang="en-US" sz="3445">
                 <a:sym typeface="+mn-ea"/>
-              </a:rPr>
-              <a:t>street_crawler/streets_lat_long_curated.csv</a:t>
-            </a:r>
-            <a:endParaRPr lang="pt-PT" altLang="en-US" sz="2400" b="1">
-              <a:sym typeface="+mn-ea"/>
-            </a:endParaRPr>
-          </a:p>
-          <a:p>
-            <a:pPr marL="742950" lvl="1" indent="-285750">
-              <a:buFont typeface="Arial" panose="020B0604020202020204" pitchFamily="34" charset="0"/>
-              <a:buChar char="•"/>
-            </a:pPr>
-            <a:r>
-              <a:rPr lang="pt-PT" altLang="en-US" sz="2400">
+              </a:endParaRPr>
+            </a:p>
+            <a:p>
+              <a:pPr marL="285750" indent="-285750">
+                <a:buFont typeface="Arial" panose="020B0604020202020204" pitchFamily="34" charset="0"/>
+                <a:buChar char="•"/>
+              </a:pPr>
+              <a:endParaRPr lang="pt-PT" altLang="en-US" sz="3445">
                 <a:sym typeface="+mn-ea"/>
-              </a:rPr>
-              <a:t>remove failed image request and temporary files (12341 rows)</a:t>
-            </a:r>
-            <a:endParaRPr lang="pt-PT" altLang="en-US" sz="2400"/>
-          </a:p>
-          <a:p>
-            <a:pPr marL="285750" indent="-285750">
-              <a:buFont typeface="Arial" panose="020B0604020202020204" pitchFamily="34" charset="0"/>
-              <a:buChar char="•"/>
-            </a:pPr>
-            <a:r>
-              <a:rPr lang="pt-PT" altLang="en-US" sz="2400"/>
-              <a:t>images/*.jpg</a:t>
-            </a:r>
-            <a:endParaRPr lang="pt-PT" altLang="en-US" sz="2400"/>
-          </a:p>
-          <a:p>
-            <a:pPr marL="742950" lvl="1" indent="-285750">
-              <a:buFont typeface="Arial" panose="020B0604020202020204" pitchFamily="34" charset="0"/>
-              <a:buChar char="•"/>
-            </a:pPr>
-            <a:r>
-              <a:rPr lang="pt-PT" altLang="en-US" sz="2400"/>
-              <a:t>removing temporary </a:t>
-            </a:r>
-            <a:br>
-              <a:rPr lang="pt-PT" altLang="en-US" sz="2400"/>
-            </a:br>
-            <a:r>
-              <a:rPr lang="pt-PT" altLang="en-US" sz="2400"/>
-              <a:t>(</a:t>
-            </a:r>
-            <a:r>
-              <a:rPr lang="pt-PT" altLang="en-US" sz="2400">
+              </a:endParaRPr>
+            </a:p>
+          </p:txBody>
+        </p:sp>
+        <p:sp>
+          <p:nvSpPr>
+            <p:cNvPr id="14" name="Text Box 13"/>
+            <p:cNvSpPr txBox="true"/>
+            <p:nvPr/>
+          </p:nvSpPr>
+          <p:spPr>
+            <a:xfrm>
+              <a:off x="14756" y="23353"/>
+              <a:ext cx="11989" cy="5877"/>
+            </a:xfrm>
+            <a:prstGeom prst="rect">
+              <a:avLst/>
+            </a:prstGeom>
+            <a:noFill/>
+            <a:ln>
+              <a:noFill/>
+            </a:ln>
+          </p:spPr>
+          <p:txBody>
+            <a:bodyPr wrap="square" rtlCol="0">
+              <a:spAutoFit/>
+            </a:bodyPr>
+            <a:p>
+              <a:pPr indent="0">
+                <a:buFont typeface="Arial" panose="020B0604020202020204" pitchFamily="34" charset="0"/>
+                <a:buNone/>
+              </a:pPr>
+              <a:r>
+                <a:rPr lang="pt-PT" altLang="en-US" sz="3445"/>
+                <a:t>inputs:</a:t>
+              </a:r>
+              <a:endParaRPr lang="pt-PT" altLang="en-US" sz="3445"/>
+            </a:p>
+            <a:p>
+              <a:pPr marL="285750" indent="-285750">
+                <a:buFont typeface="Arial" panose="020B0604020202020204" pitchFamily="34" charset="0"/>
+                <a:buChar char="•"/>
+              </a:pPr>
+              <a:r>
+                <a:rPr lang="pt-PT" altLang="en-US" sz="2955">
+                  <a:sym typeface="+mn-ea"/>
+                </a:rPr>
+                <a:t>raw_data/shapefiles/vale_ribeira.shp</a:t>
+              </a:r>
+              <a:endParaRPr lang="pt-PT" altLang="en-US" sz="2955">
+                <a:sym typeface="+mn-ea"/>
+              </a:endParaRPr>
+            </a:p>
+            <a:p>
+              <a:pPr marL="742950" lvl="1" indent="-285750">
+                <a:buFont typeface="Arial" panose="020B0604020202020204" pitchFamily="34" charset="0"/>
+                <a:buChar char="•"/>
+              </a:pPr>
+              <a:r>
+                <a:rPr lang="pt-PT" altLang="en-US" sz="3445">
+                  <a:sym typeface="+mn-ea"/>
+                </a:rPr>
+                <a:t>954 rows (c.sectors geopolitical)</a:t>
+              </a:r>
+              <a:endParaRPr lang="pt-PT" altLang="en-US" sz="3445"/>
+            </a:p>
+            <a:p>
+              <a:pPr marL="285750" indent="-285750">
+                <a:buFont typeface="Arial" panose="020B0604020202020204" pitchFamily="34" charset="0"/>
+                <a:buChar char="•"/>
+              </a:pPr>
+              <a:r>
+                <a:rPr lang="pt-PT" altLang="en-US" sz="3445">
+                  <a:sym typeface="+mn-ea"/>
+                </a:rPr>
+                <a:t>IDHMS/IDHMs_ValeRibeira.csv</a:t>
+              </a:r>
+              <a:endParaRPr lang="pt-PT" altLang="en-US" sz="3445"/>
+            </a:p>
+            <a:p>
+              <a:pPr marL="742950" lvl="1" indent="-285750">
+                <a:buFont typeface="Arial" panose="020B0604020202020204" pitchFamily="34" charset="0"/>
+                <a:buChar char="•"/>
+              </a:pPr>
+              <a:r>
+                <a:rPr lang="pt-PT" altLang="en-US" sz="3445">
+                  <a:solidFill>
+                    <a:srgbClr val="FF0000"/>
+                  </a:solidFill>
+                </a:rPr>
+                <a:t>880 </a:t>
+              </a:r>
+              <a:r>
+                <a:rPr lang="pt-PT" altLang="en-US" sz="3445"/>
+                <a:t>rows (census sectors)</a:t>
+              </a:r>
+              <a:endParaRPr lang="pt-PT" altLang="en-US" sz="3445"/>
+            </a:p>
+            <a:p>
+              <a:pPr marL="285750" lvl="0" indent="-285750">
+                <a:buFont typeface="Arial" panose="020B0604020202020204" pitchFamily="34" charset="0"/>
+                <a:buChar char="•"/>
+              </a:pPr>
+              <a:r>
+                <a:rPr lang="pt-PT" altLang="en-US" sz="3445">
+                  <a:sym typeface="+mn-ea"/>
+                </a:rPr>
+                <a:t>vgg_features</a:t>
+              </a:r>
+              <a:r>
+                <a:rPr lang="pt-PT" altLang="en-US" sz="3445"/>
+                <a:t>.csv </a:t>
+              </a:r>
+              <a:r>
+                <a:rPr lang="pt-PT" altLang="en-US" sz="3445">
+                  <a:sym typeface="+mn-ea"/>
+                </a:rPr>
+                <a:t>(112368 rows)</a:t>
+              </a:r>
+              <a:endParaRPr lang="pt-PT" altLang="en-US" sz="3445">
+                <a:sym typeface="+mn-ea"/>
+              </a:endParaRPr>
+            </a:p>
+            <a:p>
+              <a:pPr marL="285750" lvl="0" indent="-285750">
+                <a:buFont typeface="Arial" panose="020B0604020202020204" pitchFamily="34" charset="0"/>
+                <a:buChar char="•"/>
+              </a:pPr>
+              <a:r>
+                <a:rPr lang="pt-PT" altLang="en-US" sz="3445">
+                  <a:sym typeface="+mn-ea"/>
+                </a:rPr>
+                <a:t>geo.csv</a:t>
+              </a:r>
+              <a:endParaRPr lang="pt-PT" altLang="en-US" sz="3445">
+                <a:sym typeface="+mn-ea"/>
+              </a:endParaRPr>
+            </a:p>
+          </p:txBody>
+        </p:sp>
+        <p:sp>
+          <p:nvSpPr>
+            <p:cNvPr id="15" name="Down Arrow 14"/>
+            <p:cNvSpPr/>
+            <p:nvPr/>
+          </p:nvSpPr>
+          <p:spPr>
+            <a:xfrm>
+              <a:off x="6994" y="15631"/>
+              <a:ext cx="1250" cy="1516"/>
+            </a:xfrm>
+            <a:prstGeom prst="downArrow">
+              <a:avLst/>
+            </a:prstGeom>
+          </p:spPr>
+          <p:style>
+            <a:lnRef idx="2">
+              <a:schemeClr val="accent6">
+                <a:shade val="50000"/>
+              </a:schemeClr>
+            </a:lnRef>
+            <a:fillRef idx="1">
+              <a:schemeClr val="accent6"/>
+            </a:fillRef>
+            <a:effectRef idx="0">
+              <a:schemeClr val="accent6"/>
+            </a:effectRef>
+            <a:fontRef idx="minor">
+              <a:schemeClr val="lt1"/>
+            </a:fontRef>
+          </p:style>
+          <p:txBody>
+            <a:bodyPr rtlCol="0" anchor="ctr"/>
+            <a:p>
+              <a:pPr algn="ctr"/>
+              <a:endParaRPr lang="en-US" sz="3940"/>
+            </a:p>
+          </p:txBody>
+        </p:sp>
+        <p:sp>
+          <p:nvSpPr>
+            <p:cNvPr id="16" name="Down Arrow 15"/>
+            <p:cNvSpPr/>
+            <p:nvPr/>
+          </p:nvSpPr>
+          <p:spPr>
+            <a:xfrm>
+              <a:off x="7144" y="33214"/>
+              <a:ext cx="1250" cy="1516"/>
+            </a:xfrm>
+            <a:prstGeom prst="downArrow">
+              <a:avLst/>
+            </a:prstGeom>
+          </p:spPr>
+          <p:style>
+            <a:lnRef idx="2">
+              <a:schemeClr val="accent6">
+                <a:shade val="50000"/>
+              </a:schemeClr>
+            </a:lnRef>
+            <a:fillRef idx="1">
+              <a:schemeClr val="accent6"/>
+            </a:fillRef>
+            <a:effectRef idx="0">
+              <a:schemeClr val="accent6"/>
+            </a:effectRef>
+            <a:fontRef idx="minor">
+              <a:schemeClr val="lt1"/>
+            </a:fontRef>
+          </p:style>
+          <p:txBody>
+            <a:bodyPr rtlCol="0" anchor="ctr"/>
+            <a:p>
+              <a:pPr algn="ctr"/>
+              <a:endParaRPr lang="en-US" sz="3940"/>
+            </a:p>
+          </p:txBody>
+        </p:sp>
+        <p:sp>
+          <p:nvSpPr>
+            <p:cNvPr id="17" name="Down Arrow 16"/>
+            <p:cNvSpPr/>
+            <p:nvPr/>
+          </p:nvSpPr>
+          <p:spPr>
+            <a:xfrm>
+              <a:off x="7144" y="22542"/>
+              <a:ext cx="1250" cy="1516"/>
+            </a:xfrm>
+            <a:prstGeom prst="downArrow">
+              <a:avLst/>
+            </a:prstGeom>
+          </p:spPr>
+          <p:style>
+            <a:lnRef idx="2">
+              <a:schemeClr val="accent6">
+                <a:shade val="50000"/>
+              </a:schemeClr>
+            </a:lnRef>
+            <a:fillRef idx="1">
+              <a:schemeClr val="accent6"/>
+            </a:fillRef>
+            <a:effectRef idx="0">
+              <a:schemeClr val="accent6"/>
+            </a:effectRef>
+            <a:fontRef idx="minor">
+              <a:schemeClr val="lt1"/>
+            </a:fontRef>
+          </p:style>
+          <p:txBody>
+            <a:bodyPr rtlCol="0" anchor="ctr"/>
+            <a:p>
+              <a:pPr algn="ctr"/>
+              <a:endParaRPr lang="en-US" sz="3940"/>
+            </a:p>
+          </p:txBody>
+        </p:sp>
+        <p:sp>
+          <p:nvSpPr>
+            <p:cNvPr id="18" name="Text Box 17"/>
+            <p:cNvSpPr txBox="true"/>
+            <p:nvPr/>
+          </p:nvSpPr>
+          <p:spPr>
+            <a:xfrm>
+              <a:off x="28189" y="11118"/>
+              <a:ext cx="9376" cy="1816"/>
+            </a:xfrm>
+            <a:prstGeom prst="rect">
+              <a:avLst/>
+            </a:prstGeom>
+            <a:noFill/>
+            <a:ln>
+              <a:noFill/>
+            </a:ln>
+          </p:spPr>
+          <p:txBody>
+            <a:bodyPr wrap="square" rtlCol="0">
+              <a:spAutoFit/>
+            </a:bodyPr>
+            <a:p>
+              <a:pPr indent="0">
+                <a:buFont typeface="Arial" panose="020B0604020202020204" pitchFamily="34" charset="0"/>
+                <a:buNone/>
+              </a:pPr>
+              <a:r>
+                <a:rPr lang="pt-PT" altLang="en-US" sz="3445"/>
+                <a:t>outputs:</a:t>
+              </a:r>
+              <a:endParaRPr lang="pt-PT" altLang="en-US" sz="3445"/>
+            </a:p>
+            <a:p>
+              <a:pPr indent="0">
+                <a:buFont typeface="Arial" panose="020B0604020202020204" pitchFamily="34" charset="0"/>
+                <a:buNone/>
+              </a:pPr>
+              <a:r>
+                <a:rPr lang="pt-PT" altLang="en-US" sz="3445"/>
+                <a:t> geo.csv (</a:t>
+              </a:r>
+              <a:r>
+                <a:rPr lang="pt-PT" altLang="en-US" sz="3445">
+                  <a:solidFill>
+                    <a:srgbClr val="FF0000"/>
+                  </a:solidFill>
+                  <a:sym typeface="+mn-ea"/>
+                </a:rPr>
+                <a:t>112368 </a:t>
+              </a:r>
+              <a:r>
+                <a:rPr lang="pt-PT" altLang="en-US" sz="3445"/>
+                <a:t>rows)</a:t>
+              </a:r>
+              <a:endParaRPr lang="pt-PT" altLang="en-US" sz="3445"/>
+            </a:p>
+          </p:txBody>
+        </p:sp>
+        <p:sp>
+          <p:nvSpPr>
+            <p:cNvPr id="19" name="Text Box 18"/>
+            <p:cNvSpPr txBox="true"/>
+            <p:nvPr/>
+          </p:nvSpPr>
+          <p:spPr>
+            <a:xfrm>
+              <a:off x="28044" y="23353"/>
+              <a:ext cx="11293" cy="5160"/>
+            </a:xfrm>
+            <a:prstGeom prst="rect">
+              <a:avLst/>
+            </a:prstGeom>
+            <a:noFill/>
+            <a:ln>
+              <a:noFill/>
+            </a:ln>
+          </p:spPr>
+          <p:txBody>
+            <a:bodyPr wrap="square" rtlCol="0">
+              <a:spAutoFit/>
+            </a:bodyPr>
+            <a:p>
+              <a:pPr indent="0">
+                <a:buFont typeface="Arial" panose="020B0604020202020204" pitchFamily="34" charset="0"/>
+                <a:buNone/>
+              </a:pPr>
+              <a:r>
+                <a:rPr lang="pt-PT" altLang="en-US" sz="3445"/>
+                <a:t>outputs: </a:t>
+              </a:r>
+              <a:endParaRPr lang="pt-PT" altLang="en-US" sz="3445"/>
+            </a:p>
+            <a:p>
+              <a:pPr marL="285750" indent="-285750">
+                <a:buFont typeface="Arial" panose="020B0604020202020204" pitchFamily="34" charset="0"/>
+                <a:buChar char="•"/>
+              </a:pPr>
+              <a:r>
+                <a:rPr lang="en-US" altLang="pt-PT" sz="3445">
+                  <a:sym typeface="+mn-ea"/>
+                </a:rPr>
+                <a:t>geo_fold.csv (</a:t>
+              </a:r>
+              <a:r>
+                <a:rPr lang="pt-PT" altLang="en-US" sz="3445">
+                  <a:sym typeface="+mn-ea"/>
+                </a:rPr>
+                <a:t>112368  </a:t>
+              </a:r>
+              <a:r>
+                <a:rPr lang="en-US" altLang="pt-PT" sz="3445">
+                  <a:sym typeface="+mn-ea"/>
+                </a:rPr>
+                <a:t>rows)</a:t>
+              </a:r>
+              <a:endParaRPr lang="pt-PT" altLang="en-US" sz="3445"/>
+            </a:p>
+            <a:p>
+              <a:pPr marL="285750" indent="-285750">
+                <a:buFont typeface="Arial" panose="020B0604020202020204" pitchFamily="34" charset="0"/>
+                <a:buChar char="•"/>
+              </a:pPr>
+              <a:r>
+                <a:rPr lang="pt-PT" altLang="en-US" sz="3445"/>
+                <a:t>income/folds*.csv (total of 110824 images)</a:t>
+              </a:r>
+              <a:endParaRPr lang="pt-PT" altLang="en-US" sz="3445"/>
+            </a:p>
+            <a:p>
+              <a:pPr marL="285750" indent="-285750">
+                <a:buFont typeface="Arial" panose="020B0604020202020204" pitchFamily="34" charset="0"/>
+                <a:buChar char="•"/>
+              </a:pPr>
+              <a:r>
+                <a:rPr lang="pt-PT" altLang="en-US" sz="3445"/>
+                <a:t>income/logs/*</a:t>
+              </a:r>
+              <a:endParaRPr lang="pt-PT" altLang="en-US" sz="3445"/>
+            </a:p>
+            <a:p>
+              <a:pPr marL="285750" indent="-285750">
+                <a:buFont typeface="Arial" panose="020B0604020202020204" pitchFamily="34" charset="0"/>
+                <a:buChar char="•"/>
+              </a:pPr>
+              <a:r>
+                <a:rPr lang="pt-PT" altLang="en-US" sz="3445">
+                  <a:sym typeface="+mn-ea"/>
+                </a:rPr>
+                <a:t>income/models/*</a:t>
+              </a:r>
+              <a:endParaRPr lang="pt-PT" altLang="en-US" sz="3445">
+                <a:sym typeface="+mn-ea"/>
+              </a:endParaRPr>
+            </a:p>
+          </p:txBody>
+        </p:sp>
+        <p:sp>
+          <p:nvSpPr>
+            <p:cNvPr id="20" name="Text Box 19"/>
+            <p:cNvSpPr txBox="true"/>
+            <p:nvPr/>
+          </p:nvSpPr>
+          <p:spPr>
+            <a:xfrm>
+              <a:off x="14756" y="35576"/>
+              <a:ext cx="11989" cy="2652"/>
+            </a:xfrm>
+            <a:prstGeom prst="rect">
+              <a:avLst/>
+            </a:prstGeom>
+            <a:noFill/>
+            <a:ln>
+              <a:noFill/>
+            </a:ln>
+          </p:spPr>
+          <p:txBody>
+            <a:bodyPr wrap="square" rtlCol="0">
+              <a:spAutoFit/>
+            </a:bodyPr>
+            <a:p>
+              <a:pPr indent="0">
+                <a:buFont typeface="Arial" panose="020B0604020202020204" pitchFamily="34" charset="0"/>
+                <a:buNone/>
+              </a:pPr>
+              <a:r>
+                <a:rPr lang="pt-PT" altLang="en-US" sz="3445"/>
+                <a:t>inputs: </a:t>
+              </a:r>
+              <a:endParaRPr lang="pt-PT" altLang="en-US" sz="3445"/>
+            </a:p>
+            <a:p>
+              <a:pPr marL="285750" indent="-285750">
+                <a:buFont typeface="Arial" panose="020B0604020202020204" pitchFamily="34" charset="0"/>
+                <a:buChar char="•"/>
+              </a:pPr>
+              <a:r>
+                <a:rPr lang="pt-PT" altLang="en-US" sz="3445"/>
+                <a:t>income/folds*.csv</a:t>
+              </a:r>
+              <a:endParaRPr lang="pt-PT" altLang="en-US" sz="3445"/>
+            </a:p>
+            <a:p>
+              <a:pPr marL="285750" indent="-285750">
+                <a:buFont typeface="Arial" panose="020B0604020202020204" pitchFamily="34" charset="0"/>
+                <a:buChar char="•"/>
+              </a:pPr>
+              <a:endParaRPr lang="pt-PT" altLang="en-US" sz="3445"/>
+            </a:p>
+          </p:txBody>
+        </p:sp>
+        <p:sp>
+          <p:nvSpPr>
+            <p:cNvPr id="2" name="Text Box 1"/>
+            <p:cNvSpPr txBox="true"/>
+            <p:nvPr/>
+          </p:nvSpPr>
+          <p:spPr>
+            <a:xfrm>
+              <a:off x="14756" y="11118"/>
+              <a:ext cx="12127" cy="3011"/>
+            </a:xfrm>
+            <a:prstGeom prst="rect">
+              <a:avLst/>
+            </a:prstGeom>
+            <a:noFill/>
+            <a:ln>
+              <a:noFill/>
+            </a:ln>
+          </p:spPr>
+          <p:txBody>
+            <a:bodyPr wrap="square" rtlCol="0">
+              <a:spAutoFit/>
+            </a:bodyPr>
+            <a:p>
+              <a:pPr indent="0">
+                <a:buFont typeface="Arial" panose="020B0604020202020204" pitchFamily="34" charset="0"/>
+                <a:buNone/>
+              </a:pPr>
+              <a:r>
+                <a:rPr lang="pt-PT" altLang="en-US" sz="2955"/>
+                <a:t>outputs: </a:t>
+              </a:r>
+              <a:endParaRPr lang="pt-PT" altLang="en-US" sz="2955"/>
+            </a:p>
+            <a:p>
+              <a:pPr marL="285750" indent="-285750">
+                <a:buFont typeface="Arial" panose="020B0604020202020204" pitchFamily="34" charset="0"/>
+                <a:buChar char="•"/>
+              </a:pPr>
+              <a:r>
+                <a:rPr lang="pt-PT" altLang="en-US" sz="2955">
+                  <a:sym typeface="+mn-ea"/>
+                </a:rPr>
+                <a:t>street_crawler/streets_lat_long_curated.csv</a:t>
+              </a:r>
+              <a:r>
+                <a:rPr lang="pt-PT" altLang="en-US" sz="2955"/>
+                <a:t> </a:t>
+              </a:r>
+              <a:endParaRPr lang="pt-PT" altLang="en-US" sz="2955"/>
+            </a:p>
+            <a:p>
+              <a:pPr marL="742950" lvl="1" indent="-285750">
+                <a:buFont typeface="Arial" panose="020B0604020202020204" pitchFamily="34" charset="0"/>
+                <a:buChar char="•"/>
+              </a:pPr>
+              <a:r>
+                <a:rPr lang="pt-PT" altLang="en-US" sz="2955"/>
+                <a:t>(</a:t>
+              </a:r>
+              <a:r>
+                <a:rPr lang="pt-PT" altLang="en-US" sz="2955" b="1">
+                  <a:solidFill>
+                    <a:srgbClr val="FF0000"/>
+                  </a:solidFill>
+                  <a:sym typeface="+mn-ea"/>
+                </a:rPr>
+                <a:t>112368</a:t>
+              </a:r>
+              <a:r>
+                <a:rPr lang="pt-PT" altLang="en-US" sz="2955"/>
+                <a:t>) </a:t>
+              </a:r>
+              <a:r>
+                <a:rPr lang="pt-PT" altLang="en-US" sz="2955">
+                  <a:sym typeface="+mn-ea"/>
+                </a:rPr>
+                <a:t>unique</a:t>
+              </a:r>
+              <a:endParaRPr lang="pt-PT" altLang="en-US" sz="2955">
+                <a:sym typeface="+mn-ea"/>
+              </a:endParaRPr>
+            </a:p>
+          </p:txBody>
+        </p:sp>
+        <p:sp>
+          <p:nvSpPr>
+            <p:cNvPr id="3" name="Rectangle 2"/>
+            <p:cNvSpPr/>
+            <p:nvPr/>
+          </p:nvSpPr>
+          <p:spPr>
+            <a:xfrm>
+              <a:off x="2447" y="36067"/>
+              <a:ext cx="9631" cy="1739"/>
+            </a:xfrm>
+            <a:prstGeom prst="rect">
+              <a:avLst/>
+            </a:prstGeom>
+          </p:spPr>
+          <p:style>
+            <a:lnRef idx="2">
+              <a:schemeClr val="accent6">
+                <a:shade val="50000"/>
+              </a:schemeClr>
+            </a:lnRef>
+            <a:fillRef idx="1">
+              <a:schemeClr val="accent6"/>
+            </a:fillRef>
+            <a:effectRef idx="0">
+              <a:schemeClr val="accent6"/>
+            </a:effectRef>
+            <a:fontRef idx="minor">
+              <a:schemeClr val="lt1"/>
+            </a:fontRef>
+          </p:style>
+          <p:txBody>
+            <a:bodyPr rtlCol="0" anchor="ctr"/>
+            <a:p>
+              <a:pPr algn="ctr"/>
+              <a:r>
+                <a:rPr lang="pt-PT" altLang="en-US" sz="3940"/>
+                <a:t>Prediction.py</a:t>
+              </a:r>
+              <a:endParaRPr lang="pt-PT" altLang="en-US" sz="3940"/>
+            </a:p>
+          </p:txBody>
+        </p:sp>
+        <p:sp>
+          <p:nvSpPr>
+            <p:cNvPr id="10" name="Down Arrow 9"/>
+            <p:cNvSpPr/>
+            <p:nvPr/>
+          </p:nvSpPr>
+          <p:spPr>
+            <a:xfrm>
+              <a:off x="6978" y="9695"/>
+              <a:ext cx="1250" cy="1516"/>
+            </a:xfrm>
+            <a:prstGeom prst="downArrow">
+              <a:avLst/>
+            </a:prstGeom>
+          </p:spPr>
+          <p:style>
+            <a:lnRef idx="2">
+              <a:schemeClr val="accent4">
+                <a:shade val="50000"/>
+              </a:schemeClr>
+            </a:lnRef>
+            <a:fillRef idx="1">
+              <a:schemeClr val="accent4"/>
+            </a:fillRef>
+            <a:effectRef idx="0">
+              <a:schemeClr val="accent4"/>
+            </a:effectRef>
+            <a:fontRef idx="minor">
+              <a:schemeClr val="lt1"/>
+            </a:fontRef>
+          </p:style>
+          <p:txBody>
+            <a:bodyPr rtlCol="0" anchor="ctr"/>
+            <a:p>
+              <a:pPr algn="ctr"/>
+              <a:endParaRPr lang="en-US" sz="3940"/>
+            </a:p>
+          </p:txBody>
+        </p:sp>
+        <p:sp>
+          <p:nvSpPr>
+            <p:cNvPr id="22" name="Text Box 21"/>
+            <p:cNvSpPr txBox="true"/>
+            <p:nvPr/>
+          </p:nvSpPr>
+          <p:spPr>
+            <a:xfrm>
+              <a:off x="14756" y="925"/>
+              <a:ext cx="11989" cy="4385"/>
+            </a:xfrm>
+            <a:prstGeom prst="rect">
+              <a:avLst/>
+            </a:prstGeom>
+            <a:noFill/>
+            <a:ln>
+              <a:noFill/>
+            </a:ln>
+          </p:spPr>
+          <p:txBody>
+            <a:bodyPr wrap="square" rtlCol="0">
+              <a:spAutoFit/>
+            </a:bodyPr>
+            <a:p>
+              <a:pPr indent="0">
+                <a:buFont typeface="Arial" panose="020B0604020202020204" pitchFamily="34" charset="0"/>
+                <a:buNone/>
+              </a:pPr>
+              <a:r>
+                <a:rPr lang="pt-PT" altLang="en-US" sz="2955"/>
+                <a:t>inputs: </a:t>
+              </a:r>
+              <a:endParaRPr lang="pt-PT" altLang="en-US" sz="2955"/>
+            </a:p>
+            <a:p>
+              <a:pPr indent="0">
+                <a:buFont typeface="Arial" panose="020B0604020202020204" pitchFamily="34" charset="0"/>
+                <a:buNone/>
+              </a:pPr>
+              <a:endParaRPr lang="pt-PT" altLang="en-US" sz="2955"/>
+            </a:p>
+            <a:p>
+              <a:pPr marL="342900" indent="-342900">
+                <a:buFont typeface="Arial" panose="020B0604020202020204" pitchFamily="34" charset="0"/>
+                <a:buChar char="•"/>
+              </a:pPr>
+              <a:r>
+                <a:rPr lang="pt-PT" altLang="en-US" sz="2955">
+                  <a:sym typeface="+mn-ea"/>
+                </a:rPr>
+                <a:t>raw_data/ibge2010/*.xls</a:t>
+              </a:r>
+              <a:endParaRPr lang="pt-PT" altLang="en-US" sz="2955">
+                <a:sym typeface="+mn-ea"/>
+              </a:endParaRPr>
+            </a:p>
+            <a:p>
+              <a:pPr marL="800100" lvl="1" indent="-342900">
+                <a:buFont typeface="Arial" panose="020B0604020202020204" pitchFamily="34" charset="0"/>
+                <a:buChar char="•"/>
+              </a:pPr>
+              <a:r>
+                <a:rPr lang="pt-PT" altLang="en-US" sz="2955">
+                  <a:sym typeface="+mn-ea"/>
+                </a:rPr>
+                <a:t>IBGE data</a:t>
+              </a:r>
+              <a:endParaRPr lang="pt-PT" altLang="en-US" sz="2955">
+                <a:sym typeface="+mn-ea"/>
+              </a:endParaRPr>
+            </a:p>
+            <a:p>
+              <a:pPr marL="800100" lvl="1" indent="-342900">
+                <a:buFont typeface="Arial" panose="020B0604020202020204" pitchFamily="34" charset="0"/>
+                <a:buChar char="•"/>
+              </a:pPr>
+              <a:r>
+                <a:rPr lang="pt-PT" altLang="en-US" sz="2215" i="1">
+                  <a:sym typeface="+mn-ea"/>
+                </a:rPr>
+                <a:t>SP_Exceto_a_Capital_20190207.zip</a:t>
+              </a:r>
+              <a:endParaRPr lang="pt-PT" altLang="en-US" sz="3445"/>
+            </a:p>
+            <a:p>
+              <a:pPr marL="285750" indent="-285750">
+                <a:buFont typeface="Arial" panose="020B0604020202020204" pitchFamily="34" charset="0"/>
+                <a:buChar char="•"/>
+              </a:pPr>
+              <a:endParaRPr lang="pt-PT" altLang="en-US" sz="3445"/>
+            </a:p>
+          </p:txBody>
+        </p:sp>
+        <p:sp>
+          <p:nvSpPr>
+            <p:cNvPr id="26" name="Text Box 25"/>
+            <p:cNvSpPr txBox="true"/>
+            <p:nvPr/>
+          </p:nvSpPr>
+          <p:spPr>
+            <a:xfrm>
+              <a:off x="39697" y="6441"/>
+              <a:ext cx="1655" cy="860"/>
+            </a:xfrm>
+            <a:prstGeom prst="rect">
+              <a:avLst/>
+            </a:prstGeom>
+            <a:noFill/>
+          </p:spPr>
+          <p:txBody>
+            <a:bodyPr wrap="square" rtlCol="0">
+              <a:spAutoFit/>
+            </a:bodyPr>
+            <a:p>
+              <a:r>
+                <a:rPr lang="pt-PT" altLang="en-US" sz="2955"/>
+                <a:t>6hs</a:t>
+              </a:r>
+              <a:endParaRPr lang="pt-PT" altLang="en-US" sz="2955"/>
+            </a:p>
+          </p:txBody>
+        </p:sp>
+        <p:sp>
+          <p:nvSpPr>
+            <p:cNvPr id="27" name="Text Box 26"/>
+            <p:cNvSpPr txBox="true"/>
+            <p:nvPr/>
+          </p:nvSpPr>
+          <p:spPr>
+            <a:xfrm>
+              <a:off x="39697" y="16643"/>
+              <a:ext cx="1681" cy="860"/>
+            </a:xfrm>
+            <a:prstGeom prst="rect">
+              <a:avLst/>
+            </a:prstGeom>
+            <a:noFill/>
+          </p:spPr>
+          <p:txBody>
+            <a:bodyPr wrap="square" rtlCol="0">
+              <a:spAutoFit/>
+            </a:bodyPr>
+            <a:p>
+              <a:r>
+                <a:rPr lang="pt-PT" altLang="en-US" sz="2955"/>
+                <a:t>7hs</a:t>
+              </a:r>
+              <a:endParaRPr lang="pt-PT" altLang="en-US" sz="2955"/>
+            </a:p>
+          </p:txBody>
+        </p:sp>
+        <p:sp>
+          <p:nvSpPr>
+            <p:cNvPr id="28" name="Rectangle 27"/>
+            <p:cNvSpPr/>
+            <p:nvPr/>
+          </p:nvSpPr>
+          <p:spPr>
+            <a:xfrm>
+              <a:off x="2594" y="605"/>
+              <a:ext cx="9300" cy="2720"/>
+            </a:xfrm>
+            <a:prstGeom prst="rect">
+              <a:avLst/>
+            </a:prstGeom>
+          </p:spPr>
+          <p:style>
+            <a:lnRef idx="2">
+              <a:schemeClr val="accent1">
+                <a:shade val="50000"/>
+              </a:schemeClr>
+            </a:lnRef>
+            <a:fillRef idx="1">
+              <a:schemeClr val="accent1"/>
+            </a:fillRef>
+            <a:effectRef idx="0">
+              <a:schemeClr val="accent1"/>
+            </a:effectRef>
+            <a:fontRef idx="minor">
+              <a:schemeClr val="lt1"/>
+            </a:fontRef>
+          </p:style>
+          <p:txBody>
+            <a:bodyPr rtlCol="0" anchor="ctr"/>
+            <a:p>
+              <a:pPr algn="ctr"/>
+              <a:r>
+                <a:rPr lang="pt-PT" altLang="en-US" sz="3940" b="1"/>
+                <a:t>INDICATOR-dataset</a:t>
+              </a:r>
+              <a:endParaRPr lang="pt-PT" altLang="en-US" sz="3940"/>
+            </a:p>
+            <a:p>
+              <a:pPr algn="ctr"/>
+              <a:r>
+                <a:rPr lang="pt-PT" altLang="en-US" sz="3940"/>
+                <a:t>IDHMS/IDHMS.ipynb</a:t>
+              </a:r>
+              <a:endParaRPr lang="pt-PT" altLang="en-US" sz="3940"/>
+            </a:p>
+          </p:txBody>
+        </p:sp>
+        <p:sp>
+          <p:nvSpPr>
+            <p:cNvPr id="31" name="Text Box 30"/>
+            <p:cNvSpPr txBox="true"/>
+            <p:nvPr/>
+          </p:nvSpPr>
+          <p:spPr>
+            <a:xfrm>
+              <a:off x="28068" y="925"/>
+              <a:ext cx="9857" cy="3011"/>
+            </a:xfrm>
+            <a:prstGeom prst="rect">
+              <a:avLst/>
+            </a:prstGeom>
+            <a:noFill/>
+            <a:ln>
+              <a:noFill/>
+            </a:ln>
+          </p:spPr>
+          <p:txBody>
+            <a:bodyPr wrap="square" rtlCol="0">
+              <a:spAutoFit/>
+            </a:bodyPr>
+            <a:p>
+              <a:pPr lvl="0" algn="l">
+                <a:buClrTx/>
+                <a:buSzTx/>
+                <a:buFont typeface="Arial" panose="020B0604020202020204" pitchFamily="34" charset="0"/>
+              </a:pPr>
+              <a:r>
+                <a:rPr lang="pt-PT" altLang="en-US" sz="2955">
+                  <a:sym typeface="+mn-ea"/>
+                </a:rPr>
+                <a:t>outputs: </a:t>
+              </a:r>
+              <a:endParaRPr lang="pt-PT" altLang="en-US" sz="2955">
+                <a:sym typeface="+mn-ea"/>
+              </a:endParaRPr>
+            </a:p>
+            <a:p>
+              <a:pPr marL="342900" lvl="0" indent="-342900" algn="l">
+                <a:buClrTx/>
+                <a:buSzTx/>
+                <a:buFont typeface="Arial" panose="020B0604020202020204" pitchFamily="34" charset="0"/>
+                <a:buChar char="•"/>
+              </a:pPr>
+              <a:r>
+                <a:rPr lang="pt-PT" altLang="en-US" sz="2955">
+                  <a:sym typeface="+mn-ea"/>
+                </a:rPr>
+                <a:t>IDHMS/IDHMs_ValeRibeira.csv</a:t>
+              </a:r>
+              <a:endParaRPr lang="pt-PT" altLang="en-US" sz="2955">
+                <a:sym typeface="+mn-ea"/>
+              </a:endParaRPr>
+            </a:p>
+            <a:p>
+              <a:pPr marL="342900" lvl="0" indent="-342900" algn="l">
+                <a:buClrTx/>
+                <a:buSzTx/>
+                <a:buFont typeface="Arial" panose="020B0604020202020204" pitchFamily="34" charset="0"/>
+                <a:buChar char="•"/>
+              </a:pPr>
+              <a:r>
+                <a:rPr lang="pt-PT" altLang="en-US" sz="2955">
+                  <a:sym typeface="+mn-ea"/>
+                </a:rPr>
+                <a:t>IDHMS/temp_Renda.csv</a:t>
+              </a:r>
+              <a:endParaRPr lang="pt-PT" altLang="en-US" sz="2955">
+                <a:sym typeface="+mn-ea"/>
+              </a:endParaRPr>
+            </a:p>
+            <a:p>
+              <a:pPr lvl="0" algn="l">
+                <a:buClrTx/>
+                <a:buSzTx/>
+                <a:buFont typeface="Arial" panose="020B0604020202020204" pitchFamily="34" charset="0"/>
+              </a:pPr>
+              <a:endParaRPr lang="pt-PT" altLang="en-US" sz="2955">
+                <a:sym typeface="+mn-ea"/>
+              </a:endParaRPr>
+            </a:p>
+          </p:txBody>
+        </p:sp>
+        <p:sp>
+          <p:nvSpPr>
+            <p:cNvPr id="11" name="Text Box 10"/>
+            <p:cNvSpPr txBox="true"/>
+            <p:nvPr/>
+          </p:nvSpPr>
+          <p:spPr>
+            <a:xfrm>
+              <a:off x="28189" y="35627"/>
+              <a:ext cx="11148" cy="2652"/>
+            </a:xfrm>
+            <a:prstGeom prst="rect">
+              <a:avLst/>
+            </a:prstGeom>
+            <a:noFill/>
+            <a:ln>
+              <a:noFill/>
+            </a:ln>
+          </p:spPr>
+          <p:txBody>
+            <a:bodyPr wrap="square" rtlCol="0">
+              <a:spAutoFit/>
+            </a:bodyPr>
+            <a:p>
+              <a:pPr indent="0">
+                <a:buFont typeface="Arial" panose="020B0604020202020204" pitchFamily="34" charset="0"/>
+                <a:buNone/>
+              </a:pPr>
+              <a:r>
+                <a:rPr lang="pt-PT" altLang="en-US" sz="3445"/>
+                <a:t>outputs: </a:t>
+              </a:r>
+              <a:endParaRPr lang="pt-PT" altLang="en-US" sz="3445"/>
+            </a:p>
+            <a:p>
+              <a:pPr marL="285750" indent="-285750">
+                <a:buFont typeface="Arial" panose="020B0604020202020204" pitchFamily="34" charset="0"/>
+                <a:buChar char="•"/>
+              </a:pPr>
+              <a:r>
+                <a:rPr lang="pt-PT" altLang="en-US" sz="3445"/>
+                <a:t>income/</a:t>
+              </a:r>
+              <a:r>
+                <a:rPr lang="en-US" altLang="pt-PT" sz="3445"/>
+                <a:t>pred</a:t>
+              </a:r>
+              <a:r>
+                <a:rPr lang="pt-PT" altLang="en-US" sz="3445"/>
+                <a:t>s*.csv (total of 27706 images)</a:t>
+              </a:r>
+              <a:endParaRPr lang="pt-PT" altLang="en-US" sz="3445"/>
+            </a:p>
+          </p:txBody>
+        </p:sp>
+        <p:sp>
+          <p:nvSpPr>
+            <p:cNvPr id="25" name="Rectangle 24"/>
+            <p:cNvSpPr/>
+            <p:nvPr/>
+          </p:nvSpPr>
+          <p:spPr>
+            <a:xfrm>
+              <a:off x="14365" y="564"/>
+              <a:ext cx="12537" cy="4497"/>
+            </a:xfrm>
+            <a:prstGeom prst="rect">
+              <a:avLst/>
+            </a:prstGeom>
+            <a:noFill/>
+            <a:extLst>
+              <a:ext uri="{909E8E84-426E-40DD-AFC4-6F175D3DCCD1}">
+                <a14:hiddenFill xmlns:a14="http://schemas.microsoft.com/office/drawing/2010/main">
+                  <a:solidFill>
+                    <a:schemeClr val="lt1"/>
+                  </a:solidFill>
+                </a14:hiddenFill>
+              </a:ext>
+            </a:extLst>
+          </p:spPr>
+          <p:style>
+            <a:lnRef idx="2">
+              <a:schemeClr val="accent5"/>
+            </a:lnRef>
+            <a:fillRef idx="1">
+              <a:schemeClr val="lt1"/>
+            </a:fillRef>
+            <a:effectRef idx="0">
+              <a:schemeClr val="accent5"/>
+            </a:effectRef>
+            <a:fontRef idx="minor">
+              <a:schemeClr val="dk1"/>
+            </a:fontRef>
+          </p:style>
+          <p:txBody>
+            <a:bodyPr rtlCol="0" anchor="ctr"/>
+            <a:p>
+              <a:pPr algn="ctr"/>
+              <a:endParaRPr lang="en-US" sz="2215"/>
+            </a:p>
+          </p:txBody>
+        </p:sp>
+        <p:sp>
+          <p:nvSpPr>
+            <p:cNvPr id="34" name="Rectangle 33"/>
+            <p:cNvSpPr/>
+            <p:nvPr/>
+          </p:nvSpPr>
+          <p:spPr>
+            <a:xfrm>
+              <a:off x="14365" y="5649"/>
+              <a:ext cx="12538" cy="4495"/>
+            </a:xfrm>
+            <a:prstGeom prst="rect">
+              <a:avLst/>
+            </a:prstGeom>
+            <a:noFill/>
+            <a:extLst>
+              <a:ext uri="{909E8E84-426E-40DD-AFC4-6F175D3DCCD1}">
+                <a14:hiddenFill xmlns:a14="http://schemas.microsoft.com/office/drawing/2010/main">
+                  <a:solidFill>
+                    <a:schemeClr val="lt1"/>
+                  </a:solidFill>
+                </a14:hiddenFill>
+              </a:ext>
+            </a:extLst>
+          </p:spPr>
+          <p:style>
+            <a:lnRef idx="2">
+              <a:schemeClr val="accent5"/>
+            </a:lnRef>
+            <a:fillRef idx="1">
+              <a:schemeClr val="lt1"/>
+            </a:fillRef>
+            <a:effectRef idx="0">
+              <a:schemeClr val="accent5"/>
+            </a:effectRef>
+            <a:fontRef idx="minor">
+              <a:schemeClr val="dk1"/>
+            </a:fontRef>
+          </p:style>
+          <p:txBody>
+            <a:bodyPr rtlCol="0" anchor="ctr"/>
+            <a:p>
+              <a:pPr algn="ctr"/>
+              <a:endParaRPr lang="en-US" sz="2215"/>
+            </a:p>
+          </p:txBody>
+        </p:sp>
+        <p:sp>
+          <p:nvSpPr>
+            <p:cNvPr id="43" name="Rectangle 42"/>
+            <p:cNvSpPr/>
+            <p:nvPr/>
+          </p:nvSpPr>
+          <p:spPr>
+            <a:xfrm>
+              <a:off x="27592" y="564"/>
+              <a:ext cx="11798" cy="4497"/>
+            </a:xfrm>
+            <a:prstGeom prst="rect">
+              <a:avLst/>
+            </a:prstGeom>
+            <a:noFill/>
+            <a:extLst>
+              <a:ext uri="{909E8E84-426E-40DD-AFC4-6F175D3DCCD1}">
+                <a14:hiddenFill xmlns:a14="http://schemas.microsoft.com/office/drawing/2010/main">
+                  <a:solidFill>
+                    <a:schemeClr val="lt1"/>
+                  </a:solidFill>
+                </a14:hiddenFill>
+              </a:ext>
+            </a:extLst>
+          </p:spPr>
+          <p:style>
+            <a:lnRef idx="2">
+              <a:schemeClr val="accent5"/>
+            </a:lnRef>
+            <a:fillRef idx="1">
+              <a:schemeClr val="lt1"/>
+            </a:fillRef>
+            <a:effectRef idx="0">
+              <a:schemeClr val="accent5"/>
+            </a:effectRef>
+            <a:fontRef idx="minor">
+              <a:schemeClr val="dk1"/>
+            </a:fontRef>
+          </p:style>
+          <p:txBody>
+            <a:bodyPr rtlCol="0" anchor="ctr"/>
+            <a:p>
+              <a:pPr algn="ctr"/>
+              <a:endParaRPr lang="en-US" sz="2215"/>
+            </a:p>
+          </p:txBody>
+        </p:sp>
+        <p:sp>
+          <p:nvSpPr>
+            <p:cNvPr id="44" name="Rectangle 43"/>
+            <p:cNvSpPr/>
+            <p:nvPr/>
+          </p:nvSpPr>
+          <p:spPr>
+            <a:xfrm>
+              <a:off x="14365" y="35249"/>
+              <a:ext cx="12538" cy="3809"/>
+            </a:xfrm>
+            <a:prstGeom prst="rect">
+              <a:avLst/>
+            </a:prstGeom>
+            <a:noFill/>
+            <a:extLst>
+              <a:ext uri="{909E8E84-426E-40DD-AFC4-6F175D3DCCD1}">
+                <a14:hiddenFill xmlns:a14="http://schemas.microsoft.com/office/drawing/2010/main">
+                  <a:solidFill>
+                    <a:schemeClr val="lt1"/>
+                  </a:solidFill>
+                </a14:hiddenFill>
+              </a:ext>
+            </a:extLst>
+          </p:spPr>
+          <p:style>
+            <a:lnRef idx="2">
+              <a:schemeClr val="accent5"/>
+            </a:lnRef>
+            <a:fillRef idx="1">
+              <a:schemeClr val="lt1"/>
+            </a:fillRef>
+            <a:effectRef idx="0">
+              <a:schemeClr val="accent5"/>
+            </a:effectRef>
+            <a:fontRef idx="minor">
+              <a:schemeClr val="dk1"/>
+            </a:fontRef>
+          </p:style>
+          <p:txBody>
+            <a:bodyPr rtlCol="0" anchor="ctr"/>
+            <a:p>
+              <a:pPr algn="ctr"/>
+              <a:endParaRPr lang="en-US" sz="2215"/>
+            </a:p>
+          </p:txBody>
+        </p:sp>
+        <p:sp>
+          <p:nvSpPr>
+            <p:cNvPr id="45" name="Rectangle 44"/>
+            <p:cNvSpPr/>
+            <p:nvPr/>
+          </p:nvSpPr>
+          <p:spPr>
+            <a:xfrm>
+              <a:off x="14365" y="23107"/>
+              <a:ext cx="12538" cy="6559"/>
+            </a:xfrm>
+            <a:prstGeom prst="rect">
+              <a:avLst/>
+            </a:prstGeom>
+            <a:noFill/>
+            <a:extLst>
+              <a:ext uri="{909E8E84-426E-40DD-AFC4-6F175D3DCCD1}">
+                <a14:hiddenFill xmlns:a14="http://schemas.microsoft.com/office/drawing/2010/main">
+                  <a:solidFill>
+                    <a:schemeClr val="lt1"/>
+                  </a:solidFill>
+                </a14:hiddenFill>
+              </a:ext>
+            </a:extLst>
+          </p:spPr>
+          <p:style>
+            <a:lnRef idx="2">
+              <a:schemeClr val="accent5"/>
+            </a:lnRef>
+            <a:fillRef idx="1">
+              <a:schemeClr val="lt1"/>
+            </a:fillRef>
+            <a:effectRef idx="0">
+              <a:schemeClr val="accent5"/>
+            </a:effectRef>
+            <a:fontRef idx="minor">
+              <a:schemeClr val="dk1"/>
+            </a:fontRef>
+          </p:style>
+          <p:txBody>
+            <a:bodyPr rtlCol="0" anchor="ctr"/>
+            <a:p>
+              <a:pPr algn="ctr"/>
+              <a:endParaRPr lang="en-US" sz="2215"/>
+            </a:p>
+          </p:txBody>
+        </p:sp>
+        <p:sp>
+          <p:nvSpPr>
+            <p:cNvPr id="46" name="Rectangle 45"/>
+            <p:cNvSpPr/>
+            <p:nvPr/>
+          </p:nvSpPr>
+          <p:spPr>
+            <a:xfrm>
+              <a:off x="14365" y="15626"/>
+              <a:ext cx="12538" cy="6342"/>
+            </a:xfrm>
+            <a:prstGeom prst="rect">
+              <a:avLst/>
+            </a:prstGeom>
+            <a:noFill/>
+            <a:extLst>
+              <a:ext uri="{909E8E84-426E-40DD-AFC4-6F175D3DCCD1}">
+                <a14:hiddenFill xmlns:a14="http://schemas.microsoft.com/office/drawing/2010/main">
+                  <a:solidFill>
+                    <a:schemeClr val="lt1"/>
+                  </a:solidFill>
+                </a14:hiddenFill>
+              </a:ext>
+            </a:extLst>
+          </p:spPr>
+          <p:style>
+            <a:lnRef idx="2">
+              <a:schemeClr val="accent5"/>
+            </a:lnRef>
+            <a:fillRef idx="1">
+              <a:schemeClr val="lt1"/>
+            </a:fillRef>
+            <a:effectRef idx="0">
+              <a:schemeClr val="accent5"/>
+            </a:effectRef>
+            <a:fontRef idx="minor">
+              <a:schemeClr val="dk1"/>
+            </a:fontRef>
+          </p:style>
+          <p:txBody>
+            <a:bodyPr rtlCol="0" anchor="ctr"/>
+            <a:p>
+              <a:pPr algn="ctr"/>
+              <a:endParaRPr lang="en-US" sz="2215"/>
+            </a:p>
+          </p:txBody>
+        </p:sp>
+        <p:sp>
+          <p:nvSpPr>
+            <p:cNvPr id="47" name="Rectangle 46"/>
+            <p:cNvSpPr/>
+            <p:nvPr/>
+          </p:nvSpPr>
+          <p:spPr>
+            <a:xfrm>
+              <a:off x="27592" y="5649"/>
+              <a:ext cx="11798" cy="4495"/>
+            </a:xfrm>
+            <a:prstGeom prst="rect">
+              <a:avLst/>
+            </a:prstGeom>
+            <a:noFill/>
+            <a:extLst>
+              <a:ext uri="{909E8E84-426E-40DD-AFC4-6F175D3DCCD1}">
+                <a14:hiddenFill xmlns:a14="http://schemas.microsoft.com/office/drawing/2010/main">
+                  <a:solidFill>
+                    <a:schemeClr val="lt1"/>
+                  </a:solidFill>
+                </a14:hiddenFill>
+              </a:ext>
+            </a:extLst>
+          </p:spPr>
+          <p:style>
+            <a:lnRef idx="2">
+              <a:schemeClr val="accent5"/>
+            </a:lnRef>
+            <a:fillRef idx="1">
+              <a:schemeClr val="lt1"/>
+            </a:fillRef>
+            <a:effectRef idx="0">
+              <a:schemeClr val="accent5"/>
+            </a:effectRef>
+            <a:fontRef idx="minor">
+              <a:schemeClr val="dk1"/>
+            </a:fontRef>
+          </p:style>
+          <p:txBody>
+            <a:bodyPr rtlCol="0" anchor="ctr"/>
+            <a:p>
+              <a:pPr algn="ctr"/>
+              <a:endParaRPr lang="en-US" sz="2215"/>
+            </a:p>
+          </p:txBody>
+        </p:sp>
+        <p:sp>
+          <p:nvSpPr>
+            <p:cNvPr id="48" name="Rectangle 47"/>
+            <p:cNvSpPr/>
+            <p:nvPr/>
+          </p:nvSpPr>
+          <p:spPr>
+            <a:xfrm>
+              <a:off x="27568" y="10773"/>
+              <a:ext cx="11798" cy="3666"/>
+            </a:xfrm>
+            <a:prstGeom prst="rect">
+              <a:avLst/>
+            </a:prstGeom>
+            <a:noFill/>
+            <a:extLst>
+              <a:ext uri="{909E8E84-426E-40DD-AFC4-6F175D3DCCD1}">
+                <a14:hiddenFill xmlns:a14="http://schemas.microsoft.com/office/drawing/2010/main">
+                  <a:solidFill>
+                    <a:schemeClr val="lt1"/>
+                  </a:solidFill>
+                </a14:hiddenFill>
+              </a:ext>
+            </a:extLst>
+          </p:spPr>
+          <p:style>
+            <a:lnRef idx="2">
+              <a:schemeClr val="accent5"/>
+            </a:lnRef>
+            <a:fillRef idx="1">
+              <a:schemeClr val="lt1"/>
+            </a:fillRef>
+            <a:effectRef idx="0">
+              <a:schemeClr val="accent5"/>
+            </a:effectRef>
+            <a:fontRef idx="minor">
+              <a:schemeClr val="dk1"/>
+            </a:fontRef>
+          </p:style>
+          <p:txBody>
+            <a:bodyPr rtlCol="0" anchor="ctr"/>
+            <a:p>
+              <a:pPr algn="ctr"/>
+              <a:endParaRPr lang="en-US" sz="2215"/>
+            </a:p>
+          </p:txBody>
+        </p:sp>
+        <p:sp>
+          <p:nvSpPr>
+            <p:cNvPr id="49" name="Rectangle 48"/>
+            <p:cNvSpPr/>
+            <p:nvPr/>
+          </p:nvSpPr>
+          <p:spPr>
+            <a:xfrm>
+              <a:off x="27539" y="15600"/>
+              <a:ext cx="11798" cy="6370"/>
+            </a:xfrm>
+            <a:prstGeom prst="rect">
+              <a:avLst/>
+            </a:prstGeom>
+            <a:noFill/>
+            <a:extLst>
+              <a:ext uri="{909E8E84-426E-40DD-AFC4-6F175D3DCCD1}">
+                <a14:hiddenFill xmlns:a14="http://schemas.microsoft.com/office/drawing/2010/main">
+                  <a:solidFill>
+                    <a:schemeClr val="lt1"/>
+                  </a:solidFill>
+                </a14:hiddenFill>
+              </a:ext>
+            </a:extLst>
+          </p:spPr>
+          <p:style>
+            <a:lnRef idx="2">
+              <a:schemeClr val="accent5"/>
+            </a:lnRef>
+            <a:fillRef idx="1">
+              <a:schemeClr val="lt1"/>
+            </a:fillRef>
+            <a:effectRef idx="0">
+              <a:schemeClr val="accent5"/>
+            </a:effectRef>
+            <a:fontRef idx="minor">
+              <a:schemeClr val="dk1"/>
+            </a:fontRef>
+          </p:style>
+          <p:txBody>
+            <a:bodyPr rtlCol="0" anchor="ctr"/>
+            <a:p>
+              <a:pPr algn="ctr"/>
+              <a:endParaRPr lang="en-US" sz="2215"/>
+            </a:p>
+          </p:txBody>
+        </p:sp>
+        <p:sp>
+          <p:nvSpPr>
+            <p:cNvPr id="50" name="Rectangle 49"/>
+            <p:cNvSpPr/>
+            <p:nvPr/>
+          </p:nvSpPr>
+          <p:spPr>
+            <a:xfrm>
+              <a:off x="27592" y="23107"/>
+              <a:ext cx="11798" cy="6563"/>
+            </a:xfrm>
+            <a:prstGeom prst="rect">
+              <a:avLst/>
+            </a:prstGeom>
+            <a:noFill/>
+            <a:extLst>
+              <a:ext uri="{909E8E84-426E-40DD-AFC4-6F175D3DCCD1}">
+                <a14:hiddenFill xmlns:a14="http://schemas.microsoft.com/office/drawing/2010/main">
+                  <a:solidFill>
+                    <a:schemeClr val="lt1"/>
+                  </a:solidFill>
+                </a14:hiddenFill>
+              </a:ext>
+            </a:extLst>
+          </p:spPr>
+          <p:style>
+            <a:lnRef idx="2">
+              <a:schemeClr val="accent5"/>
+            </a:lnRef>
+            <a:fillRef idx="1">
+              <a:schemeClr val="lt1"/>
+            </a:fillRef>
+            <a:effectRef idx="0">
+              <a:schemeClr val="accent5"/>
+            </a:effectRef>
+            <a:fontRef idx="minor">
+              <a:schemeClr val="dk1"/>
+            </a:fontRef>
+          </p:style>
+          <p:txBody>
+            <a:bodyPr rtlCol="0" anchor="ctr"/>
+            <a:p>
+              <a:pPr algn="ctr"/>
+              <a:endParaRPr lang="en-US" sz="2215"/>
+            </a:p>
+          </p:txBody>
+        </p:sp>
+        <p:sp>
+          <p:nvSpPr>
+            <p:cNvPr id="53" name="Rectangle 52"/>
+            <p:cNvSpPr/>
+            <p:nvPr/>
+          </p:nvSpPr>
+          <p:spPr>
+            <a:xfrm>
+              <a:off x="27539" y="35249"/>
+              <a:ext cx="11798" cy="3809"/>
+            </a:xfrm>
+            <a:prstGeom prst="rect">
+              <a:avLst/>
+            </a:prstGeom>
+            <a:noFill/>
+            <a:extLst>
+              <a:ext uri="{909E8E84-426E-40DD-AFC4-6F175D3DCCD1}">
+                <a14:hiddenFill xmlns:a14="http://schemas.microsoft.com/office/drawing/2010/main">
+                  <a:solidFill>
+                    <a:schemeClr val="lt1"/>
+                  </a:solidFill>
+                </a14:hiddenFill>
+              </a:ext>
+            </a:extLst>
+          </p:spPr>
+          <p:style>
+            <a:lnRef idx="2">
+              <a:schemeClr val="accent5"/>
+            </a:lnRef>
+            <a:fillRef idx="1">
+              <a:schemeClr val="lt1"/>
+            </a:fillRef>
+            <a:effectRef idx="0">
+              <a:schemeClr val="accent5"/>
+            </a:effectRef>
+            <a:fontRef idx="minor">
+              <a:schemeClr val="dk1"/>
+            </a:fontRef>
+          </p:style>
+          <p:txBody>
+            <a:bodyPr rtlCol="0" anchor="ctr"/>
+            <a:p>
+              <a:pPr algn="ctr"/>
+              <a:endParaRPr lang="en-US" sz="2215"/>
+            </a:p>
+          </p:txBody>
+        </p:sp>
+        <p:sp>
+          <p:nvSpPr>
+            <p:cNvPr id="54" name="Rectangle 53"/>
+            <p:cNvSpPr/>
+            <p:nvPr/>
+          </p:nvSpPr>
+          <p:spPr>
+            <a:xfrm>
+              <a:off x="14365" y="10773"/>
+              <a:ext cx="12538" cy="3664"/>
+            </a:xfrm>
+            <a:prstGeom prst="rect">
+              <a:avLst/>
+            </a:prstGeom>
+            <a:noFill/>
+            <a:extLst>
+              <a:ext uri="{909E8E84-426E-40DD-AFC4-6F175D3DCCD1}">
+                <a14:hiddenFill xmlns:a14="http://schemas.microsoft.com/office/drawing/2010/main">
+                  <a:solidFill>
+                    <a:schemeClr val="lt1"/>
+                  </a:solidFill>
+                </a14:hiddenFill>
+              </a:ext>
+            </a:extLst>
+          </p:spPr>
+          <p:style>
+            <a:lnRef idx="2">
+              <a:schemeClr val="accent5"/>
+            </a:lnRef>
+            <a:fillRef idx="1">
+              <a:schemeClr val="lt1"/>
+            </a:fillRef>
+            <a:effectRef idx="0">
+              <a:schemeClr val="accent5"/>
+            </a:effectRef>
+            <a:fontRef idx="minor">
+              <a:schemeClr val="dk1"/>
+            </a:fontRef>
+          </p:style>
+          <p:txBody>
+            <a:bodyPr rtlCol="0" anchor="ctr"/>
+            <a:p>
+              <a:pPr algn="ctr"/>
+              <a:endParaRPr lang="en-US" sz="2215"/>
+            </a:p>
+          </p:txBody>
+        </p:sp>
+        <p:sp>
+          <p:nvSpPr>
+            <p:cNvPr id="56" name="Text Box 55"/>
+            <p:cNvSpPr txBox="true"/>
+            <p:nvPr/>
+          </p:nvSpPr>
+          <p:spPr>
+            <a:xfrm>
+              <a:off x="39697" y="24922"/>
+              <a:ext cx="3355" cy="860"/>
+            </a:xfrm>
+            <a:prstGeom prst="rect">
+              <a:avLst/>
+            </a:prstGeom>
+            <a:noFill/>
+          </p:spPr>
+          <p:txBody>
+            <a:bodyPr wrap="square" rtlCol="0">
+              <a:spAutoFit/>
+            </a:bodyPr>
+            <a:p>
+              <a:r>
+                <a:rPr lang="pt-PT" altLang="en-US" sz="2955"/>
+                <a:t>96hs</a:t>
+              </a:r>
+              <a:endParaRPr lang="pt-PT" altLang="en-US" sz="2955"/>
+            </a:p>
+          </p:txBody>
+        </p:sp>
+        <p:sp>
+          <p:nvSpPr>
+            <p:cNvPr id="58" name="Down Arrow 57"/>
+            <p:cNvSpPr/>
+            <p:nvPr/>
+          </p:nvSpPr>
+          <p:spPr>
+            <a:xfrm>
+              <a:off x="7144" y="39204"/>
+              <a:ext cx="1250" cy="1516"/>
+            </a:xfrm>
+            <a:prstGeom prst="downArrow">
+              <a:avLst/>
+            </a:prstGeom>
+          </p:spPr>
+          <p:style>
+            <a:lnRef idx="2">
+              <a:schemeClr val="accent6">
+                <a:shade val="50000"/>
+              </a:schemeClr>
+            </a:lnRef>
+            <a:fillRef idx="1">
+              <a:schemeClr val="accent6"/>
+            </a:fillRef>
+            <a:effectRef idx="0">
+              <a:schemeClr val="accent6"/>
+            </a:effectRef>
+            <a:fontRef idx="minor">
+              <a:schemeClr val="lt1"/>
+            </a:fontRef>
+          </p:style>
+          <p:txBody>
+            <a:bodyPr rtlCol="0" anchor="ctr"/>
+            <a:p>
+              <a:pPr algn="ctr"/>
+              <a:endParaRPr lang="en-US" sz="3940"/>
+            </a:p>
+          </p:txBody>
+        </p:sp>
+        <p:sp>
+          <p:nvSpPr>
+            <p:cNvPr id="59" name="Rectangle 58"/>
+            <p:cNvSpPr/>
+            <p:nvPr/>
+          </p:nvSpPr>
+          <p:spPr>
+            <a:xfrm>
+              <a:off x="2447" y="41202"/>
+              <a:ext cx="9631" cy="1739"/>
+            </a:xfrm>
+            <a:prstGeom prst="rect">
+              <a:avLst/>
+            </a:prstGeom>
+          </p:spPr>
+          <p:style>
+            <a:lnRef idx="2">
+              <a:schemeClr val="accent3">
+                <a:shade val="50000"/>
+              </a:schemeClr>
+            </a:lnRef>
+            <a:fillRef idx="1">
+              <a:schemeClr val="accent3"/>
+            </a:fillRef>
+            <a:effectRef idx="0">
+              <a:schemeClr val="accent3"/>
+            </a:effectRef>
+            <a:fontRef idx="minor">
+              <a:schemeClr val="lt1"/>
+            </a:fontRef>
+          </p:style>
+          <p:txBody>
+            <a:bodyPr rtlCol="0" anchor="ctr"/>
+            <a:p>
+              <a:pPr algn="ctr"/>
+              <a:r>
+                <a:rPr lang="pt-PT" altLang="en-US" sz="3940"/>
+                <a:t>Plots.ipynb</a:t>
+              </a:r>
+              <a:endParaRPr lang="pt-PT" altLang="en-US" sz="3940"/>
+            </a:p>
+          </p:txBody>
+        </p:sp>
+        <p:sp>
+          <p:nvSpPr>
+            <p:cNvPr id="60" name="Text Box 59"/>
+            <p:cNvSpPr txBox="true"/>
+            <p:nvPr/>
+          </p:nvSpPr>
+          <p:spPr>
+            <a:xfrm>
+              <a:off x="14809" y="39963"/>
+              <a:ext cx="11989" cy="4324"/>
+            </a:xfrm>
+            <a:prstGeom prst="rect">
+              <a:avLst/>
+            </a:prstGeom>
+            <a:noFill/>
+            <a:ln>
+              <a:noFill/>
+            </a:ln>
+          </p:spPr>
+          <p:txBody>
+            <a:bodyPr wrap="square" rtlCol="0">
+              <a:spAutoFit/>
+            </a:bodyPr>
+            <a:p>
+              <a:pPr indent="0">
+                <a:buFont typeface="Arial" panose="020B0604020202020204" pitchFamily="34" charset="0"/>
+                <a:buNone/>
+              </a:pPr>
+              <a:r>
+                <a:rPr lang="pt-PT" altLang="en-US" sz="3445"/>
+                <a:t>inputs: </a:t>
+              </a:r>
+              <a:endParaRPr lang="pt-PT" altLang="en-US" sz="3445"/>
+            </a:p>
+            <a:p>
+              <a:pPr marL="285750" indent="-285750">
+                <a:buFont typeface="Arial" panose="020B0604020202020204" pitchFamily="34" charset="0"/>
+                <a:buChar char="•"/>
+              </a:pPr>
+              <a:r>
+                <a:rPr lang="pt-PT" altLang="en-US" sz="3445"/>
+                <a:t>income/folds*.csv</a:t>
+              </a:r>
+              <a:endParaRPr lang="pt-PT" altLang="en-US" sz="3445"/>
+            </a:p>
+            <a:p>
+              <a:pPr marL="285750" indent="-285750">
+                <a:buFont typeface="Arial" panose="020B0604020202020204" pitchFamily="34" charset="0"/>
+                <a:buChar char="•"/>
+              </a:pPr>
+              <a:r>
+                <a:rPr lang="pt-PT" altLang="en-US" sz="3445">
+                  <a:sym typeface="+mn-ea"/>
+                </a:rPr>
+                <a:t>income/preds*.csv</a:t>
+              </a:r>
+              <a:endParaRPr lang="pt-PT" altLang="en-US" sz="3445"/>
+            </a:p>
+            <a:p>
+              <a:pPr marL="285750" indent="-285750">
+                <a:buFont typeface="Arial" panose="020B0604020202020204" pitchFamily="34" charset="0"/>
+                <a:buChar char="•"/>
+              </a:pPr>
+              <a:r>
+                <a:rPr lang="pt-PT" altLang="en-US" sz="3445"/>
+                <a:t>geo_fold.csv</a:t>
+              </a:r>
+              <a:endParaRPr lang="pt-PT" altLang="en-US" sz="3445"/>
+            </a:p>
+            <a:p>
+              <a:pPr marL="285750" indent="-285750">
+                <a:buFont typeface="Arial" panose="020B0604020202020204" pitchFamily="34" charset="0"/>
+                <a:buChar char="•"/>
+              </a:pPr>
+              <a:r>
+                <a:rPr lang="pt-PT" altLang="en-US" sz="3445"/>
+                <a:t>IDHMs/IDHM_ValeRibeira.csv</a:t>
+              </a:r>
+              <a:endParaRPr lang="pt-PT" altLang="en-US" sz="3445"/>
+            </a:p>
+          </p:txBody>
+        </p:sp>
+        <p:sp>
+          <p:nvSpPr>
+            <p:cNvPr id="61" name="Text Box 60"/>
+            <p:cNvSpPr txBox="true"/>
+            <p:nvPr/>
+          </p:nvSpPr>
+          <p:spPr>
+            <a:xfrm>
+              <a:off x="28241" y="39842"/>
+              <a:ext cx="11148" cy="2652"/>
+            </a:xfrm>
+            <a:prstGeom prst="rect">
+              <a:avLst/>
+            </a:prstGeom>
+            <a:noFill/>
+            <a:ln>
+              <a:noFill/>
+            </a:ln>
+          </p:spPr>
+          <p:txBody>
+            <a:bodyPr wrap="square" rtlCol="0">
+              <a:spAutoFit/>
+            </a:bodyPr>
+            <a:p>
+              <a:pPr indent="0">
+                <a:buFont typeface="Arial" panose="020B0604020202020204" pitchFamily="34" charset="0"/>
+                <a:buNone/>
+              </a:pPr>
+              <a:r>
+                <a:rPr lang="pt-PT" altLang="en-US" sz="3445"/>
+                <a:t>outputs: </a:t>
+              </a:r>
+              <a:endParaRPr lang="pt-PT" altLang="en-US" sz="3445"/>
+            </a:p>
+            <a:p>
+              <a:pPr marL="285750" indent="-285750">
+                <a:buFont typeface="Arial" panose="020B0604020202020204" pitchFamily="34" charset="0"/>
+                <a:buChar char="•"/>
+              </a:pPr>
+              <a:r>
+                <a:rPr lang="pt-PT" altLang="en-US" sz="3445"/>
+                <a:t>plots/*</a:t>
+              </a:r>
+              <a:endParaRPr lang="pt-PT" altLang="en-US" sz="3445"/>
+            </a:p>
+            <a:p>
+              <a:pPr marL="285750" indent="-285750">
+                <a:buFont typeface="Arial" panose="020B0604020202020204" pitchFamily="34" charset="0"/>
+                <a:buChar char="•"/>
+              </a:pPr>
+              <a:r>
+                <a:rPr lang="pt-PT" altLang="en-US" sz="3445"/>
+                <a:t>income/score_images/*</a:t>
+              </a:r>
+              <a:endParaRPr lang="pt-PT" altLang="en-US" sz="3445"/>
+            </a:p>
+          </p:txBody>
+        </p:sp>
+        <p:sp>
+          <p:nvSpPr>
+            <p:cNvPr id="62" name="Rectangle 61"/>
+            <p:cNvSpPr/>
+            <p:nvPr/>
+          </p:nvSpPr>
+          <p:spPr>
+            <a:xfrm>
+              <a:off x="14417" y="39573"/>
+              <a:ext cx="12538" cy="4959"/>
+            </a:xfrm>
+            <a:prstGeom prst="rect">
+              <a:avLst/>
+            </a:prstGeom>
+            <a:noFill/>
+            <a:extLst>
+              <a:ext uri="{909E8E84-426E-40DD-AFC4-6F175D3DCCD1}">
+                <a14:hiddenFill xmlns:a14="http://schemas.microsoft.com/office/drawing/2010/main">
+                  <a:solidFill>
+                    <a:schemeClr val="lt1"/>
+                  </a:solidFill>
+                </a14:hiddenFill>
+              </a:ext>
+            </a:extLst>
+          </p:spPr>
+          <p:style>
+            <a:lnRef idx="2">
+              <a:schemeClr val="accent5"/>
+            </a:lnRef>
+            <a:fillRef idx="1">
+              <a:schemeClr val="lt1"/>
+            </a:fillRef>
+            <a:effectRef idx="0">
+              <a:schemeClr val="accent5"/>
+            </a:effectRef>
+            <a:fontRef idx="minor">
+              <a:schemeClr val="dk1"/>
+            </a:fontRef>
+          </p:style>
+          <p:txBody>
+            <a:bodyPr rtlCol="0" anchor="ctr"/>
+            <a:p>
+              <a:pPr algn="ctr"/>
+              <a:endParaRPr lang="en-US" sz="2215"/>
+            </a:p>
+          </p:txBody>
+        </p:sp>
+        <p:sp>
+          <p:nvSpPr>
+            <p:cNvPr id="63" name="Rectangle 62"/>
+            <p:cNvSpPr/>
+            <p:nvPr/>
+          </p:nvSpPr>
+          <p:spPr>
+            <a:xfrm>
+              <a:off x="27592" y="39573"/>
+              <a:ext cx="11798" cy="4959"/>
+            </a:xfrm>
+            <a:prstGeom prst="rect">
+              <a:avLst/>
+            </a:prstGeom>
+            <a:noFill/>
+            <a:extLst>
+              <a:ext uri="{909E8E84-426E-40DD-AFC4-6F175D3DCCD1}">
+                <a14:hiddenFill xmlns:a14="http://schemas.microsoft.com/office/drawing/2010/main">
+                  <a:solidFill>
+                    <a:schemeClr val="lt1"/>
+                  </a:solidFill>
+                </a14:hiddenFill>
+              </a:ext>
+            </a:extLst>
+          </p:spPr>
+          <p:style>
+            <a:lnRef idx="2">
+              <a:schemeClr val="accent5"/>
+            </a:lnRef>
+            <a:fillRef idx="1">
+              <a:schemeClr val="lt1"/>
+            </a:fillRef>
+            <a:effectRef idx="0">
+              <a:schemeClr val="accent5"/>
+            </a:effectRef>
+            <a:fontRef idx="minor">
+              <a:schemeClr val="dk1"/>
+            </a:fontRef>
+          </p:style>
+          <p:txBody>
+            <a:bodyPr rtlCol="0" anchor="ctr"/>
+            <a:p>
+              <a:pPr algn="ctr"/>
+              <a:endParaRPr lang="en-US" sz="2215"/>
+            </a:p>
+          </p:txBody>
+        </p:sp>
+        <p:sp>
+          <p:nvSpPr>
+            <p:cNvPr id="21" name="Rectangle 20"/>
+            <p:cNvSpPr/>
+            <p:nvPr/>
+          </p:nvSpPr>
+          <p:spPr>
+            <a:xfrm>
+              <a:off x="2280" y="30383"/>
+              <a:ext cx="9631" cy="1584"/>
+            </a:xfrm>
+            <a:prstGeom prst="rect">
+              <a:avLst/>
+            </a:prstGeom>
+          </p:spPr>
+          <p:style>
+            <a:lnRef idx="2">
+              <a:schemeClr val="accent6">
+                <a:shade val="50000"/>
+              </a:schemeClr>
+            </a:lnRef>
+            <a:fillRef idx="1">
+              <a:schemeClr val="accent6"/>
+            </a:fillRef>
+            <a:effectRef idx="0">
+              <a:schemeClr val="accent6"/>
+            </a:effectRef>
+            <a:fontRef idx="minor">
+              <a:schemeClr val="lt1"/>
+            </a:fontRef>
+          </p:style>
+          <p:txBody>
+            <a:bodyPr rtlCol="0" anchor="ctr"/>
+            <a:p>
+              <a:pPr algn="ctr"/>
+              <a:r>
+                <a:rPr lang="pt-PT" altLang="en-US" sz="3940"/>
+                <a:t>Testing</a:t>
+              </a:r>
+              <a:r>
+                <a:rPr lang="en-US" sz="3940"/>
+                <a:t>.</a:t>
+              </a:r>
+              <a:r>
+                <a:rPr lang="pt-PT" altLang="en-US" sz="3940"/>
+                <a:t>py</a:t>
+              </a:r>
+              <a:endParaRPr lang="pt-PT" altLang="en-US" sz="3940"/>
+            </a:p>
+          </p:txBody>
+        </p:sp>
+        <p:sp>
+          <p:nvSpPr>
+            <p:cNvPr id="23" name="Text Box 22"/>
+            <p:cNvSpPr txBox="true"/>
+            <p:nvPr/>
+          </p:nvSpPr>
+          <p:spPr>
+            <a:xfrm>
+              <a:off x="14728" y="30621"/>
+              <a:ext cx="11989" cy="3488"/>
+            </a:xfrm>
+            <a:prstGeom prst="rect">
+              <a:avLst/>
+            </a:prstGeom>
+            <a:noFill/>
+            <a:ln>
+              <a:noFill/>
+            </a:ln>
+          </p:spPr>
+          <p:txBody>
+            <a:bodyPr wrap="square" rtlCol="0">
+              <a:spAutoFit/>
+            </a:bodyPr>
+            <a:p>
+              <a:pPr indent="0">
+                <a:buFont typeface="Arial" panose="020B0604020202020204" pitchFamily="34" charset="0"/>
+                <a:buNone/>
+              </a:pPr>
+              <a:r>
+                <a:rPr lang="pt-PT" altLang="en-US" sz="3445"/>
+                <a:t>inputs:</a:t>
+              </a:r>
+              <a:endParaRPr lang="pt-PT" altLang="en-US" sz="3445"/>
+            </a:p>
+            <a:p>
+              <a:pPr indent="0">
+                <a:buFont typeface="Arial" panose="020B0604020202020204" pitchFamily="34" charset="0"/>
+                <a:buNone/>
+              </a:pPr>
+              <a:r>
+                <a:rPr lang="pt-PT" altLang="en-US" sz="3445"/>
+                <a:t>income/models/*</a:t>
+              </a:r>
+              <a:endParaRPr lang="pt-PT" altLang="en-US" sz="3445"/>
+            </a:p>
+            <a:p>
+              <a:pPr indent="0">
+                <a:buFont typeface="Arial" panose="020B0604020202020204" pitchFamily="34" charset="0"/>
+                <a:buNone/>
+              </a:pPr>
+              <a:endParaRPr lang="pt-PT" altLang="en-US" sz="3445"/>
+            </a:p>
+            <a:p>
+              <a:pPr marL="285750" indent="-285750">
+                <a:buFont typeface="Arial" panose="020B0604020202020204" pitchFamily="34" charset="0"/>
+                <a:buChar char="•"/>
+              </a:pPr>
+              <a:endParaRPr lang="pt-PT" altLang="en-US" sz="3445">
+                <a:sym typeface="+mn-ea"/>
+              </a:endParaRPr>
+            </a:p>
+          </p:txBody>
+        </p:sp>
+        <p:sp>
+          <p:nvSpPr>
+            <p:cNvPr id="24" name="Down Arrow 23"/>
+            <p:cNvSpPr/>
+            <p:nvPr/>
+          </p:nvSpPr>
+          <p:spPr>
+            <a:xfrm>
+              <a:off x="7116" y="28043"/>
+              <a:ext cx="1250" cy="1516"/>
+            </a:xfrm>
+            <a:prstGeom prst="downArrow">
+              <a:avLst/>
+            </a:prstGeom>
+          </p:spPr>
+          <p:style>
+            <a:lnRef idx="2">
+              <a:schemeClr val="accent6">
+                <a:shade val="50000"/>
+              </a:schemeClr>
+            </a:lnRef>
+            <a:fillRef idx="1">
+              <a:schemeClr val="accent6"/>
+            </a:fillRef>
+            <a:effectRef idx="0">
+              <a:schemeClr val="accent6"/>
+            </a:effectRef>
+            <a:fontRef idx="minor">
+              <a:schemeClr val="lt1"/>
+            </a:fontRef>
+          </p:style>
+          <p:txBody>
+            <a:bodyPr rtlCol="0" anchor="ctr"/>
+            <a:p>
+              <a:pPr algn="ctr"/>
+              <a:endParaRPr lang="en-US" sz="3940"/>
+            </a:p>
+          </p:txBody>
+        </p:sp>
+        <p:sp>
+          <p:nvSpPr>
+            <p:cNvPr id="30" name="Text Box 29"/>
+            <p:cNvSpPr txBox="true"/>
+            <p:nvPr/>
+          </p:nvSpPr>
+          <p:spPr>
+            <a:xfrm>
+              <a:off x="28016" y="30621"/>
+              <a:ext cx="11293" cy="3488"/>
+            </a:xfrm>
+            <a:prstGeom prst="rect">
+              <a:avLst/>
+            </a:prstGeom>
+            <a:noFill/>
+            <a:ln>
+              <a:noFill/>
+            </a:ln>
+          </p:spPr>
+          <p:txBody>
+            <a:bodyPr wrap="square" rtlCol="0">
+              <a:spAutoFit/>
+            </a:bodyPr>
+            <a:p>
+              <a:pPr indent="0">
+                <a:buFont typeface="Arial" panose="020B0604020202020204" pitchFamily="34" charset="0"/>
+                <a:buNone/>
+              </a:pPr>
+              <a:r>
+                <a:rPr lang="pt-PT" altLang="en-US" sz="3445"/>
+                <a:t>outputs: </a:t>
+              </a:r>
+              <a:endParaRPr lang="pt-PT" altLang="en-US" sz="3445"/>
+            </a:p>
+            <a:p>
+              <a:pPr marL="457200" indent="-457200">
+                <a:buFont typeface="Arial" panose="020B0604020202020204" pitchFamily="34" charset="0"/>
+                <a:buChar char="•"/>
+              </a:pPr>
+              <a:r>
+                <a:rPr lang="pt-PT" altLang="en-US" sz="3445"/>
+                <a:t>testing/test-*.csv</a:t>
+              </a:r>
+              <a:endParaRPr lang="pt-PT" altLang="en-US" sz="3445"/>
+            </a:p>
+            <a:p>
+              <a:pPr marL="457200" indent="-457200">
+                <a:buFont typeface="Arial" panose="020B0604020202020204" pitchFamily="34" charset="0"/>
+                <a:buChar char="•"/>
+              </a:pPr>
+              <a:r>
+                <a:rPr lang="pt-PT" altLang="en-US" sz="3445"/>
+                <a:t>testing/testing_metrics.csv</a:t>
+              </a:r>
+              <a:endParaRPr lang="pt-PT" altLang="en-US" sz="3445"/>
+            </a:p>
+            <a:p>
+              <a:pPr marL="285750" indent="-285750">
+                <a:buFont typeface="Arial" panose="020B0604020202020204" pitchFamily="34" charset="0"/>
+                <a:buChar char="•"/>
+              </a:pPr>
+              <a:endParaRPr lang="pt-PT" altLang="en-US" sz="3445">
+                <a:sym typeface="+mn-ea"/>
+              </a:endParaRPr>
+            </a:p>
+          </p:txBody>
+        </p:sp>
+        <p:sp>
+          <p:nvSpPr>
+            <p:cNvPr id="32" name="Rectangle 31"/>
+            <p:cNvSpPr/>
+            <p:nvPr/>
+          </p:nvSpPr>
+          <p:spPr>
+            <a:xfrm>
+              <a:off x="14337" y="30204"/>
+              <a:ext cx="12538" cy="4317"/>
+            </a:xfrm>
+            <a:prstGeom prst="rect">
+              <a:avLst/>
+            </a:prstGeom>
+            <a:noFill/>
+            <a:extLst>
+              <a:ext uri="{909E8E84-426E-40DD-AFC4-6F175D3DCCD1}">
+                <a14:hiddenFill xmlns:a14="http://schemas.microsoft.com/office/drawing/2010/main">
+                  <a:solidFill>
+                    <a:schemeClr val="lt1"/>
+                  </a:solidFill>
+                </a14:hiddenFill>
+              </a:ext>
+            </a:extLst>
+          </p:spPr>
+          <p:style>
+            <a:lnRef idx="2">
+              <a:schemeClr val="accent5"/>
+            </a:lnRef>
+            <a:fillRef idx="1">
+              <a:schemeClr val="lt1"/>
+            </a:fillRef>
+            <a:effectRef idx="0">
+              <a:schemeClr val="accent5"/>
+            </a:effectRef>
+            <a:fontRef idx="minor">
+              <a:schemeClr val="dk1"/>
+            </a:fontRef>
+          </p:style>
+          <p:txBody>
+            <a:bodyPr rtlCol="0" anchor="ctr"/>
+            <a:p>
+              <a:pPr algn="ctr"/>
+              <a:endParaRPr lang="en-US" sz="2215"/>
+            </a:p>
+          </p:txBody>
+        </p:sp>
+        <p:sp>
+          <p:nvSpPr>
+            <p:cNvPr id="33" name="Rectangle 32"/>
+            <p:cNvSpPr/>
+            <p:nvPr/>
+          </p:nvSpPr>
+          <p:spPr>
+            <a:xfrm>
+              <a:off x="27564" y="30204"/>
+              <a:ext cx="11798" cy="4318"/>
+            </a:xfrm>
+            <a:prstGeom prst="rect">
+              <a:avLst/>
+            </a:prstGeom>
+            <a:noFill/>
+            <a:extLst>
+              <a:ext uri="{909E8E84-426E-40DD-AFC4-6F175D3DCCD1}">
+                <a14:hiddenFill xmlns:a14="http://schemas.microsoft.com/office/drawing/2010/main">
+                  <a:solidFill>
+                    <a:schemeClr val="lt1"/>
+                  </a:solidFill>
+                </a14:hiddenFill>
+              </a:ext>
+            </a:extLst>
+          </p:spPr>
+          <p:style>
+            <a:lnRef idx="2">
+              <a:schemeClr val="accent5"/>
+            </a:lnRef>
+            <a:fillRef idx="1">
+              <a:schemeClr val="lt1"/>
+            </a:fillRef>
+            <a:effectRef idx="0">
+              <a:schemeClr val="accent5"/>
+            </a:effectRef>
+            <a:fontRef idx="minor">
+              <a:schemeClr val="dk1"/>
+            </a:fontRef>
+          </p:style>
+          <p:txBody>
+            <a:bodyPr rtlCol="0" anchor="ctr"/>
+            <a:p>
+              <a:pPr algn="ctr"/>
+              <a:endParaRPr lang="en-US" sz="2215"/>
+            </a:p>
+          </p:txBody>
+        </p:sp>
+        <p:sp>
+          <p:nvSpPr>
+            <p:cNvPr id="36" name="Text Box 35"/>
+            <p:cNvSpPr txBox="true"/>
+            <p:nvPr/>
+          </p:nvSpPr>
+          <p:spPr>
+            <a:xfrm>
+              <a:off x="268" y="11752"/>
+              <a:ext cx="1022" cy="1743"/>
+            </a:xfrm>
+            <a:prstGeom prst="rect">
+              <a:avLst/>
+            </a:prstGeom>
+            <a:noFill/>
+          </p:spPr>
+          <p:txBody>
+            <a:bodyPr wrap="none" rtlCol="0">
+              <a:spAutoFit/>
+              <a:scene3d>
+                <a:camera prst="orthographicFront"/>
+                <a:lightRig rig="threePt" dir="t"/>
+              </a:scene3d>
+            </a:bodyPr>
+            <a:p>
+              <a:r>
+                <a:rPr lang="pt-PT" altLang="en-US" sz="6600">
+                  <a:ln w="22225">
+                    <a:solidFill>
+                      <a:schemeClr val="accent2"/>
+                    </a:solidFill>
+                    <a:prstDash val="solid"/>
+                  </a:ln>
+                  <a:solidFill>
+                    <a:schemeClr val="accent2">
+                      <a:lumMod val="40000"/>
+                      <a:lumOff val="60000"/>
+                    </a:schemeClr>
+                  </a:solidFill>
+                  <a:effectLst/>
+                </a:rPr>
+                <a:t>1</a:t>
+              </a:r>
+              <a:endParaRPr lang="pt-PT" altLang="en-US" sz="6600">
+                <a:ln w="22225">
+                  <a:solidFill>
+                    <a:schemeClr val="accent2"/>
+                  </a:solidFill>
+                  <a:prstDash val="solid"/>
+                </a:ln>
                 <a:solidFill>
-                  <a:srgbClr val="FF0000"/>
+                  <a:schemeClr val="accent2">
+                    <a:lumMod val="40000"/>
+                    <a:lumOff val="60000"/>
+                  </a:schemeClr>
                 </a:solidFill>
-                <a:sym typeface="+mn-ea"/>
-              </a:rPr>
-              <a:t>112368 </a:t>
-            </a:r>
-            <a:r>
-              <a:rPr lang="pt-PT" altLang="en-US" sz="2400"/>
-              <a:t>files)</a:t>
-            </a:r>
-            <a:endParaRPr lang="pt-PT" altLang="en-US" sz="2400"/>
-          </a:p>
-        </p:txBody>
-      </p:sp>
-      <p:sp>
-        <p:nvSpPr>
-          <p:cNvPr id="13" name="Text Box 12"/>
-          <p:cNvSpPr txBox="true"/>
-          <p:nvPr/>
-        </p:nvSpPr>
-        <p:spPr>
-          <a:xfrm>
-            <a:off x="16284575" y="9206230"/>
-            <a:ext cx="5567045" cy="1568450"/>
-          </a:xfrm>
-          <a:prstGeom prst="rect">
-            <a:avLst/>
-          </a:prstGeom>
-          <a:noFill/>
-          <a:ln>
+                <a:effectLst/>
+              </a:endParaRPr>
+            </a:p>
+          </p:txBody>
+        </p:sp>
+        <p:sp>
+          <p:nvSpPr>
+            <p:cNvPr id="37" name="Text Box 36"/>
+            <p:cNvSpPr txBox="true"/>
+            <p:nvPr/>
+          </p:nvSpPr>
+          <p:spPr>
+            <a:xfrm>
+              <a:off x="268" y="18612"/>
+              <a:ext cx="1022" cy="1743"/>
+            </a:xfrm>
+            <a:prstGeom prst="rect">
+              <a:avLst/>
+            </a:prstGeom>
             <a:noFill/>
-          </a:ln>
-        </p:spPr>
-        <p:txBody>
-          <a:bodyPr wrap="square" rtlCol="0">
-            <a:spAutoFit/>
-          </a:bodyPr>
-          <a:p>
-            <a:pPr indent="0">
-              <a:buFont typeface="Arial" panose="020B0604020202020204" pitchFamily="34" charset="0"/>
-              <a:buNone/>
-            </a:pPr>
-            <a:r>
-              <a:rPr lang="pt-PT" altLang="en-US" sz="2400"/>
-              <a:t>outputs: </a:t>
-            </a:r>
-            <a:endParaRPr lang="pt-PT" altLang="en-US" sz="2400"/>
-          </a:p>
-          <a:p>
-            <a:pPr marL="285750" indent="-285750">
-              <a:buFont typeface="Arial" panose="020B0604020202020204" pitchFamily="34" charset="0"/>
-              <a:buChar char="•"/>
-            </a:pPr>
-            <a:r>
-              <a:rPr lang="pt-PT" altLang="en-US" sz="2400"/>
-              <a:t>vgg_features.csv (~</a:t>
-            </a:r>
-            <a:r>
-              <a:rPr lang="en-US" altLang="pt-PT" sz="2400"/>
-              <a:t>3 GB</a:t>
-            </a:r>
-            <a:r>
-              <a:rPr lang="pt-PT" altLang="en-US" sz="2400"/>
-              <a:t>) </a:t>
-            </a:r>
-            <a:br>
-              <a:rPr lang="pt-PT" altLang="en-US" sz="2400"/>
-            </a:br>
-            <a:r>
-              <a:rPr lang="pt-PT" altLang="en-US" sz="2400"/>
-              <a:t>(</a:t>
-            </a:r>
-            <a:r>
-              <a:rPr lang="pt-PT" altLang="en-US" sz="2400">
+          </p:spPr>
+          <p:txBody>
+            <a:bodyPr wrap="none" rtlCol="0">
+              <a:spAutoFit/>
+              <a:scene3d>
+                <a:camera prst="orthographicFront"/>
+                <a:lightRig rig="threePt" dir="t"/>
+              </a:scene3d>
+            </a:bodyPr>
+            <a:p>
+              <a:r>
+                <a:rPr lang="pt-PT" altLang="en-US" sz="6600">
+                  <a:ln w="22225">
+                    <a:solidFill>
+                      <a:schemeClr val="accent2"/>
+                    </a:solidFill>
+                    <a:prstDash val="solid"/>
+                  </a:ln>
+                  <a:solidFill>
+                    <a:schemeClr val="accent2">
+                      <a:lumMod val="40000"/>
+                      <a:lumOff val="60000"/>
+                    </a:schemeClr>
+                  </a:solidFill>
+                  <a:effectLst/>
+                </a:rPr>
+                <a:t>2</a:t>
+              </a:r>
+              <a:endParaRPr lang="pt-PT" altLang="en-US" sz="6600">
+                <a:ln w="22225">
+                  <a:solidFill>
+                    <a:schemeClr val="accent2"/>
+                  </a:solidFill>
+                  <a:prstDash val="solid"/>
+                </a:ln>
                 <a:solidFill>
-                  <a:srgbClr val="FF0000"/>
+                  <a:schemeClr val="accent2">
+                    <a:lumMod val="40000"/>
+                    <a:lumOff val="60000"/>
+                  </a:schemeClr>
                 </a:solidFill>
-              </a:rPr>
-              <a:t>1</a:t>
-            </a:r>
-            <a:r>
-              <a:rPr lang="pt-PT" altLang="en-US" sz="2400">
+                <a:effectLst/>
+              </a:endParaRPr>
+            </a:p>
+          </p:txBody>
+        </p:sp>
+        <p:sp>
+          <p:nvSpPr>
+            <p:cNvPr id="38" name="Text Box 37"/>
+            <p:cNvSpPr txBox="true"/>
+            <p:nvPr/>
+          </p:nvSpPr>
+          <p:spPr>
+            <a:xfrm>
+              <a:off x="268" y="30304"/>
+              <a:ext cx="1022" cy="1743"/>
+            </a:xfrm>
+            <a:prstGeom prst="rect">
+              <a:avLst/>
+            </a:prstGeom>
+            <a:noFill/>
+          </p:spPr>
+          <p:txBody>
+            <a:bodyPr wrap="none" rtlCol="0">
+              <a:spAutoFit/>
+              <a:scene3d>
+                <a:camera prst="orthographicFront"/>
+                <a:lightRig rig="threePt" dir="t"/>
+              </a:scene3d>
+            </a:bodyPr>
+            <a:p>
+              <a:r>
+                <a:rPr lang="pt-PT" altLang="en-US" sz="6600">
+                  <a:ln w="22225">
+                    <a:solidFill>
+                      <a:schemeClr val="accent2"/>
+                    </a:solidFill>
+                    <a:prstDash val="solid"/>
+                  </a:ln>
+                  <a:solidFill>
+                    <a:schemeClr val="accent2">
+                      <a:lumMod val="40000"/>
+                      <a:lumOff val="60000"/>
+                    </a:schemeClr>
+                  </a:solidFill>
+                  <a:effectLst/>
+                </a:rPr>
+                <a:t>4</a:t>
+              </a:r>
+              <a:endParaRPr lang="pt-PT" altLang="en-US" sz="6600">
+                <a:ln w="22225">
+                  <a:solidFill>
+                    <a:schemeClr val="accent2"/>
+                  </a:solidFill>
+                  <a:prstDash val="solid"/>
+                </a:ln>
                 <a:solidFill>
-                  <a:srgbClr val="FF0000"/>
+                  <a:schemeClr val="accent2">
+                    <a:lumMod val="40000"/>
+                    <a:lumOff val="60000"/>
+                  </a:schemeClr>
                 </a:solidFill>
-                <a:sym typeface="+mn-ea"/>
-              </a:rPr>
-              <a:t>12368 </a:t>
-            </a:r>
-            <a:r>
-              <a:rPr lang="pt-PT" altLang="en-US" sz="2400">
-                <a:sym typeface="+mn-ea"/>
-              </a:rPr>
-              <a:t>rows)</a:t>
-            </a:r>
-            <a:endParaRPr lang="pt-PT" altLang="en-US" sz="2400">
-              <a:sym typeface="+mn-ea"/>
-            </a:endParaRPr>
-          </a:p>
-          <a:p>
-            <a:pPr marL="285750" indent="-285750">
-              <a:buFont typeface="Arial" panose="020B0604020202020204" pitchFamily="34" charset="0"/>
-              <a:buChar char="•"/>
-            </a:pPr>
-            <a:endParaRPr lang="pt-PT" altLang="en-US" sz="2400">
-              <a:sym typeface="+mn-ea"/>
-            </a:endParaRPr>
-          </a:p>
-        </p:txBody>
-      </p:sp>
-      <p:sp>
-        <p:nvSpPr>
-          <p:cNvPr id="14" name="Text Box 13"/>
-          <p:cNvSpPr txBox="true"/>
-          <p:nvPr/>
-        </p:nvSpPr>
-        <p:spPr>
-          <a:xfrm>
-            <a:off x="8695055" y="13018135"/>
-            <a:ext cx="6808470" cy="2614930"/>
-          </a:xfrm>
-          <a:prstGeom prst="rect">
-            <a:avLst/>
-          </a:prstGeom>
-          <a:noFill/>
-          <a:ln>
+                <a:effectLst/>
+              </a:endParaRPr>
+            </a:p>
+          </p:txBody>
+        </p:sp>
+        <p:sp>
+          <p:nvSpPr>
+            <p:cNvPr id="39" name="Text Box 38"/>
+            <p:cNvSpPr txBox="true"/>
+            <p:nvPr/>
+          </p:nvSpPr>
+          <p:spPr>
+            <a:xfrm>
+              <a:off x="268" y="25236"/>
+              <a:ext cx="1022" cy="1743"/>
+            </a:xfrm>
+            <a:prstGeom prst="rect">
+              <a:avLst/>
+            </a:prstGeom>
             <a:noFill/>
-          </a:ln>
-        </p:spPr>
-        <p:txBody>
-          <a:bodyPr wrap="square" rtlCol="0">
-            <a:spAutoFit/>
-          </a:bodyPr>
-          <a:p>
-            <a:pPr indent="0">
-              <a:buFont typeface="Arial" panose="020B0604020202020204" pitchFamily="34" charset="0"/>
-              <a:buNone/>
-            </a:pPr>
-            <a:r>
-              <a:rPr lang="pt-PT" altLang="en-US" sz="2400"/>
-              <a:t>inputs:</a:t>
-            </a:r>
-            <a:endParaRPr lang="pt-PT" altLang="en-US" sz="2400"/>
-          </a:p>
-          <a:p>
-            <a:pPr marL="285750" indent="-285750">
-              <a:buFont typeface="Arial" panose="020B0604020202020204" pitchFamily="34" charset="0"/>
-              <a:buChar char="•"/>
-            </a:pPr>
-            <a:r>
-              <a:rPr lang="pt-PT" altLang="en-US" sz="2000">
-                <a:sym typeface="+mn-ea"/>
-              </a:rPr>
-              <a:t>raw_data/shapefiles/vale_ribeira.shp</a:t>
-            </a:r>
-            <a:endParaRPr lang="pt-PT" altLang="en-US" sz="2400">
-              <a:sym typeface="+mn-ea"/>
-            </a:endParaRPr>
-          </a:p>
-          <a:p>
-            <a:pPr marL="742950" lvl="1" indent="-285750">
-              <a:buFont typeface="Arial" panose="020B0604020202020204" pitchFamily="34" charset="0"/>
-              <a:buChar char="•"/>
-            </a:pPr>
-            <a:r>
-              <a:rPr lang="pt-PT" altLang="en-US" sz="2400">
-                <a:sym typeface="+mn-ea"/>
-              </a:rPr>
-              <a:t>954 rows (c.sectors geopolitical)</a:t>
-            </a:r>
-            <a:endParaRPr lang="pt-PT" altLang="en-US" sz="2400"/>
-          </a:p>
-          <a:p>
-            <a:pPr marL="285750" indent="-285750">
-              <a:buFont typeface="Arial" panose="020B0604020202020204" pitchFamily="34" charset="0"/>
-              <a:buChar char="•"/>
-            </a:pPr>
-            <a:r>
-              <a:rPr lang="pt-PT" altLang="en-US" sz="2400">
-                <a:sym typeface="+mn-ea"/>
-              </a:rPr>
-              <a:t>IDHMS/IDHMs_</a:t>
-            </a:r>
-            <a:r>
-              <a:rPr lang="pt-PT" altLang="en-US" sz="2400">
-                <a:sym typeface="+mn-ea"/>
-              </a:rPr>
-              <a:t>ValeRibeira</a:t>
-            </a:r>
-            <a:r>
-              <a:rPr lang="pt-PT" altLang="en-US" sz="2400">
-                <a:sym typeface="+mn-ea"/>
-              </a:rPr>
-              <a:t>.csv</a:t>
-            </a:r>
-            <a:endParaRPr lang="pt-PT" altLang="en-US" sz="2400"/>
-          </a:p>
-          <a:p>
-            <a:pPr marL="742950" lvl="1" indent="-285750">
-              <a:buFont typeface="Arial" panose="020B0604020202020204" pitchFamily="34" charset="0"/>
-              <a:buChar char="•"/>
-            </a:pPr>
-            <a:r>
-              <a:rPr lang="pt-PT" altLang="en-US" sz="2400">
+          </p:spPr>
+          <p:txBody>
+            <a:bodyPr wrap="none" rtlCol="0">
+              <a:spAutoFit/>
+              <a:scene3d>
+                <a:camera prst="orthographicFront"/>
+                <a:lightRig rig="threePt" dir="t"/>
+              </a:scene3d>
+            </a:bodyPr>
+            <a:p>
+              <a:r>
+                <a:rPr lang="pt-PT" altLang="en-US" sz="6600">
+                  <a:ln w="22225">
+                    <a:solidFill>
+                      <a:schemeClr val="accent2"/>
+                    </a:solidFill>
+                    <a:prstDash val="solid"/>
+                  </a:ln>
+                  <a:solidFill>
+                    <a:schemeClr val="accent2">
+                      <a:lumMod val="40000"/>
+                      <a:lumOff val="60000"/>
+                    </a:schemeClr>
+                  </a:solidFill>
+                  <a:effectLst/>
+                </a:rPr>
+                <a:t>3</a:t>
+              </a:r>
+              <a:endParaRPr lang="pt-PT" altLang="en-US" sz="6600">
+                <a:ln w="22225">
+                  <a:solidFill>
+                    <a:schemeClr val="accent2"/>
+                  </a:solidFill>
+                  <a:prstDash val="solid"/>
+                </a:ln>
                 <a:solidFill>
-                  <a:srgbClr val="FF0000"/>
+                  <a:schemeClr val="accent2">
+                    <a:lumMod val="40000"/>
+                    <a:lumOff val="60000"/>
+                  </a:schemeClr>
                 </a:solidFill>
-              </a:rPr>
-              <a:t>880 </a:t>
-            </a:r>
-            <a:r>
-              <a:rPr lang="pt-PT" altLang="en-US" sz="2400"/>
-              <a:t>rows (census sectors)</a:t>
-            </a:r>
-            <a:endParaRPr lang="pt-PT" altLang="en-US" sz="2400"/>
-          </a:p>
-          <a:p>
-            <a:pPr marL="285750" lvl="0" indent="-285750">
-              <a:buFont typeface="Arial" panose="020B0604020202020204" pitchFamily="34" charset="0"/>
-              <a:buChar char="•"/>
-            </a:pPr>
-            <a:r>
-              <a:rPr lang="pt-PT" altLang="en-US" sz="2400">
-                <a:sym typeface="+mn-ea"/>
-              </a:rPr>
-              <a:t>vgg_features</a:t>
-            </a:r>
-            <a:r>
-              <a:rPr lang="pt-PT" altLang="en-US" sz="2400"/>
-              <a:t>.csv </a:t>
-            </a:r>
-            <a:r>
-              <a:rPr lang="pt-PT" altLang="en-US" sz="2400">
-                <a:sym typeface="+mn-ea"/>
-              </a:rPr>
-              <a:t>(112368 rows)</a:t>
-            </a:r>
-            <a:endParaRPr lang="pt-PT" altLang="en-US" sz="2400">
-              <a:sym typeface="+mn-ea"/>
-            </a:endParaRPr>
-          </a:p>
-          <a:p>
-            <a:pPr marL="285750" lvl="0" indent="-285750">
-              <a:buFont typeface="Arial" panose="020B0604020202020204" pitchFamily="34" charset="0"/>
-              <a:buChar char="•"/>
-            </a:pPr>
-            <a:r>
-              <a:rPr lang="pt-PT" altLang="en-US" sz="2400">
-                <a:sym typeface="+mn-ea"/>
-              </a:rPr>
-              <a:t>geo.csv</a:t>
-            </a:r>
-            <a:endParaRPr lang="pt-PT" altLang="en-US" sz="2400">
-              <a:sym typeface="+mn-ea"/>
-            </a:endParaRPr>
-          </a:p>
-        </p:txBody>
-      </p:sp>
-      <p:sp>
-        <p:nvSpPr>
-          <p:cNvPr id="15" name="Down Arrow 14"/>
-          <p:cNvSpPr/>
-          <p:nvPr/>
-        </p:nvSpPr>
-        <p:spPr>
-          <a:xfrm>
-            <a:off x="4902200" y="8846185"/>
-            <a:ext cx="709930" cy="850265"/>
-          </a:xfrm>
-          <a:prstGeom prst="downArrow">
-            <a:avLst/>
-          </a:prstGeom>
-        </p:spPr>
-        <p:style>
-          <a:lnRef idx="2">
-            <a:schemeClr val="accent6">
-              <a:shade val="50000"/>
-            </a:schemeClr>
-          </a:lnRef>
-          <a:fillRef idx="1">
-            <a:schemeClr val="accent6"/>
-          </a:fillRef>
-          <a:effectRef idx="0">
-            <a:schemeClr val="accent6"/>
-          </a:effectRef>
-          <a:fontRef idx="minor">
-            <a:schemeClr val="lt1"/>
-          </a:fontRef>
-        </p:style>
-        <p:txBody>
-          <a:bodyPr rtlCol="0" anchor="ctr"/>
-          <a:p>
-            <a:pPr algn="ctr"/>
-            <a:endParaRPr lang="en-US" sz="2800"/>
-          </a:p>
-        </p:txBody>
-      </p:sp>
-      <p:sp>
-        <p:nvSpPr>
-          <p:cNvPr id="16" name="Down Arrow 15"/>
-          <p:cNvSpPr/>
-          <p:nvPr/>
-        </p:nvSpPr>
-        <p:spPr>
-          <a:xfrm>
-            <a:off x="4987290" y="16598900"/>
-            <a:ext cx="709930" cy="850265"/>
-          </a:xfrm>
-          <a:prstGeom prst="downArrow">
-            <a:avLst/>
-          </a:prstGeom>
-        </p:spPr>
-        <p:style>
-          <a:lnRef idx="2">
-            <a:schemeClr val="accent6">
-              <a:shade val="50000"/>
-            </a:schemeClr>
-          </a:lnRef>
-          <a:fillRef idx="1">
-            <a:schemeClr val="accent6"/>
-          </a:fillRef>
-          <a:effectRef idx="0">
-            <a:schemeClr val="accent6"/>
-          </a:effectRef>
-          <a:fontRef idx="minor">
-            <a:schemeClr val="lt1"/>
-          </a:fontRef>
-        </p:style>
-        <p:txBody>
-          <a:bodyPr rtlCol="0" anchor="ctr"/>
-          <a:p>
-            <a:pPr algn="ctr"/>
-            <a:endParaRPr lang="en-US" sz="2800"/>
-          </a:p>
-        </p:txBody>
-      </p:sp>
-      <p:sp>
-        <p:nvSpPr>
-          <p:cNvPr id="17" name="Down Arrow 16"/>
-          <p:cNvSpPr/>
-          <p:nvPr/>
-        </p:nvSpPr>
-        <p:spPr>
-          <a:xfrm>
-            <a:off x="4987290" y="12722860"/>
-            <a:ext cx="709930" cy="850265"/>
-          </a:xfrm>
-          <a:prstGeom prst="downArrow">
-            <a:avLst/>
-          </a:prstGeom>
-        </p:spPr>
-        <p:style>
-          <a:lnRef idx="2">
-            <a:schemeClr val="accent6">
-              <a:shade val="50000"/>
-            </a:schemeClr>
-          </a:lnRef>
-          <a:fillRef idx="1">
-            <a:schemeClr val="accent6"/>
-          </a:fillRef>
-          <a:effectRef idx="0">
-            <a:schemeClr val="accent6"/>
-          </a:effectRef>
-          <a:fontRef idx="minor">
-            <a:schemeClr val="lt1"/>
-          </a:fontRef>
-        </p:style>
-        <p:txBody>
-          <a:bodyPr rtlCol="0" anchor="ctr"/>
-          <a:p>
-            <a:pPr algn="ctr"/>
-            <a:endParaRPr lang="en-US" sz="2800"/>
-          </a:p>
-        </p:txBody>
-      </p:sp>
-      <p:sp>
-        <p:nvSpPr>
-          <p:cNvPr id="18" name="Text Box 17"/>
-          <p:cNvSpPr txBox="true"/>
-          <p:nvPr/>
-        </p:nvSpPr>
-        <p:spPr>
-          <a:xfrm>
-            <a:off x="16323310" y="6315075"/>
-            <a:ext cx="5324475" cy="829945"/>
-          </a:xfrm>
-          <a:prstGeom prst="rect">
-            <a:avLst/>
-          </a:prstGeom>
-          <a:noFill/>
-          <a:ln>
+                <a:effectLst/>
+              </a:endParaRPr>
+            </a:p>
+          </p:txBody>
+        </p:sp>
+        <p:sp>
+          <p:nvSpPr>
+            <p:cNvPr id="40" name="Text Box 39"/>
+            <p:cNvSpPr txBox="true"/>
+            <p:nvPr/>
+          </p:nvSpPr>
+          <p:spPr>
+            <a:xfrm>
+              <a:off x="268" y="36063"/>
+              <a:ext cx="1022" cy="1743"/>
+            </a:xfrm>
+            <a:prstGeom prst="rect">
+              <a:avLst/>
+            </a:prstGeom>
             <a:noFill/>
-          </a:ln>
-        </p:spPr>
-        <p:txBody>
-          <a:bodyPr wrap="square" rtlCol="0">
-            <a:spAutoFit/>
-          </a:bodyPr>
-          <a:p>
-            <a:pPr indent="0">
-              <a:buFont typeface="Arial" panose="020B0604020202020204" pitchFamily="34" charset="0"/>
-              <a:buNone/>
-            </a:pPr>
-            <a:r>
-              <a:rPr lang="pt-PT" altLang="en-US" sz="2400"/>
-              <a:t>outputs:</a:t>
-            </a:r>
-            <a:endParaRPr lang="pt-PT" altLang="en-US" sz="2400"/>
-          </a:p>
-          <a:p>
-            <a:pPr indent="0">
-              <a:buFont typeface="Arial" panose="020B0604020202020204" pitchFamily="34" charset="0"/>
-              <a:buNone/>
-            </a:pPr>
-            <a:r>
-              <a:rPr lang="pt-PT" altLang="en-US" sz="2400"/>
-              <a:t> geo.csv (</a:t>
-            </a:r>
-            <a:r>
-              <a:rPr lang="pt-PT" altLang="en-US" sz="2400">
+          </p:spPr>
+          <p:txBody>
+            <a:bodyPr wrap="none" rtlCol="0">
+              <a:spAutoFit/>
+              <a:scene3d>
+                <a:camera prst="orthographicFront"/>
+                <a:lightRig rig="threePt" dir="t"/>
+              </a:scene3d>
+            </a:bodyPr>
+            <a:p>
+              <a:r>
+                <a:rPr lang="pt-PT" altLang="en-US" sz="6600">
+                  <a:ln w="22225">
+                    <a:solidFill>
+                      <a:schemeClr val="accent2"/>
+                    </a:solidFill>
+                    <a:prstDash val="solid"/>
+                  </a:ln>
+                  <a:solidFill>
+                    <a:schemeClr val="accent2">
+                      <a:lumMod val="40000"/>
+                      <a:lumOff val="60000"/>
+                    </a:schemeClr>
+                  </a:solidFill>
+                  <a:effectLst/>
+                </a:rPr>
+                <a:t>5</a:t>
+              </a:r>
+              <a:endParaRPr lang="pt-PT" altLang="en-US" sz="6600">
+                <a:ln w="22225">
+                  <a:solidFill>
+                    <a:schemeClr val="accent2"/>
+                  </a:solidFill>
+                  <a:prstDash val="solid"/>
+                </a:ln>
                 <a:solidFill>
-                  <a:srgbClr val="FF0000"/>
+                  <a:schemeClr val="accent2">
+                    <a:lumMod val="40000"/>
+                    <a:lumOff val="60000"/>
+                  </a:schemeClr>
                 </a:solidFill>
-                <a:sym typeface="+mn-ea"/>
-              </a:rPr>
-              <a:t>112368 </a:t>
-            </a:r>
-            <a:r>
-              <a:rPr lang="pt-PT" altLang="en-US" sz="2400"/>
-              <a:t>rows)</a:t>
-            </a:r>
-            <a:endParaRPr lang="pt-PT" altLang="en-US" sz="2400"/>
-          </a:p>
-        </p:txBody>
-      </p:sp>
-      <p:sp>
-        <p:nvSpPr>
-          <p:cNvPr id="19" name="Text Box 18"/>
-          <p:cNvSpPr txBox="true"/>
-          <p:nvPr/>
-        </p:nvSpPr>
-        <p:spPr>
-          <a:xfrm>
-            <a:off x="16240760" y="13018135"/>
-            <a:ext cx="6412865" cy="1938020"/>
-          </a:xfrm>
-          <a:prstGeom prst="rect">
-            <a:avLst/>
-          </a:prstGeom>
-          <a:noFill/>
-          <a:ln>
+                <a:effectLst/>
+              </a:endParaRPr>
+            </a:p>
+          </p:txBody>
+        </p:sp>
+        <p:sp>
+          <p:nvSpPr>
+            <p:cNvPr id="41" name="Text Box 40"/>
+            <p:cNvSpPr txBox="true"/>
+            <p:nvPr/>
+          </p:nvSpPr>
+          <p:spPr>
+            <a:xfrm>
+              <a:off x="268" y="41181"/>
+              <a:ext cx="1022" cy="1743"/>
+            </a:xfrm>
+            <a:prstGeom prst="rect">
+              <a:avLst/>
+            </a:prstGeom>
             <a:noFill/>
-          </a:ln>
-        </p:spPr>
-        <p:txBody>
-          <a:bodyPr wrap="square" rtlCol="0">
-            <a:spAutoFit/>
-          </a:bodyPr>
-          <a:p>
-            <a:pPr indent="0">
-              <a:buFont typeface="Arial" panose="020B0604020202020204" pitchFamily="34" charset="0"/>
-              <a:buNone/>
-            </a:pPr>
-            <a:r>
-              <a:rPr lang="pt-PT" altLang="en-US" sz="2400"/>
-              <a:t>outputs: </a:t>
-            </a:r>
-            <a:endParaRPr lang="pt-PT" altLang="en-US" sz="2400"/>
-          </a:p>
-          <a:p>
-            <a:pPr marL="285750" indent="-285750">
-              <a:buFont typeface="Arial" panose="020B0604020202020204" pitchFamily="34" charset="0"/>
-              <a:buChar char="•"/>
-            </a:pPr>
-            <a:r>
-              <a:rPr lang="en-US" altLang="pt-PT" sz="2400">
-                <a:sym typeface="+mn-ea"/>
-              </a:rPr>
-              <a:t>geo_fold.csv (</a:t>
-            </a:r>
-            <a:r>
-              <a:rPr lang="pt-PT" altLang="en-US" sz="2400">
-                <a:sym typeface="+mn-ea"/>
-              </a:rPr>
-              <a:t>112368  </a:t>
-            </a:r>
-            <a:r>
-              <a:rPr lang="en-US" altLang="pt-PT" sz="2400">
-                <a:sym typeface="+mn-ea"/>
-              </a:rPr>
-              <a:t>rows)</a:t>
-            </a:r>
-            <a:endParaRPr lang="pt-PT" altLang="en-US" sz="2400"/>
-          </a:p>
-          <a:p>
-            <a:pPr marL="285750" indent="-285750">
-              <a:buFont typeface="Arial" panose="020B0604020202020204" pitchFamily="34" charset="0"/>
-              <a:buChar char="•"/>
-            </a:pPr>
-            <a:r>
-              <a:rPr lang="pt-PT" altLang="en-US" sz="2400"/>
-              <a:t>income/folds*.csv (total of 110824 images)</a:t>
-            </a:r>
-            <a:endParaRPr lang="pt-PT" altLang="en-US" sz="2400"/>
-          </a:p>
-          <a:p>
-            <a:pPr marL="285750" indent="-285750">
-              <a:buFont typeface="Arial" panose="020B0604020202020204" pitchFamily="34" charset="0"/>
-              <a:buChar char="•"/>
-            </a:pPr>
-            <a:r>
-              <a:rPr lang="pt-PT" altLang="en-US" sz="2400"/>
-              <a:t>income/logs/*</a:t>
-            </a:r>
-            <a:endParaRPr lang="pt-PT" altLang="en-US" sz="2400"/>
-          </a:p>
-          <a:p>
-            <a:pPr marL="285750" indent="-285750">
-              <a:buFont typeface="Arial" panose="020B0604020202020204" pitchFamily="34" charset="0"/>
-              <a:buChar char="•"/>
-            </a:pPr>
-            <a:r>
-              <a:rPr lang="pt-PT" altLang="en-US" sz="2400">
-                <a:sym typeface="+mn-ea"/>
-              </a:rPr>
-              <a:t>income/models/*</a:t>
-            </a:r>
-            <a:endParaRPr lang="pt-PT" altLang="en-US" sz="2400">
-              <a:sym typeface="+mn-ea"/>
-            </a:endParaRPr>
-          </a:p>
-        </p:txBody>
-      </p:sp>
-      <p:sp>
-        <p:nvSpPr>
-          <p:cNvPr id="20" name="Text Box 19"/>
-          <p:cNvSpPr txBox="true"/>
-          <p:nvPr/>
-        </p:nvSpPr>
-        <p:spPr>
-          <a:xfrm>
-            <a:off x="8695055" y="17539970"/>
-            <a:ext cx="6808470" cy="1198880"/>
-          </a:xfrm>
-          <a:prstGeom prst="rect">
-            <a:avLst/>
-          </a:prstGeom>
-          <a:noFill/>
-          <a:ln>
-            <a:noFill/>
-          </a:ln>
-        </p:spPr>
-        <p:txBody>
-          <a:bodyPr wrap="square" rtlCol="0">
-            <a:spAutoFit/>
-          </a:bodyPr>
-          <a:p>
-            <a:pPr indent="0">
-              <a:buFont typeface="Arial" panose="020B0604020202020204" pitchFamily="34" charset="0"/>
-              <a:buNone/>
-            </a:pPr>
-            <a:r>
-              <a:rPr lang="pt-PT" altLang="en-US" sz="2400"/>
-              <a:t>inputs: </a:t>
-            </a:r>
-            <a:endParaRPr lang="pt-PT" altLang="en-US" sz="2400"/>
-          </a:p>
-          <a:p>
-            <a:pPr marL="285750" indent="-285750">
-              <a:buFont typeface="Arial" panose="020B0604020202020204" pitchFamily="34" charset="0"/>
-              <a:buChar char="•"/>
-            </a:pPr>
-            <a:r>
-              <a:rPr lang="pt-PT" altLang="en-US" sz="2400"/>
-              <a:t>income/folds*.csv</a:t>
-            </a:r>
-            <a:endParaRPr lang="pt-PT" altLang="en-US" sz="2400"/>
-          </a:p>
-          <a:p>
-            <a:pPr marL="285750" indent="-285750">
-              <a:buFont typeface="Arial" panose="020B0604020202020204" pitchFamily="34" charset="0"/>
-              <a:buChar char="•"/>
-            </a:pPr>
-            <a:endParaRPr lang="pt-PT" altLang="en-US" sz="2400"/>
-          </a:p>
-        </p:txBody>
-      </p:sp>
-      <p:sp>
-        <p:nvSpPr>
-          <p:cNvPr id="2" name="Text Box 1"/>
-          <p:cNvSpPr txBox="true"/>
-          <p:nvPr/>
-        </p:nvSpPr>
-        <p:spPr>
-          <a:xfrm>
-            <a:off x="8695055" y="6315075"/>
-            <a:ext cx="6886575" cy="1014730"/>
-          </a:xfrm>
-          <a:prstGeom prst="rect">
-            <a:avLst/>
-          </a:prstGeom>
-          <a:noFill/>
-          <a:ln>
-            <a:noFill/>
-          </a:ln>
-        </p:spPr>
-        <p:txBody>
-          <a:bodyPr wrap="square" rtlCol="0">
-            <a:spAutoFit/>
-          </a:bodyPr>
-          <a:p>
-            <a:pPr indent="0">
-              <a:buFont typeface="Arial" panose="020B0604020202020204" pitchFamily="34" charset="0"/>
-              <a:buNone/>
-            </a:pPr>
-            <a:r>
-              <a:rPr lang="pt-PT" altLang="en-US" sz="2000"/>
-              <a:t>outputs: </a:t>
-            </a:r>
-            <a:endParaRPr lang="pt-PT" altLang="en-US" sz="2000"/>
-          </a:p>
-          <a:p>
-            <a:pPr marL="285750" indent="-285750">
-              <a:buFont typeface="Arial" panose="020B0604020202020204" pitchFamily="34" charset="0"/>
-              <a:buChar char="•"/>
-            </a:pPr>
-            <a:r>
-              <a:rPr lang="pt-PT" altLang="en-US" sz="2000">
-                <a:sym typeface="+mn-ea"/>
-              </a:rPr>
-              <a:t>street_crawler/</a:t>
-            </a:r>
-            <a:r>
-              <a:rPr lang="pt-PT" altLang="en-US" sz="2000">
-                <a:sym typeface="+mn-ea"/>
-              </a:rPr>
-              <a:t>streets_lat_long_curated.csv</a:t>
-            </a:r>
-            <a:r>
-              <a:rPr lang="pt-PT" altLang="en-US" sz="2000"/>
-              <a:t> </a:t>
-            </a:r>
-            <a:endParaRPr lang="pt-PT" altLang="en-US" sz="2000"/>
-          </a:p>
-          <a:p>
-            <a:pPr marL="742950" lvl="1" indent="-285750">
-              <a:buFont typeface="Arial" panose="020B0604020202020204" pitchFamily="34" charset="0"/>
-              <a:buChar char="•"/>
-            </a:pPr>
-            <a:r>
-              <a:rPr lang="pt-PT" altLang="en-US" sz="2000"/>
-              <a:t>(</a:t>
-            </a:r>
-            <a:r>
-              <a:rPr lang="pt-PT" altLang="en-US" sz="2000" b="1">
+          </p:spPr>
+          <p:txBody>
+            <a:bodyPr wrap="none" rtlCol="0">
+              <a:spAutoFit/>
+              <a:scene3d>
+                <a:camera prst="orthographicFront"/>
+                <a:lightRig rig="threePt" dir="t"/>
+              </a:scene3d>
+            </a:bodyPr>
+            <a:p>
+              <a:r>
+                <a:rPr lang="pt-PT" altLang="en-US" sz="6600">
+                  <a:ln w="22225">
+                    <a:solidFill>
+                      <a:schemeClr val="accent2"/>
+                    </a:solidFill>
+                    <a:prstDash val="solid"/>
+                  </a:ln>
+                  <a:solidFill>
+                    <a:schemeClr val="accent2">
+                      <a:lumMod val="40000"/>
+                      <a:lumOff val="60000"/>
+                    </a:schemeClr>
+                  </a:solidFill>
+                  <a:effectLst/>
+                </a:rPr>
+                <a:t>6</a:t>
+              </a:r>
+              <a:endParaRPr lang="pt-PT" altLang="en-US" sz="6600">
+                <a:ln w="22225">
+                  <a:solidFill>
+                    <a:schemeClr val="accent2"/>
+                  </a:solidFill>
+                  <a:prstDash val="solid"/>
+                </a:ln>
                 <a:solidFill>
-                  <a:srgbClr val="FF0000"/>
+                  <a:schemeClr val="accent2">
+                    <a:lumMod val="40000"/>
+                    <a:lumOff val="60000"/>
+                  </a:schemeClr>
                 </a:solidFill>
-                <a:sym typeface="+mn-ea"/>
-              </a:rPr>
-              <a:t>112368</a:t>
-            </a:r>
-            <a:r>
-              <a:rPr lang="pt-PT" altLang="en-US" sz="2000"/>
-              <a:t>) </a:t>
-            </a:r>
-            <a:r>
-              <a:rPr lang="pt-PT" altLang="en-US" sz="2000">
-                <a:sym typeface="+mn-ea"/>
-              </a:rPr>
-              <a:t>unique</a:t>
-            </a:r>
-            <a:endParaRPr lang="pt-PT" altLang="en-US" sz="2000">
-              <a:sym typeface="+mn-ea"/>
-            </a:endParaRPr>
-          </a:p>
-        </p:txBody>
-      </p:sp>
-      <p:sp>
-        <p:nvSpPr>
-          <p:cNvPr id="3" name="Rectangle 2"/>
-          <p:cNvSpPr/>
-          <p:nvPr/>
-        </p:nvSpPr>
-        <p:spPr>
-          <a:xfrm>
-            <a:off x="2320290" y="18199100"/>
-            <a:ext cx="5469255" cy="975360"/>
-          </a:xfrm>
-          <a:prstGeom prst="rect">
-            <a:avLst/>
-          </a:prstGeom>
-        </p:spPr>
-        <p:style>
-          <a:lnRef idx="2">
-            <a:schemeClr val="accent6">
-              <a:shade val="50000"/>
-            </a:schemeClr>
-          </a:lnRef>
-          <a:fillRef idx="1">
-            <a:schemeClr val="accent6"/>
-          </a:fillRef>
-          <a:effectRef idx="0">
-            <a:schemeClr val="accent6"/>
-          </a:effectRef>
-          <a:fontRef idx="minor">
-            <a:schemeClr val="lt1"/>
-          </a:fontRef>
-        </p:style>
-        <p:txBody>
-          <a:bodyPr rtlCol="0" anchor="ctr"/>
-          <a:p>
-            <a:pPr algn="ctr"/>
-            <a:r>
-              <a:rPr lang="pt-PT" altLang="en-US" sz="2800"/>
-              <a:t>Prediction.py</a:t>
-            </a:r>
-            <a:endParaRPr lang="pt-PT" altLang="en-US" sz="2800"/>
-          </a:p>
-        </p:txBody>
-      </p:sp>
-      <p:sp>
-        <p:nvSpPr>
-          <p:cNvPr id="10" name="Down Arrow 9"/>
-          <p:cNvSpPr/>
-          <p:nvPr/>
-        </p:nvSpPr>
-        <p:spPr>
-          <a:xfrm>
-            <a:off x="4893310" y="5516880"/>
-            <a:ext cx="709930" cy="850265"/>
-          </a:xfrm>
-          <a:prstGeom prst="downArrow">
-            <a:avLst/>
-          </a:prstGeom>
-        </p:spPr>
-        <p:style>
-          <a:lnRef idx="2">
-            <a:schemeClr val="accent4">
-              <a:shade val="50000"/>
-            </a:schemeClr>
-          </a:lnRef>
-          <a:fillRef idx="1">
-            <a:schemeClr val="accent4"/>
-          </a:fillRef>
-          <a:effectRef idx="0">
-            <a:schemeClr val="accent4"/>
-          </a:effectRef>
-          <a:fontRef idx="minor">
-            <a:schemeClr val="lt1"/>
-          </a:fontRef>
-        </p:style>
-        <p:txBody>
-          <a:bodyPr rtlCol="0" anchor="ctr"/>
-          <a:p>
-            <a:pPr algn="ctr"/>
-            <a:endParaRPr lang="en-US" sz="2800"/>
-          </a:p>
-        </p:txBody>
-      </p:sp>
-      <p:sp>
-        <p:nvSpPr>
-          <p:cNvPr id="22" name="Text Box 21"/>
-          <p:cNvSpPr txBox="true"/>
-          <p:nvPr/>
-        </p:nvSpPr>
-        <p:spPr>
-          <a:xfrm>
-            <a:off x="8695055" y="597535"/>
-            <a:ext cx="6808470" cy="1938020"/>
-          </a:xfrm>
-          <a:prstGeom prst="rect">
-            <a:avLst/>
-          </a:prstGeom>
-          <a:noFill/>
-          <a:ln>
-            <a:noFill/>
-          </a:ln>
-        </p:spPr>
-        <p:txBody>
-          <a:bodyPr wrap="square" rtlCol="0">
-            <a:spAutoFit/>
-          </a:bodyPr>
-          <a:p>
-            <a:pPr indent="0">
-              <a:buFont typeface="Arial" panose="020B0604020202020204" pitchFamily="34" charset="0"/>
-              <a:buNone/>
-            </a:pPr>
-            <a:r>
-              <a:rPr lang="pt-PT" altLang="en-US" sz="2000"/>
-              <a:t>inputs: </a:t>
-            </a:r>
-            <a:endParaRPr lang="pt-PT" altLang="en-US" sz="2000"/>
-          </a:p>
-          <a:p>
-            <a:pPr indent="0">
-              <a:buFont typeface="Arial" panose="020B0604020202020204" pitchFamily="34" charset="0"/>
-              <a:buNone/>
-            </a:pPr>
-            <a:endParaRPr lang="pt-PT" altLang="en-US" sz="2000"/>
-          </a:p>
-          <a:p>
-            <a:pPr marL="342900" indent="-342900">
-              <a:buFont typeface="Arial" panose="020B0604020202020204" pitchFamily="34" charset="0"/>
-              <a:buChar char="•"/>
-            </a:pPr>
-            <a:r>
-              <a:rPr lang="pt-PT" altLang="en-US" sz="2000">
-                <a:sym typeface="+mn-ea"/>
-              </a:rPr>
-              <a:t>raw_data/ibge2010/*.xls</a:t>
-            </a:r>
-            <a:endParaRPr lang="pt-PT" altLang="en-US" sz="2000">
-              <a:sym typeface="+mn-ea"/>
-            </a:endParaRPr>
-          </a:p>
-          <a:p>
-            <a:pPr marL="800100" lvl="1" indent="-342900">
-              <a:buFont typeface="Arial" panose="020B0604020202020204" pitchFamily="34" charset="0"/>
-              <a:buChar char="•"/>
-            </a:pPr>
-            <a:r>
-              <a:rPr lang="pt-PT" altLang="en-US" sz="2000">
-                <a:sym typeface="+mn-ea"/>
-              </a:rPr>
-              <a:t>IBGE data</a:t>
-            </a:r>
-            <a:endParaRPr lang="pt-PT" altLang="en-US" sz="2000">
-              <a:sym typeface="+mn-ea"/>
-            </a:endParaRPr>
-          </a:p>
-          <a:p>
-            <a:pPr marL="800100" lvl="1" indent="-342900">
-              <a:buFont typeface="Arial" panose="020B0604020202020204" pitchFamily="34" charset="0"/>
-              <a:buChar char="•"/>
-            </a:pPr>
-            <a:r>
-              <a:rPr lang="pt-PT" altLang="en-US" sz="1600" i="1">
-                <a:sym typeface="+mn-ea"/>
-              </a:rPr>
-              <a:t>SP_Exceto_a_Capital_20190207.zip</a:t>
-            </a:r>
-            <a:endParaRPr lang="pt-PT" altLang="en-US" sz="2400"/>
-          </a:p>
-          <a:p>
-            <a:pPr marL="285750" indent="-285750">
-              <a:buFont typeface="Arial" panose="020B0604020202020204" pitchFamily="34" charset="0"/>
-              <a:buChar char="•"/>
-            </a:pPr>
-            <a:endParaRPr lang="pt-PT" altLang="en-US" sz="2400"/>
-          </a:p>
-        </p:txBody>
-      </p:sp>
-      <p:sp>
-        <p:nvSpPr>
-          <p:cNvPr id="26" name="Text Box 25"/>
-          <p:cNvSpPr txBox="true"/>
-          <p:nvPr/>
-        </p:nvSpPr>
-        <p:spPr>
-          <a:xfrm>
-            <a:off x="22858730" y="3854450"/>
-            <a:ext cx="669925" cy="337185"/>
-          </a:xfrm>
-          <a:prstGeom prst="rect">
-            <a:avLst/>
-          </a:prstGeom>
-          <a:noFill/>
-        </p:spPr>
-        <p:txBody>
-          <a:bodyPr wrap="square" rtlCol="0">
-            <a:spAutoFit/>
-          </a:bodyPr>
-          <a:p>
-            <a:r>
-              <a:rPr lang="pt-PT" altLang="en-US" sz="1600"/>
-              <a:t>6hs</a:t>
-            </a:r>
-            <a:endParaRPr lang="pt-PT" altLang="en-US" sz="1600"/>
-          </a:p>
-        </p:txBody>
-      </p:sp>
-      <p:sp>
-        <p:nvSpPr>
-          <p:cNvPr id="27" name="Text Box 26"/>
-          <p:cNvSpPr txBox="true"/>
-          <p:nvPr/>
-        </p:nvSpPr>
-        <p:spPr>
-          <a:xfrm>
-            <a:off x="22858730" y="9696450"/>
-            <a:ext cx="680085" cy="337185"/>
-          </a:xfrm>
-          <a:prstGeom prst="rect">
-            <a:avLst/>
-          </a:prstGeom>
-          <a:noFill/>
-        </p:spPr>
-        <p:txBody>
-          <a:bodyPr wrap="square" rtlCol="0">
-            <a:spAutoFit/>
-          </a:bodyPr>
-          <a:p>
-            <a:r>
-              <a:rPr lang="pt-PT" altLang="en-US" sz="1600"/>
-              <a:t>7hs</a:t>
-            </a:r>
-            <a:endParaRPr lang="pt-PT" altLang="en-US" sz="1600"/>
-          </a:p>
-        </p:txBody>
-      </p:sp>
-      <p:sp>
-        <p:nvSpPr>
-          <p:cNvPr id="28" name="Rectangle 27"/>
-          <p:cNvSpPr/>
-          <p:nvPr/>
-        </p:nvSpPr>
-        <p:spPr>
-          <a:xfrm>
-            <a:off x="2403475" y="417830"/>
-            <a:ext cx="5281295" cy="1525905"/>
-          </a:xfrm>
-          <a:prstGeom prst="rect">
-            <a:avLst/>
-          </a:prstGeom>
-        </p:spPr>
-        <p:style>
-          <a:lnRef idx="2">
-            <a:schemeClr val="accent1">
-              <a:shade val="50000"/>
-            </a:schemeClr>
-          </a:lnRef>
-          <a:fillRef idx="1">
-            <a:schemeClr val="accent1"/>
-          </a:fillRef>
-          <a:effectRef idx="0">
-            <a:schemeClr val="accent1"/>
-          </a:effectRef>
-          <a:fontRef idx="minor">
-            <a:schemeClr val="lt1"/>
-          </a:fontRef>
-        </p:style>
-        <p:txBody>
-          <a:bodyPr rtlCol="0" anchor="ctr"/>
-          <a:p>
-            <a:pPr algn="ctr"/>
-            <a:r>
-              <a:rPr lang="pt-PT" altLang="en-US" sz="2800" b="1"/>
-              <a:t>INDICATOR-dataset</a:t>
-            </a:r>
-            <a:endParaRPr lang="pt-PT" altLang="en-US" sz="2800"/>
-          </a:p>
-          <a:p>
-            <a:pPr algn="ctr"/>
-            <a:r>
-              <a:rPr lang="pt-PT" altLang="en-US" sz="2800"/>
-              <a:t>IDHMS/IDHMS.ipynb</a:t>
-            </a:r>
-            <a:endParaRPr lang="pt-PT" altLang="en-US" sz="2800"/>
-          </a:p>
-        </p:txBody>
-      </p:sp>
-      <p:sp>
-        <p:nvSpPr>
-          <p:cNvPr id="31" name="Text Box 30"/>
-          <p:cNvSpPr txBox="true"/>
-          <p:nvPr/>
-        </p:nvSpPr>
-        <p:spPr>
-          <a:xfrm>
-            <a:off x="16254730" y="597535"/>
-            <a:ext cx="5597525" cy="1322070"/>
-          </a:xfrm>
-          <a:prstGeom prst="rect">
-            <a:avLst/>
-          </a:prstGeom>
-          <a:noFill/>
-          <a:ln>
-            <a:noFill/>
-          </a:ln>
-        </p:spPr>
-        <p:txBody>
-          <a:bodyPr wrap="square" rtlCol="0">
-            <a:spAutoFit/>
-          </a:bodyPr>
-          <a:p>
-            <a:pPr lvl="0" algn="l">
-              <a:buClrTx/>
-              <a:buSzTx/>
-              <a:buFont typeface="Arial" panose="020B0604020202020204" pitchFamily="34" charset="0"/>
-            </a:pPr>
-            <a:r>
-              <a:rPr lang="pt-PT" altLang="en-US" sz="2000">
-                <a:sym typeface="+mn-ea"/>
-              </a:rPr>
-              <a:t>outputs: </a:t>
-            </a:r>
-            <a:endParaRPr lang="pt-PT" altLang="en-US" sz="2000">
-              <a:sym typeface="+mn-ea"/>
-            </a:endParaRPr>
-          </a:p>
-          <a:p>
-            <a:pPr marL="342900" lvl="0" indent="-342900" algn="l">
-              <a:buClrTx/>
-              <a:buSzTx/>
-              <a:buFont typeface="Arial" panose="020B0604020202020204" pitchFamily="34" charset="0"/>
-              <a:buChar char="•"/>
-            </a:pPr>
-            <a:r>
-              <a:rPr lang="pt-PT" altLang="en-US" sz="2000">
-                <a:sym typeface="+mn-ea"/>
-              </a:rPr>
-              <a:t>IDHMS/IDHMs_ValeRibeira.csv</a:t>
-            </a:r>
-            <a:endParaRPr lang="pt-PT" altLang="en-US" sz="2000">
-              <a:sym typeface="+mn-ea"/>
-            </a:endParaRPr>
-          </a:p>
-          <a:p>
-            <a:pPr marL="342900" lvl="0" indent="-342900" algn="l">
-              <a:buClrTx/>
-              <a:buSzTx/>
-              <a:buFont typeface="Arial" panose="020B0604020202020204" pitchFamily="34" charset="0"/>
-              <a:buChar char="•"/>
-            </a:pPr>
-            <a:r>
-              <a:rPr lang="pt-PT" altLang="en-US" sz="2000">
-                <a:sym typeface="+mn-ea"/>
-              </a:rPr>
-              <a:t>IDHMS/temp_Renda.csv</a:t>
-            </a:r>
-            <a:endParaRPr lang="pt-PT" altLang="en-US" sz="2000">
-              <a:sym typeface="+mn-ea"/>
-            </a:endParaRPr>
-          </a:p>
-          <a:p>
-            <a:pPr lvl="0" algn="l">
-              <a:buClrTx/>
-              <a:buSzTx/>
-              <a:buFont typeface="Arial" panose="020B0604020202020204" pitchFamily="34" charset="0"/>
-            </a:pPr>
-            <a:endParaRPr lang="pt-PT" altLang="en-US" sz="2000">
-              <a:sym typeface="+mn-ea"/>
-            </a:endParaRPr>
-          </a:p>
-        </p:txBody>
-      </p:sp>
-      <p:sp>
-        <p:nvSpPr>
-          <p:cNvPr id="11" name="Text Box 10"/>
-          <p:cNvSpPr txBox="true"/>
-          <p:nvPr/>
-        </p:nvSpPr>
-        <p:spPr>
-          <a:xfrm>
-            <a:off x="16323310" y="17568545"/>
-            <a:ext cx="6330950" cy="829945"/>
-          </a:xfrm>
-          <a:prstGeom prst="rect">
-            <a:avLst/>
-          </a:prstGeom>
-          <a:noFill/>
-          <a:ln>
-            <a:noFill/>
-          </a:ln>
-        </p:spPr>
-        <p:txBody>
-          <a:bodyPr wrap="square" rtlCol="0">
-            <a:spAutoFit/>
-          </a:bodyPr>
-          <a:p>
-            <a:pPr indent="0">
-              <a:buFont typeface="Arial" panose="020B0604020202020204" pitchFamily="34" charset="0"/>
-              <a:buNone/>
-            </a:pPr>
-            <a:r>
-              <a:rPr lang="pt-PT" altLang="en-US" sz="2400"/>
-              <a:t>outputs: </a:t>
-            </a:r>
-            <a:endParaRPr lang="pt-PT" altLang="en-US" sz="2400"/>
-          </a:p>
-          <a:p>
-            <a:pPr marL="285750" indent="-285750">
-              <a:buFont typeface="Arial" panose="020B0604020202020204" pitchFamily="34" charset="0"/>
-              <a:buChar char="•"/>
-            </a:pPr>
-            <a:r>
-              <a:rPr lang="pt-PT" altLang="en-US" sz="2400"/>
-              <a:t>income/</a:t>
-            </a:r>
-            <a:r>
-              <a:rPr lang="en-US" altLang="pt-PT" sz="2400"/>
-              <a:t>pred</a:t>
-            </a:r>
-            <a:r>
-              <a:rPr lang="pt-PT" altLang="en-US" sz="2400"/>
-              <a:t>s*.csv (total of 27706 images)</a:t>
-            </a:r>
-            <a:endParaRPr lang="pt-PT" altLang="en-US" sz="2400"/>
-          </a:p>
-        </p:txBody>
-      </p:sp>
-      <p:sp>
-        <p:nvSpPr>
-          <p:cNvPr id="25" name="Rectangle 24"/>
-          <p:cNvSpPr/>
-          <p:nvPr/>
-        </p:nvSpPr>
-        <p:spPr>
-          <a:xfrm>
-            <a:off x="8472805" y="394970"/>
-            <a:ext cx="7119620" cy="2522220"/>
-          </a:xfrm>
-          <a:prstGeom prst="rect">
-            <a:avLst/>
-          </a:prstGeom>
-          <a:noFill/>
-          <a:extLst>
-            <a:ext uri="{909E8E84-426E-40DD-AFC4-6F175D3DCCD1}">
-              <a14:hiddenFill xmlns:a14="http://schemas.microsoft.com/office/drawing/2010/main">
-                <a:solidFill>
-                  <a:schemeClr val="lt1"/>
-                </a:solidFill>
-              </a14:hiddenFill>
-            </a:ext>
-          </a:extLst>
-        </p:spPr>
-        <p:style>
-          <a:lnRef idx="2">
-            <a:schemeClr val="accent5"/>
-          </a:lnRef>
-          <a:fillRef idx="1">
-            <a:schemeClr val="lt1"/>
-          </a:fillRef>
-          <a:effectRef idx="0">
-            <a:schemeClr val="accent5"/>
-          </a:effectRef>
-          <a:fontRef idx="minor">
-            <a:schemeClr val="dk1"/>
-          </a:fontRef>
-        </p:style>
-        <p:txBody>
-          <a:bodyPr rtlCol="0" anchor="ctr"/>
-          <a:p>
-            <a:pPr algn="ctr"/>
-            <a:endParaRPr lang="en-US" sz="1600"/>
-          </a:p>
-        </p:txBody>
-      </p:sp>
-      <p:sp>
-        <p:nvSpPr>
-          <p:cNvPr id="34" name="Rectangle 33"/>
-          <p:cNvSpPr/>
-          <p:nvPr/>
-        </p:nvSpPr>
-        <p:spPr>
-          <a:xfrm>
-            <a:off x="8472805" y="3247390"/>
-            <a:ext cx="7120255" cy="1941195"/>
-          </a:xfrm>
-          <a:prstGeom prst="rect">
-            <a:avLst/>
-          </a:prstGeom>
-          <a:noFill/>
-          <a:extLst>
-            <a:ext uri="{909E8E84-426E-40DD-AFC4-6F175D3DCCD1}">
-              <a14:hiddenFill xmlns:a14="http://schemas.microsoft.com/office/drawing/2010/main">
-                <a:solidFill>
-                  <a:schemeClr val="lt1"/>
-                </a:solidFill>
-              </a14:hiddenFill>
-            </a:ext>
-          </a:extLst>
-        </p:spPr>
-        <p:style>
-          <a:lnRef idx="2">
-            <a:schemeClr val="accent5"/>
-          </a:lnRef>
-          <a:fillRef idx="1">
-            <a:schemeClr val="lt1"/>
-          </a:fillRef>
-          <a:effectRef idx="0">
-            <a:schemeClr val="accent5"/>
-          </a:effectRef>
-          <a:fontRef idx="minor">
-            <a:schemeClr val="dk1"/>
-          </a:fontRef>
-        </p:style>
-        <p:txBody>
-          <a:bodyPr rtlCol="0" anchor="ctr"/>
-          <a:p>
-            <a:pPr algn="ctr"/>
-            <a:endParaRPr lang="en-US" sz="1600"/>
-          </a:p>
-        </p:txBody>
-      </p:sp>
-      <p:sp>
-        <p:nvSpPr>
-          <p:cNvPr id="43" name="Rectangle 42"/>
-          <p:cNvSpPr/>
-          <p:nvPr/>
-        </p:nvSpPr>
-        <p:spPr>
-          <a:xfrm>
-            <a:off x="15984220" y="394970"/>
-            <a:ext cx="6699885" cy="2522220"/>
-          </a:xfrm>
-          <a:prstGeom prst="rect">
-            <a:avLst/>
-          </a:prstGeom>
-          <a:noFill/>
-          <a:extLst>
-            <a:ext uri="{909E8E84-426E-40DD-AFC4-6F175D3DCCD1}">
-              <a14:hiddenFill xmlns:a14="http://schemas.microsoft.com/office/drawing/2010/main">
-                <a:solidFill>
-                  <a:schemeClr val="lt1"/>
-                </a:solidFill>
-              </a14:hiddenFill>
-            </a:ext>
-          </a:extLst>
-        </p:spPr>
-        <p:style>
-          <a:lnRef idx="2">
-            <a:schemeClr val="accent5"/>
-          </a:lnRef>
-          <a:fillRef idx="1">
-            <a:schemeClr val="lt1"/>
-          </a:fillRef>
-          <a:effectRef idx="0">
-            <a:schemeClr val="accent5"/>
-          </a:effectRef>
-          <a:fontRef idx="minor">
-            <a:schemeClr val="dk1"/>
-          </a:fontRef>
-        </p:style>
-        <p:txBody>
-          <a:bodyPr rtlCol="0" anchor="ctr"/>
-          <a:p>
-            <a:pPr algn="ctr"/>
-            <a:endParaRPr lang="en-US" sz="1600"/>
-          </a:p>
-        </p:txBody>
-      </p:sp>
-      <p:sp>
-        <p:nvSpPr>
-          <p:cNvPr id="44" name="Rectangle 43"/>
-          <p:cNvSpPr/>
-          <p:nvPr/>
-        </p:nvSpPr>
-        <p:spPr>
-          <a:xfrm>
-            <a:off x="8472805" y="17356455"/>
-            <a:ext cx="7120255" cy="2491105"/>
-          </a:xfrm>
-          <a:prstGeom prst="rect">
-            <a:avLst/>
-          </a:prstGeom>
-          <a:noFill/>
-          <a:extLst>
-            <a:ext uri="{909E8E84-426E-40DD-AFC4-6F175D3DCCD1}">
-              <a14:hiddenFill xmlns:a14="http://schemas.microsoft.com/office/drawing/2010/main">
-                <a:solidFill>
-                  <a:schemeClr val="lt1"/>
-                </a:solidFill>
-              </a14:hiddenFill>
-            </a:ext>
-          </a:extLst>
-        </p:spPr>
-        <p:style>
-          <a:lnRef idx="2">
-            <a:schemeClr val="accent5"/>
-          </a:lnRef>
-          <a:fillRef idx="1">
-            <a:schemeClr val="lt1"/>
-          </a:fillRef>
-          <a:effectRef idx="0">
-            <a:schemeClr val="accent5"/>
-          </a:effectRef>
-          <a:fontRef idx="minor">
-            <a:schemeClr val="dk1"/>
-          </a:fontRef>
-        </p:style>
-        <p:txBody>
-          <a:bodyPr rtlCol="0" anchor="ctr"/>
-          <a:p>
-            <a:pPr algn="ctr"/>
-            <a:endParaRPr lang="en-US" sz="1600"/>
-          </a:p>
-        </p:txBody>
-      </p:sp>
-      <p:sp>
-        <p:nvSpPr>
-          <p:cNvPr id="45" name="Rectangle 44"/>
-          <p:cNvSpPr/>
-          <p:nvPr/>
-        </p:nvSpPr>
-        <p:spPr>
-          <a:xfrm>
-            <a:off x="8472805" y="12879705"/>
-            <a:ext cx="7120255" cy="3679190"/>
-          </a:xfrm>
-          <a:prstGeom prst="rect">
-            <a:avLst/>
-          </a:prstGeom>
-          <a:noFill/>
-          <a:extLst>
-            <a:ext uri="{909E8E84-426E-40DD-AFC4-6F175D3DCCD1}">
-              <a14:hiddenFill xmlns:a14="http://schemas.microsoft.com/office/drawing/2010/main">
-                <a:solidFill>
-                  <a:schemeClr val="lt1"/>
-                </a:solidFill>
-              </a14:hiddenFill>
-            </a:ext>
-          </a:extLst>
-        </p:spPr>
-        <p:style>
-          <a:lnRef idx="2">
-            <a:schemeClr val="accent5"/>
-          </a:lnRef>
-          <a:fillRef idx="1">
-            <a:schemeClr val="lt1"/>
-          </a:fillRef>
-          <a:effectRef idx="0">
-            <a:schemeClr val="accent5"/>
-          </a:effectRef>
-          <a:fontRef idx="minor">
-            <a:schemeClr val="dk1"/>
-          </a:fontRef>
-        </p:style>
-        <p:txBody>
-          <a:bodyPr rtlCol="0" anchor="ctr"/>
-          <a:p>
-            <a:pPr algn="ctr"/>
-            <a:endParaRPr lang="en-US" sz="1600"/>
-          </a:p>
-        </p:txBody>
-      </p:sp>
-      <p:sp>
-        <p:nvSpPr>
-          <p:cNvPr id="46" name="Rectangle 45"/>
-          <p:cNvSpPr/>
-          <p:nvPr/>
-        </p:nvSpPr>
-        <p:spPr>
-          <a:xfrm>
-            <a:off x="8472805" y="9035415"/>
-            <a:ext cx="7120255" cy="3557270"/>
-          </a:xfrm>
-          <a:prstGeom prst="rect">
-            <a:avLst/>
-          </a:prstGeom>
-          <a:noFill/>
-          <a:extLst>
-            <a:ext uri="{909E8E84-426E-40DD-AFC4-6F175D3DCCD1}">
-              <a14:hiddenFill xmlns:a14="http://schemas.microsoft.com/office/drawing/2010/main">
-                <a:solidFill>
-                  <a:schemeClr val="lt1"/>
-                </a:solidFill>
-              </a14:hiddenFill>
-            </a:ext>
-          </a:extLst>
-        </p:spPr>
-        <p:style>
-          <a:lnRef idx="2">
-            <a:schemeClr val="accent5"/>
-          </a:lnRef>
-          <a:fillRef idx="1">
-            <a:schemeClr val="lt1"/>
-          </a:fillRef>
-          <a:effectRef idx="0">
-            <a:schemeClr val="accent5"/>
-          </a:effectRef>
-          <a:fontRef idx="minor">
-            <a:schemeClr val="dk1"/>
-          </a:fontRef>
-        </p:style>
-        <p:txBody>
-          <a:bodyPr rtlCol="0" anchor="ctr"/>
-          <a:p>
-            <a:pPr algn="ctr"/>
-            <a:endParaRPr lang="en-US" sz="1600"/>
-          </a:p>
-        </p:txBody>
-      </p:sp>
-      <p:sp>
-        <p:nvSpPr>
-          <p:cNvPr id="47" name="Rectangle 46"/>
-          <p:cNvSpPr/>
-          <p:nvPr/>
-        </p:nvSpPr>
-        <p:spPr>
-          <a:xfrm>
-            <a:off x="15984220" y="3247390"/>
-            <a:ext cx="6699885" cy="1941195"/>
-          </a:xfrm>
-          <a:prstGeom prst="rect">
-            <a:avLst/>
-          </a:prstGeom>
-          <a:noFill/>
-          <a:extLst>
-            <a:ext uri="{909E8E84-426E-40DD-AFC4-6F175D3DCCD1}">
-              <a14:hiddenFill xmlns:a14="http://schemas.microsoft.com/office/drawing/2010/main">
-                <a:solidFill>
-                  <a:schemeClr val="lt1"/>
-                </a:solidFill>
-              </a14:hiddenFill>
-            </a:ext>
-          </a:extLst>
-        </p:spPr>
-        <p:style>
-          <a:lnRef idx="2">
-            <a:schemeClr val="accent5"/>
-          </a:lnRef>
-          <a:fillRef idx="1">
-            <a:schemeClr val="lt1"/>
-          </a:fillRef>
-          <a:effectRef idx="0">
-            <a:schemeClr val="accent5"/>
-          </a:effectRef>
-          <a:fontRef idx="minor">
-            <a:schemeClr val="dk1"/>
-          </a:fontRef>
-        </p:style>
-        <p:txBody>
-          <a:bodyPr rtlCol="0" anchor="ctr"/>
-          <a:p>
-            <a:pPr algn="ctr"/>
-            <a:endParaRPr lang="en-US" sz="1600"/>
-          </a:p>
-        </p:txBody>
-      </p:sp>
-      <p:sp>
-        <p:nvSpPr>
-          <p:cNvPr id="48" name="Rectangle 47"/>
-          <p:cNvSpPr/>
-          <p:nvPr/>
-        </p:nvSpPr>
-        <p:spPr>
-          <a:xfrm>
-            <a:off x="15970885" y="6121400"/>
-            <a:ext cx="6699885" cy="2056130"/>
-          </a:xfrm>
-          <a:prstGeom prst="rect">
-            <a:avLst/>
-          </a:prstGeom>
-          <a:noFill/>
-          <a:extLst>
-            <a:ext uri="{909E8E84-426E-40DD-AFC4-6F175D3DCCD1}">
-              <a14:hiddenFill xmlns:a14="http://schemas.microsoft.com/office/drawing/2010/main">
-                <a:solidFill>
-                  <a:schemeClr val="lt1"/>
-                </a:solidFill>
-              </a14:hiddenFill>
-            </a:ext>
-          </a:extLst>
-        </p:spPr>
-        <p:style>
-          <a:lnRef idx="2">
-            <a:schemeClr val="accent5"/>
-          </a:lnRef>
-          <a:fillRef idx="1">
-            <a:schemeClr val="lt1"/>
-          </a:fillRef>
-          <a:effectRef idx="0">
-            <a:schemeClr val="accent5"/>
-          </a:effectRef>
-          <a:fontRef idx="minor">
-            <a:schemeClr val="dk1"/>
-          </a:fontRef>
-        </p:style>
-        <p:txBody>
-          <a:bodyPr rtlCol="0" anchor="ctr"/>
-          <a:p>
-            <a:pPr algn="ctr"/>
-            <a:endParaRPr lang="en-US" sz="1600"/>
-          </a:p>
-        </p:txBody>
-      </p:sp>
-      <p:sp>
-        <p:nvSpPr>
-          <p:cNvPr id="49" name="Rectangle 48"/>
-          <p:cNvSpPr/>
-          <p:nvPr/>
-        </p:nvSpPr>
-        <p:spPr>
-          <a:xfrm>
-            <a:off x="15954375" y="9020810"/>
-            <a:ext cx="6699885" cy="3573145"/>
-          </a:xfrm>
-          <a:prstGeom prst="rect">
-            <a:avLst/>
-          </a:prstGeom>
-          <a:noFill/>
-          <a:extLst>
-            <a:ext uri="{909E8E84-426E-40DD-AFC4-6F175D3DCCD1}">
-              <a14:hiddenFill xmlns:a14="http://schemas.microsoft.com/office/drawing/2010/main">
-                <a:solidFill>
-                  <a:schemeClr val="lt1"/>
-                </a:solidFill>
-              </a14:hiddenFill>
-            </a:ext>
-          </a:extLst>
-        </p:spPr>
-        <p:style>
-          <a:lnRef idx="2">
-            <a:schemeClr val="accent5"/>
-          </a:lnRef>
-          <a:fillRef idx="1">
-            <a:schemeClr val="lt1"/>
-          </a:fillRef>
-          <a:effectRef idx="0">
-            <a:schemeClr val="accent5"/>
-          </a:effectRef>
-          <a:fontRef idx="minor">
-            <a:schemeClr val="dk1"/>
-          </a:fontRef>
-        </p:style>
-        <p:txBody>
-          <a:bodyPr rtlCol="0" anchor="ctr"/>
-          <a:p>
-            <a:pPr algn="ctr"/>
-            <a:endParaRPr lang="en-US" sz="1600"/>
-          </a:p>
-        </p:txBody>
-      </p:sp>
-      <p:sp>
-        <p:nvSpPr>
-          <p:cNvPr id="50" name="Rectangle 49"/>
-          <p:cNvSpPr/>
-          <p:nvPr/>
-        </p:nvSpPr>
-        <p:spPr>
-          <a:xfrm>
-            <a:off x="15984220" y="12879705"/>
-            <a:ext cx="6699885" cy="3681095"/>
-          </a:xfrm>
-          <a:prstGeom prst="rect">
-            <a:avLst/>
-          </a:prstGeom>
-          <a:noFill/>
-          <a:extLst>
-            <a:ext uri="{909E8E84-426E-40DD-AFC4-6F175D3DCCD1}">
-              <a14:hiddenFill xmlns:a14="http://schemas.microsoft.com/office/drawing/2010/main">
-                <a:solidFill>
-                  <a:schemeClr val="lt1"/>
-                </a:solidFill>
-              </a14:hiddenFill>
-            </a:ext>
-          </a:extLst>
-        </p:spPr>
-        <p:style>
-          <a:lnRef idx="2">
-            <a:schemeClr val="accent5"/>
-          </a:lnRef>
-          <a:fillRef idx="1">
-            <a:schemeClr val="lt1"/>
-          </a:fillRef>
-          <a:effectRef idx="0">
-            <a:schemeClr val="accent5"/>
-          </a:effectRef>
-          <a:fontRef idx="minor">
-            <a:schemeClr val="dk1"/>
-          </a:fontRef>
-        </p:style>
-        <p:txBody>
-          <a:bodyPr rtlCol="0" anchor="ctr"/>
-          <a:p>
-            <a:pPr algn="ctr"/>
-            <a:endParaRPr lang="en-US" sz="1600"/>
-          </a:p>
-        </p:txBody>
-      </p:sp>
-      <p:sp>
-        <p:nvSpPr>
-          <p:cNvPr id="53" name="Rectangle 52"/>
-          <p:cNvSpPr/>
-          <p:nvPr/>
-        </p:nvSpPr>
-        <p:spPr>
-          <a:xfrm>
-            <a:off x="15954375" y="17356455"/>
-            <a:ext cx="6699885" cy="2491105"/>
-          </a:xfrm>
-          <a:prstGeom prst="rect">
-            <a:avLst/>
-          </a:prstGeom>
-          <a:noFill/>
-          <a:extLst>
-            <a:ext uri="{909E8E84-426E-40DD-AFC4-6F175D3DCCD1}">
-              <a14:hiddenFill xmlns:a14="http://schemas.microsoft.com/office/drawing/2010/main">
-                <a:solidFill>
-                  <a:schemeClr val="lt1"/>
-                </a:solidFill>
-              </a14:hiddenFill>
-            </a:ext>
-          </a:extLst>
-        </p:spPr>
-        <p:style>
-          <a:lnRef idx="2">
-            <a:schemeClr val="accent5"/>
-          </a:lnRef>
-          <a:fillRef idx="1">
-            <a:schemeClr val="lt1"/>
-          </a:fillRef>
-          <a:effectRef idx="0">
-            <a:schemeClr val="accent5"/>
-          </a:effectRef>
-          <a:fontRef idx="minor">
-            <a:schemeClr val="dk1"/>
-          </a:fontRef>
-        </p:style>
-        <p:txBody>
-          <a:bodyPr rtlCol="0" anchor="ctr"/>
-          <a:p>
-            <a:pPr algn="ctr"/>
-            <a:endParaRPr lang="en-US" sz="1600"/>
-          </a:p>
-        </p:txBody>
-      </p:sp>
-      <p:sp>
-        <p:nvSpPr>
-          <p:cNvPr id="54" name="Rectangle 53"/>
-          <p:cNvSpPr/>
-          <p:nvPr/>
-        </p:nvSpPr>
-        <p:spPr>
-          <a:xfrm>
-            <a:off x="8472805" y="6121400"/>
-            <a:ext cx="7120255" cy="2055495"/>
-          </a:xfrm>
-          <a:prstGeom prst="rect">
-            <a:avLst/>
-          </a:prstGeom>
-          <a:noFill/>
-          <a:extLst>
-            <a:ext uri="{909E8E84-426E-40DD-AFC4-6F175D3DCCD1}">
-              <a14:hiddenFill xmlns:a14="http://schemas.microsoft.com/office/drawing/2010/main">
-                <a:solidFill>
-                  <a:schemeClr val="lt1"/>
-                </a:solidFill>
-              </a14:hiddenFill>
-            </a:ext>
-          </a:extLst>
-        </p:spPr>
-        <p:style>
-          <a:lnRef idx="2">
-            <a:schemeClr val="accent5"/>
-          </a:lnRef>
-          <a:fillRef idx="1">
-            <a:schemeClr val="lt1"/>
-          </a:fillRef>
-          <a:effectRef idx="0">
-            <a:schemeClr val="accent5"/>
-          </a:effectRef>
-          <a:fontRef idx="minor">
-            <a:schemeClr val="dk1"/>
-          </a:fontRef>
-        </p:style>
-        <p:txBody>
-          <a:bodyPr rtlCol="0" anchor="ctr"/>
-          <a:p>
-            <a:pPr algn="ctr"/>
-            <a:endParaRPr lang="en-US" sz="1600"/>
-          </a:p>
-        </p:txBody>
-      </p:sp>
-      <p:sp>
-        <p:nvSpPr>
-          <p:cNvPr id="56" name="Text Box 55"/>
-          <p:cNvSpPr txBox="true"/>
-          <p:nvPr/>
-        </p:nvSpPr>
-        <p:spPr>
-          <a:xfrm>
-            <a:off x="22858730" y="13989050"/>
-            <a:ext cx="1357630" cy="337185"/>
-          </a:xfrm>
-          <a:prstGeom prst="rect">
-            <a:avLst/>
-          </a:prstGeom>
-          <a:noFill/>
-        </p:spPr>
-        <p:txBody>
-          <a:bodyPr wrap="square" rtlCol="0">
-            <a:spAutoFit/>
-          </a:bodyPr>
-          <a:p>
-            <a:r>
-              <a:rPr lang="pt-PT" altLang="en-US" sz="1600"/>
-              <a:t>96hs</a:t>
-            </a:r>
-            <a:endParaRPr lang="pt-PT" altLang="en-US" sz="1600"/>
-          </a:p>
-        </p:txBody>
-      </p:sp>
-      <p:sp>
-        <p:nvSpPr>
-          <p:cNvPr id="58" name="Down Arrow 57"/>
-          <p:cNvSpPr/>
-          <p:nvPr/>
-        </p:nvSpPr>
-        <p:spPr>
-          <a:xfrm>
-            <a:off x="4987290" y="19958685"/>
-            <a:ext cx="709930" cy="850265"/>
-          </a:xfrm>
-          <a:prstGeom prst="downArrow">
-            <a:avLst/>
-          </a:prstGeom>
-        </p:spPr>
-        <p:style>
-          <a:lnRef idx="2">
-            <a:schemeClr val="accent6">
-              <a:shade val="50000"/>
-            </a:schemeClr>
-          </a:lnRef>
-          <a:fillRef idx="1">
-            <a:schemeClr val="accent6"/>
-          </a:fillRef>
-          <a:effectRef idx="0">
-            <a:schemeClr val="accent6"/>
-          </a:effectRef>
-          <a:fontRef idx="minor">
-            <a:schemeClr val="lt1"/>
-          </a:fontRef>
-        </p:style>
-        <p:txBody>
-          <a:bodyPr rtlCol="0" anchor="ctr"/>
-          <a:p>
-            <a:pPr algn="ctr"/>
-            <a:endParaRPr lang="en-US" sz="2800"/>
-          </a:p>
-        </p:txBody>
-      </p:sp>
-      <p:sp>
-        <p:nvSpPr>
-          <p:cNvPr id="59" name="Rectangle 58"/>
-          <p:cNvSpPr/>
-          <p:nvPr/>
-        </p:nvSpPr>
-        <p:spPr>
-          <a:xfrm>
-            <a:off x="2320290" y="21558885"/>
-            <a:ext cx="5469255" cy="975360"/>
-          </a:xfrm>
-          <a:prstGeom prst="rect">
-            <a:avLst/>
-          </a:prstGeom>
-        </p:spPr>
-        <p:style>
-          <a:lnRef idx="2">
-            <a:schemeClr val="accent3">
-              <a:shade val="50000"/>
-            </a:schemeClr>
-          </a:lnRef>
-          <a:fillRef idx="1">
-            <a:schemeClr val="accent3"/>
-          </a:fillRef>
-          <a:effectRef idx="0">
-            <a:schemeClr val="accent3"/>
-          </a:effectRef>
-          <a:fontRef idx="minor">
-            <a:schemeClr val="lt1"/>
-          </a:fontRef>
-        </p:style>
-        <p:txBody>
-          <a:bodyPr rtlCol="0" anchor="ctr"/>
-          <a:p>
-            <a:pPr algn="ctr"/>
-            <a:r>
-              <a:rPr lang="pt-PT" altLang="en-US" sz="2800"/>
-              <a:t>PlotsPrediction.ipynb</a:t>
-            </a:r>
-            <a:endParaRPr lang="pt-PT" altLang="en-US" sz="2800"/>
-          </a:p>
-        </p:txBody>
-      </p:sp>
-      <p:sp>
-        <p:nvSpPr>
-          <p:cNvPr id="60" name="Text Box 59"/>
-          <p:cNvSpPr txBox="true"/>
-          <p:nvPr/>
-        </p:nvSpPr>
-        <p:spPr>
-          <a:xfrm>
-            <a:off x="8724900" y="20640040"/>
-            <a:ext cx="6808470" cy="1938020"/>
-          </a:xfrm>
-          <a:prstGeom prst="rect">
-            <a:avLst/>
-          </a:prstGeom>
-          <a:noFill/>
-          <a:ln>
-            <a:noFill/>
-          </a:ln>
-        </p:spPr>
-        <p:txBody>
-          <a:bodyPr wrap="square" rtlCol="0">
-            <a:spAutoFit/>
-          </a:bodyPr>
-          <a:p>
-            <a:pPr indent="0">
-              <a:buFont typeface="Arial" panose="020B0604020202020204" pitchFamily="34" charset="0"/>
-              <a:buNone/>
-            </a:pPr>
-            <a:r>
-              <a:rPr lang="pt-PT" altLang="en-US" sz="2400"/>
-              <a:t>inputs: </a:t>
-            </a:r>
-            <a:endParaRPr lang="pt-PT" altLang="en-US" sz="2400"/>
-          </a:p>
-          <a:p>
-            <a:pPr marL="285750" indent="-285750">
-              <a:buFont typeface="Arial" panose="020B0604020202020204" pitchFamily="34" charset="0"/>
-              <a:buChar char="•"/>
-            </a:pPr>
-            <a:r>
-              <a:rPr lang="pt-PT" altLang="en-US" sz="2400"/>
-              <a:t>income/folds*.csv</a:t>
-            </a:r>
-            <a:endParaRPr lang="pt-PT" altLang="en-US" sz="2400"/>
-          </a:p>
-          <a:p>
-            <a:pPr marL="285750" indent="-285750">
-              <a:buFont typeface="Arial" panose="020B0604020202020204" pitchFamily="34" charset="0"/>
-              <a:buChar char="•"/>
-            </a:pPr>
-            <a:r>
-              <a:rPr lang="pt-PT" altLang="en-US" sz="2400">
-                <a:sym typeface="+mn-ea"/>
-              </a:rPr>
-              <a:t>income/preds*.csv</a:t>
-            </a:r>
-            <a:endParaRPr lang="pt-PT" altLang="en-US" sz="2400"/>
-          </a:p>
-          <a:p>
-            <a:pPr marL="285750" indent="-285750">
-              <a:buFont typeface="Arial" panose="020B0604020202020204" pitchFamily="34" charset="0"/>
-              <a:buChar char="•"/>
-            </a:pPr>
-            <a:r>
-              <a:rPr lang="pt-PT" altLang="en-US" sz="2400"/>
-              <a:t>geo_fold.csv</a:t>
-            </a:r>
-            <a:endParaRPr lang="pt-PT" altLang="en-US" sz="2400"/>
-          </a:p>
-          <a:p>
-            <a:pPr marL="285750" indent="-285750">
-              <a:buFont typeface="Arial" panose="020B0604020202020204" pitchFamily="34" charset="0"/>
-              <a:buChar char="•"/>
-            </a:pPr>
-            <a:r>
-              <a:rPr lang="pt-PT" altLang="en-US" sz="2400"/>
-              <a:t>IDHMs/IDHM_ValeRibeira.csv</a:t>
-            </a:r>
-            <a:endParaRPr lang="pt-PT" altLang="en-US" sz="2400"/>
-          </a:p>
-        </p:txBody>
-      </p:sp>
-      <p:sp>
-        <p:nvSpPr>
-          <p:cNvPr id="61" name="Text Box 60"/>
-          <p:cNvSpPr txBox="true"/>
-          <p:nvPr/>
-        </p:nvSpPr>
-        <p:spPr>
-          <a:xfrm>
-            <a:off x="16353155" y="20668615"/>
-            <a:ext cx="6330950" cy="1198880"/>
-          </a:xfrm>
-          <a:prstGeom prst="rect">
-            <a:avLst/>
-          </a:prstGeom>
-          <a:noFill/>
-          <a:ln>
-            <a:noFill/>
-          </a:ln>
-        </p:spPr>
-        <p:txBody>
-          <a:bodyPr wrap="square" rtlCol="0">
-            <a:spAutoFit/>
-          </a:bodyPr>
-          <a:p>
-            <a:pPr indent="0">
-              <a:buFont typeface="Arial" panose="020B0604020202020204" pitchFamily="34" charset="0"/>
-              <a:buNone/>
-            </a:pPr>
-            <a:r>
-              <a:rPr lang="pt-PT" altLang="en-US" sz="2400"/>
-              <a:t>outputs: </a:t>
-            </a:r>
-            <a:endParaRPr lang="pt-PT" altLang="en-US" sz="2400"/>
-          </a:p>
-          <a:p>
-            <a:pPr marL="285750" indent="-285750">
-              <a:buFont typeface="Arial" panose="020B0604020202020204" pitchFamily="34" charset="0"/>
-              <a:buChar char="•"/>
-            </a:pPr>
-            <a:r>
-              <a:rPr lang="pt-PT" altLang="en-US" sz="2400"/>
-              <a:t>plots/*</a:t>
-            </a:r>
-            <a:endParaRPr lang="pt-PT" altLang="en-US" sz="2400"/>
-          </a:p>
-          <a:p>
-            <a:pPr marL="285750" indent="-285750">
-              <a:buFont typeface="Arial" panose="020B0604020202020204" pitchFamily="34" charset="0"/>
-              <a:buChar char="•"/>
-            </a:pPr>
-            <a:r>
-              <a:rPr lang="pt-PT" altLang="en-US" sz="2400"/>
-              <a:t>income/score_images/*</a:t>
-            </a:r>
-            <a:endParaRPr lang="pt-PT" altLang="en-US" sz="2400"/>
-          </a:p>
-        </p:txBody>
-      </p:sp>
-      <p:sp>
-        <p:nvSpPr>
-          <p:cNvPr id="62" name="Rectangle 61"/>
-          <p:cNvSpPr/>
-          <p:nvPr/>
-        </p:nvSpPr>
-        <p:spPr>
-          <a:xfrm>
-            <a:off x="8502650" y="20456525"/>
-            <a:ext cx="7120255" cy="2491105"/>
-          </a:xfrm>
-          <a:prstGeom prst="rect">
-            <a:avLst/>
-          </a:prstGeom>
-          <a:noFill/>
-          <a:extLst>
-            <a:ext uri="{909E8E84-426E-40DD-AFC4-6F175D3DCCD1}">
-              <a14:hiddenFill xmlns:a14="http://schemas.microsoft.com/office/drawing/2010/main">
-                <a:solidFill>
-                  <a:schemeClr val="lt1"/>
-                </a:solidFill>
-              </a14:hiddenFill>
-            </a:ext>
-          </a:extLst>
-        </p:spPr>
-        <p:style>
-          <a:lnRef idx="2">
-            <a:schemeClr val="accent5"/>
-          </a:lnRef>
-          <a:fillRef idx="1">
-            <a:schemeClr val="lt1"/>
-          </a:fillRef>
-          <a:effectRef idx="0">
-            <a:schemeClr val="accent5"/>
-          </a:effectRef>
-          <a:fontRef idx="minor">
-            <a:schemeClr val="dk1"/>
-          </a:fontRef>
-        </p:style>
-        <p:txBody>
-          <a:bodyPr rtlCol="0" anchor="ctr"/>
-          <a:p>
-            <a:pPr algn="ctr"/>
-            <a:endParaRPr lang="en-US" sz="1600"/>
-          </a:p>
-        </p:txBody>
-      </p:sp>
-      <p:sp>
-        <p:nvSpPr>
-          <p:cNvPr id="63" name="Rectangle 62"/>
-          <p:cNvSpPr/>
-          <p:nvPr/>
-        </p:nvSpPr>
-        <p:spPr>
-          <a:xfrm>
-            <a:off x="15984220" y="20456525"/>
-            <a:ext cx="6699885" cy="2491105"/>
-          </a:xfrm>
-          <a:prstGeom prst="rect">
-            <a:avLst/>
-          </a:prstGeom>
-          <a:noFill/>
-          <a:extLst>
-            <a:ext uri="{909E8E84-426E-40DD-AFC4-6F175D3DCCD1}">
-              <a14:hiddenFill xmlns:a14="http://schemas.microsoft.com/office/drawing/2010/main">
-                <a:solidFill>
-                  <a:schemeClr val="lt1"/>
-                </a:solidFill>
-              </a14:hiddenFill>
-            </a:ext>
-          </a:extLst>
-        </p:spPr>
-        <p:style>
-          <a:lnRef idx="2">
-            <a:schemeClr val="accent5"/>
-          </a:lnRef>
-          <a:fillRef idx="1">
-            <a:schemeClr val="lt1"/>
-          </a:fillRef>
-          <a:effectRef idx="0">
-            <a:schemeClr val="accent5"/>
-          </a:effectRef>
-          <a:fontRef idx="minor">
-            <a:schemeClr val="dk1"/>
-          </a:fontRef>
-        </p:style>
-        <p:txBody>
-          <a:bodyPr rtlCol="0" anchor="ctr"/>
-          <a:p>
-            <a:pPr algn="ctr"/>
-            <a:endParaRPr lang="en-US" sz="1600"/>
-          </a:p>
-        </p:txBody>
-      </p:sp>
+                <a:effectLst/>
+              </a:endParaRPr>
+            </a:p>
+          </p:txBody>
+        </p:sp>
+      </p:grpSp>
     </p:spTree>
   </p:cSld>
   <p:clrMapOvr>
